--- a/Doc/BáocáoJava-N14-08B3-FITHOU.pptx
+++ b/Doc/BáocáoJava-N14-08B3-FITHOU.pptx
@@ -5707,9 +5707,6 @@
           </p:cNvSpPr>
           <p:nvPr>
             <p:ph type="ctrTitle"/>
-            <p:custDataLst>
-              <p:tags r:id="rId1"/>
-            </p:custDataLst>
           </p:nvPr>
         </p:nvSpPr>
         <p:spPr>
@@ -5922,9 +5919,6 @@
           </p:cNvSpPr>
           <p:nvPr>
             <p:ph type="subTitle" idx="1"/>
-            <p:custDataLst>
-              <p:tags r:id="rId2"/>
-            </p:custDataLst>
           </p:nvPr>
         </p:nvSpPr>
         <p:spPr>
@@ -6219,9 +6213,6 @@
           </p:cNvSpPr>
           <p:nvPr>
             <p:ph type="title"/>
-            <p:custDataLst>
-              <p:tags r:id="rId1"/>
-            </p:custDataLst>
           </p:nvPr>
         </p:nvSpPr>
         <p:spPr>
@@ -6407,9 +6398,6 @@
           </p:cNvSpPr>
           <p:nvPr>
             <p:ph type="body" idx="1"/>
-            <p:custDataLst>
-              <p:tags r:id="rId2"/>
-            </p:custDataLst>
           </p:nvPr>
         </p:nvSpPr>
         <p:spPr>
@@ -6506,9 +6494,6 @@
           </p:cNvSpPr>
           <p:nvPr>
             <p:ph type="title"/>
-            <p:custDataLst>
-              <p:tags r:id="rId1"/>
-            </p:custDataLst>
           </p:nvPr>
         </p:nvSpPr>
         <p:spPr>
@@ -6694,9 +6679,6 @@
           </p:cNvSpPr>
           <p:nvPr>
             <p:ph type="body" idx="1"/>
-            <p:custDataLst>
-              <p:tags r:id="rId2"/>
-            </p:custDataLst>
           </p:nvPr>
         </p:nvSpPr>
         <p:spPr>
@@ -6765,9 +6747,6 @@
           </p:cNvSpPr>
           <p:nvPr>
             <p:ph type="body" idx="2"/>
-            <p:custDataLst>
-              <p:tags r:id="rId3"/>
-            </p:custDataLst>
           </p:nvPr>
         </p:nvSpPr>
         <p:spPr>
@@ -6864,9 +6843,6 @@
           </p:cNvSpPr>
           <p:nvPr>
             <p:ph type="title"/>
-            <p:custDataLst>
-              <p:tags r:id="rId1"/>
-            </p:custDataLst>
           </p:nvPr>
         </p:nvSpPr>
         <p:spPr>
@@ -7080,9 +7056,6 @@
           </p:cNvSpPr>
           <p:nvPr>
             <p:ph type="body" idx="1"/>
-            <p:custDataLst>
-              <p:tags r:id="rId1"/>
-            </p:custDataLst>
           </p:nvPr>
         </p:nvSpPr>
         <p:spPr>
@@ -12959,9 +12932,6 @@
           </p:cNvSpPr>
           <p:nvPr>
             <p:ph type="title"/>
-            <p:custDataLst>
-              <p:tags r:id="rId8"/>
-            </p:custDataLst>
           </p:nvPr>
         </p:nvSpPr>
         <p:spPr>
@@ -13174,9 +13144,6 @@
           </p:cNvSpPr>
           <p:nvPr>
             <p:ph type="body" idx="1"/>
-            <p:custDataLst>
-              <p:tags r:id="rId9"/>
-            </p:custDataLst>
           </p:nvPr>
         </p:nvSpPr>
         <p:spPr>
@@ -13900,11 +13867,7 @@
         <p:nvCxnSpPr>
           <p:cNvPr id="113" name="Shape 113"/>
           <p:cNvCxnSpPr/>
-          <p:nvPr>
-            <p:custDataLst>
-              <p:tags r:id="rId2"/>
-            </p:custDataLst>
-          </p:nvPr>
+          <p:nvPr/>
         </p:nvCxnSpPr>
         <p:spPr>
           <a:xfrm rot="10800000" flipH="1">
@@ -13930,11 +13893,7 @@
         <p:nvCxnSpPr>
           <p:cNvPr id="114" name="Shape 114"/>
           <p:cNvCxnSpPr/>
-          <p:nvPr>
-            <p:custDataLst>
-              <p:tags r:id="rId3"/>
-            </p:custDataLst>
-          </p:nvPr>
+          <p:nvPr/>
         </p:nvCxnSpPr>
         <p:spPr>
           <a:xfrm>
@@ -13964,15 +13923,12 @@
           </p:cNvSpPr>
           <p:nvPr>
             <p:ph type="ctrTitle"/>
-            <p:custDataLst>
-              <p:tags r:id="rId4"/>
-            </p:custDataLst>
           </p:nvPr>
         </p:nvSpPr>
         <p:spPr>
           <a:xfrm>
-            <a:off x="735450" y="2473075"/>
-            <a:ext cx="7784399" cy="708600"/>
+            <a:off x="735450" y="2204864"/>
+            <a:ext cx="7784399" cy="1107965"/>
           </a:xfrm>
           <a:prstGeom prst="rect">
             <a:avLst/>
@@ -14001,64 +13957,95 @@
               <a:buNone/>
             </a:pPr>
             <a:r>
-              <a:rPr sz="3000"/>
-              <a:t>Phần mềm tra cứu thông tin học tập </a:t>
+              <a:rPr sz="3000" dirty="0" err="1"/>
+              <a:t>Phần</a:t>
             </a:r>
-          </a:p>
-          <a:p>
-            <a:pPr lvl="0" algn="ctr" rtl="0">
-              <a:buNone/>
-            </a:pPr>
             <a:r>
-              <a:rPr sz="3000"/>
-              <a:t>FITHOU EDU</a:t>
+              <a:rPr sz="3000" dirty="0"/>
+              <a:t> </a:t>
             </a:r>
+            <a:r>
+              <a:rPr sz="3000" dirty="0" err="1"/>
+              <a:t>mềm</a:t>
+            </a:r>
+            <a:r>
+              <a:rPr sz="3000" dirty="0"/>
+              <a:t> </a:t>
+            </a:r>
+            <a:r>
+              <a:rPr lang="en-US" sz="3000" dirty="0" err="1" smtClean="0"/>
+              <a:t>quản</a:t>
+            </a:r>
+            <a:r>
+              <a:rPr lang="en-US" sz="3000" dirty="0" smtClean="0"/>
+              <a:t> </a:t>
+            </a:r>
+            <a:r>
+              <a:rPr lang="en-US" sz="3000" dirty="0" err="1" smtClean="0"/>
+              <a:t>lý</a:t>
+            </a:r>
+            <a:r>
+              <a:rPr lang="en-US" sz="3000" dirty="0" smtClean="0"/>
+              <a:t> </a:t>
+            </a:r>
+            <a:r>
+              <a:rPr lang="en-US" sz="3000" dirty="0" err="1" smtClean="0"/>
+              <a:t>bán</a:t>
+            </a:r>
+            <a:r>
+              <a:rPr lang="en-US" sz="3000" dirty="0" smtClean="0"/>
+              <a:t> </a:t>
+            </a:r>
+            <a:r>
+              <a:rPr lang="en-US" sz="3000" dirty="0" err="1" smtClean="0"/>
+              <a:t>hàng</a:t>
+            </a:r>
+            <a:r>
+              <a:rPr lang="en-US" sz="3000" dirty="0" smtClean="0"/>
+              <a:t> – HTX </a:t>
+            </a:r>
+            <a:r>
+              <a:rPr lang="en-US" sz="3000" dirty="0" err="1" smtClean="0"/>
+              <a:t>Công</a:t>
+            </a:r>
+            <a:r>
+              <a:rPr lang="en-US" sz="3000" dirty="0" smtClean="0"/>
+              <a:t> </a:t>
+            </a:r>
+            <a:r>
+              <a:rPr lang="en-US" sz="3000" dirty="0" err="1" smtClean="0"/>
+              <a:t>nghiệp</a:t>
+            </a:r>
+            <a:r>
+              <a:rPr lang="en-US" sz="3000" dirty="0" smtClean="0"/>
+              <a:t> </a:t>
+            </a:r>
+            <a:r>
+              <a:rPr lang="en-US" sz="3000" dirty="0" err="1" smtClean="0"/>
+              <a:t>Nhật</a:t>
+            </a:r>
+            <a:r>
+              <a:rPr lang="en-US" sz="3000" dirty="0" smtClean="0"/>
+              <a:t> </a:t>
+            </a:r>
+            <a:r>
+              <a:rPr lang="en-US" sz="3000" dirty="0" err="1" smtClean="0"/>
+              <a:t>Quang</a:t>
+            </a:r>
+            <a:endParaRPr sz="3000" dirty="0"/>
           </a:p>
         </p:txBody>
       </p:sp>
       <p:sp>
         <p:nvSpPr>
-          <p:cNvPr id="116" name="Shape 116"/>
-          <p:cNvSpPr/>
-          <p:nvPr>
-            <p:custDataLst>
-              <p:tags r:id="rId5"/>
-            </p:custDataLst>
-          </p:nvPr>
-        </p:nvSpPr>
-        <p:spPr>
-          <a:xfrm>
-            <a:off x="4138850" y="958650"/>
-            <a:ext cx="1143000" cy="1400175"/>
-          </a:xfrm>
-          <a:prstGeom prst="rect">
-            <a:avLst/>
-          </a:prstGeom>
-          <a:blipFill>
-            <a:blip r:embed="rId12"/>
-            <a:stretch>
-              <a:fillRect/>
-            </a:stretch>
-          </a:blipFill>
-          <a:ln>
-            <a:noFill/>
-          </a:ln>
-        </p:spPr>
-      </p:sp>
-      <p:sp>
-        <p:nvSpPr>
           <p:cNvPr id="117" name="Shape 117"/>
           <p:cNvSpPr/>
-          <p:nvPr>
-            <p:custDataLst>
-              <p:tags r:id="rId6"/>
-            </p:custDataLst>
-          </p:nvPr>
+          <p:nvPr/>
         </p:nvSpPr>
         <p:spPr>
           <a:xfrm>
             <a:off x="4138850" y="4414960"/>
-            <a:ext cx="4533599" cy="295199"/>
+            <a:ext cx="4533599" cy="461635"/>
           </a:xfrm>
           <a:prstGeom prst="rect">
             <a:avLst/>
@@ -14078,13 +14065,34 @@
               <a:buNone/>
             </a:pPr>
             <a:r>
-              <a:rPr sz="1800" i="1">
+              <a:rPr sz="1800" i="1" dirty="0" smtClean="0">
                 <a:solidFill>
                   <a:srgbClr val="CC4125"/>
                 </a:solidFill>
               </a:rPr>
-              <a:t>(Lập trình Java)</a:t>
+              <a:t>(</a:t>
             </a:r>
+            <a:r>
+              <a:rPr lang="en-US" sz="1800" i="1" dirty="0" smtClean="0">
+                <a:solidFill>
+                  <a:srgbClr val="CC4125"/>
+                </a:solidFill>
+              </a:rPr>
+              <a:t>Project Session II</a:t>
+            </a:r>
+            <a:r>
+              <a:rPr sz="1800" i="1" dirty="0" smtClean="0">
+                <a:solidFill>
+                  <a:srgbClr val="CC4125"/>
+                </a:solidFill>
+              </a:rPr>
+              <a:t>)</a:t>
+            </a:r>
+            <a:endParaRPr sz="1800" i="1" dirty="0">
+              <a:solidFill>
+                <a:srgbClr val="CC4125"/>
+              </a:solidFill>
+            </a:endParaRPr>
           </a:p>
         </p:txBody>
       </p:sp>
@@ -14092,16 +14100,12 @@
         <p:nvSpPr>
           <p:cNvPr id="118" name="Shape 118"/>
           <p:cNvSpPr/>
-          <p:nvPr>
-            <p:custDataLst>
-              <p:tags r:id="rId7"/>
-            </p:custDataLst>
-          </p:nvPr>
+          <p:nvPr/>
         </p:nvSpPr>
         <p:spPr>
           <a:xfrm>
             <a:off x="6847426" y="4884900"/>
-            <a:ext cx="1862100" cy="308100"/>
+            <a:ext cx="1862100" cy="400079"/>
           </a:xfrm>
           <a:prstGeom prst="rect">
             <a:avLst/>
@@ -14121,12 +14125,36 @@
               <a:buNone/>
             </a:pPr>
             <a:r>
-              <a:rPr>
+              <a:rPr b="1" i="1" dirty="0" err="1">
                 <a:solidFill>
                   <a:schemeClr val="accent2"/>
                 </a:solidFill>
               </a:rPr>
-              <a:t>Hà Nội - 11/2011</a:t>
+              <a:t>Hà</a:t>
+            </a:r>
+            <a:r>
+              <a:rPr b="1" i="1" dirty="0">
+                <a:solidFill>
+                  <a:schemeClr val="accent2"/>
+                </a:solidFill>
+              </a:rPr>
+              <a:t> </a:t>
+            </a:r>
+            <a:r>
+              <a:rPr b="1" i="1" dirty="0" err="1">
+                <a:solidFill>
+                  <a:schemeClr val="accent2"/>
+                </a:solidFill>
+              </a:rPr>
+              <a:t>Nội</a:t>
+            </a:r>
+            <a:r>
+              <a:rPr b="1" i="1" dirty="0">
+                <a:solidFill>
+                  <a:schemeClr val="accent2"/>
+                </a:solidFill>
+              </a:rPr>
+              <a:t> - 11/2011</a:t>
             </a:r>
           </a:p>
         </p:txBody>
@@ -14135,16 +14163,12 @@
         <p:nvSpPr>
           <p:cNvPr id="119" name="Shape 119"/>
           <p:cNvSpPr/>
-          <p:nvPr>
-            <p:custDataLst>
-              <p:tags r:id="rId8"/>
-            </p:custDataLst>
-          </p:nvPr>
+          <p:nvPr/>
         </p:nvSpPr>
         <p:spPr>
           <a:xfrm>
-            <a:off x="735450" y="4276760"/>
-            <a:ext cx="4970100" cy="2123628"/>
+            <a:off x="682020" y="4509120"/>
+            <a:ext cx="4970100" cy="2210831"/>
           </a:xfrm>
           <a:prstGeom prst="rect">
             <a:avLst/>
@@ -14161,6 +14185,9 @@
           <a:lstStyle/>
           <a:p>
             <a:pPr marL="457200" lvl="0" indent="-342900" rtl="0">
+              <a:lnSpc>
+                <a:spcPct val="150000"/>
+              </a:lnSpc>
               <a:buClr>
                 <a:srgbClr val="CC0000"/>
               </a:buClr>
@@ -14201,23 +14228,15 @@
               <a:t>: </a:t>
             </a:r>
             <a:r>
-              <a:rPr sz="1800" dirty="0">
+              <a:rPr lang="en-US" sz="1800" dirty="0" err="1" smtClean="0">
                 <a:solidFill>
                   <a:srgbClr val="CC0000"/>
                 </a:solidFill>
               </a:rPr>
-              <a:t>TS. </a:t>
+              <a:t>Nguyễn</a:t>
             </a:r>
             <a:r>
-              <a:rPr sz="1800" dirty="0" err="1">
-                <a:solidFill>
-                  <a:srgbClr val="CC0000"/>
-                </a:solidFill>
-              </a:rPr>
-              <a:t>Dương</a:t>
-            </a:r>
-            <a:r>
-              <a:rPr sz="1800" dirty="0">
+              <a:rPr lang="en-US" sz="1800" dirty="0" smtClean="0">
                 <a:solidFill>
                   <a:srgbClr val="CC0000"/>
                 </a:solidFill>
@@ -14225,24 +14244,40 @@
               <a:t> </a:t>
             </a:r>
             <a:r>
-              <a:rPr sz="1800" dirty="0" err="1">
+              <a:rPr lang="en-US" sz="1800" dirty="0" err="1" smtClean="0">
                 <a:solidFill>
                   <a:srgbClr val="CC0000"/>
                 </a:solidFill>
               </a:rPr>
-              <a:t>Thăng</a:t>
+              <a:t>Thế</a:t>
             </a:r>
             <a:r>
-              <a:rPr sz="1800" dirty="0">
+              <a:rPr lang="en-US" sz="1800" dirty="0" smtClean="0">
                 <a:solidFill>
                   <a:srgbClr val="CC0000"/>
                 </a:solidFill>
               </a:rPr>
-              <a:t> Long</a:t>
+              <a:t> </a:t>
             </a:r>
+            <a:r>
+              <a:rPr lang="en-US" sz="1800" dirty="0" err="1" smtClean="0">
+                <a:solidFill>
+                  <a:srgbClr val="CC0000"/>
+                </a:solidFill>
+              </a:rPr>
+              <a:t>Anh</a:t>
+            </a:r>
+            <a:endParaRPr sz="1800" dirty="0">
+              <a:solidFill>
+                <a:srgbClr val="CC0000"/>
+              </a:solidFill>
+            </a:endParaRPr>
           </a:p>
           <a:p>
             <a:pPr marL="457200" lvl="0" indent="-342900" rtl="0">
+              <a:lnSpc>
+                <a:spcPct val="150000"/>
+              </a:lnSpc>
               <a:buClr>
                 <a:srgbClr val="CC0000"/>
               </a:buClr>
@@ -14264,27 +14299,43 @@
                   <a:srgbClr val="CC0000"/>
                 </a:solidFill>
               </a:rPr>
-              <a:t> SVTH (</a:t>
+              <a:t> SVTH </a:t>
             </a:r>
             <a:r>
-              <a:rPr sz="1800" b="1" dirty="0" err="1">
+              <a:rPr sz="1800" b="1" dirty="0" smtClean="0">
                 <a:solidFill>
                   <a:srgbClr val="CC0000"/>
                 </a:solidFill>
               </a:rPr>
-              <a:t>Nhóm</a:t>
+              <a:t>(</a:t>
             </a:r>
             <a:r>
-              <a:rPr sz="1800" b="1" dirty="0">
+              <a:rPr lang="en-US" sz="1800" b="1" dirty="0" smtClean="0">
                 <a:solidFill>
                   <a:srgbClr val="CC0000"/>
                 </a:solidFill>
               </a:rPr>
-              <a:t> 14):</a:t>
+              <a:t>G1</a:t>
             </a:r>
+            <a:r>
+              <a:rPr sz="1800" b="1" dirty="0" smtClean="0">
+                <a:solidFill>
+                  <a:srgbClr val="CC0000"/>
+                </a:solidFill>
+              </a:rPr>
+              <a:t>):</a:t>
+            </a:r>
+            <a:endParaRPr sz="1800" b="1" dirty="0">
+              <a:solidFill>
+                <a:srgbClr val="CC0000"/>
+              </a:solidFill>
+            </a:endParaRPr>
           </a:p>
           <a:p>
             <a:pPr marL="914400" lvl="1" indent="-342900" rtl="0">
+              <a:lnSpc>
+                <a:spcPct val="150000"/>
+              </a:lnSpc>
               <a:buClr>
                 <a:srgbClr val="CC0000"/>
               </a:buClr>
@@ -14293,7 +14344,7 @@
               <a:buChar char="o"/>
             </a:pPr>
             <a:r>
-              <a:rPr sz="1800" dirty="0" err="1">
+              <a:rPr lang="en-US" sz="1800" dirty="0" err="1" smtClean="0">
                 <a:solidFill>
                   <a:srgbClr val="CC0000"/>
                 </a:solidFill>
@@ -14301,7 +14352,7 @@
               <a:t>Nguyễn</a:t>
             </a:r>
             <a:r>
-              <a:rPr sz="1800" dirty="0">
+              <a:rPr lang="en-US" sz="1800" dirty="0" smtClean="0">
                 <a:solidFill>
                   <a:srgbClr val="CC0000"/>
                 </a:solidFill>
@@ -14309,15 +14360,15 @@
               <a:t> </a:t>
             </a:r>
             <a:r>
-              <a:rPr sz="1800" dirty="0" err="1">
+              <a:rPr lang="en-US" sz="1800" dirty="0" err="1" smtClean="0">
                 <a:solidFill>
                   <a:srgbClr val="CC0000"/>
                 </a:solidFill>
               </a:rPr>
-              <a:t>Hoàng</a:t>
+              <a:t>Trương</a:t>
             </a:r>
             <a:r>
-              <a:rPr sz="1800" dirty="0">
+              <a:rPr lang="en-US" sz="1800" dirty="0" smtClean="0">
                 <a:solidFill>
                   <a:srgbClr val="CC0000"/>
                 </a:solidFill>
@@ -14325,7 +14376,23 @@
               <a:t> </a:t>
             </a:r>
             <a:r>
-              <a:rPr sz="1800" dirty="0" err="1">
+              <a:rPr lang="en-US" sz="1800" dirty="0" err="1" smtClean="0">
+                <a:solidFill>
+                  <a:srgbClr val="CC0000"/>
+                </a:solidFill>
+              </a:rPr>
+              <a:t>Việt</a:t>
+            </a:r>
+            <a:r>
+              <a:rPr lang="en-US" sz="1800" dirty="0" smtClean="0">
+                <a:solidFill>
+                  <a:srgbClr val="CC0000"/>
+                </a:solidFill>
+              </a:rPr>
+              <a:t> </a:t>
+            </a:r>
+            <a:r>
+              <a:rPr lang="en-US" sz="1800" dirty="0" err="1" smtClean="0">
                 <a:solidFill>
                   <a:srgbClr val="CC0000"/>
                 </a:solidFill>
@@ -14340,6 +14407,9 @@
           </a:p>
           <a:p>
             <a:pPr marL="914400" lvl="3" indent="-342900">
+              <a:lnSpc>
+                <a:spcPct val="150000"/>
+              </a:lnSpc>
               <a:buClr>
                 <a:srgbClr val="CC0000"/>
               </a:buClr>
@@ -14348,46 +14418,7 @@
               <a:buChar char="o"/>
             </a:pPr>
             <a:r>
-              <a:rPr sz="1800" dirty="0" err="1">
-                <a:solidFill>
-                  <a:srgbClr val="CC0000"/>
-                </a:solidFill>
-              </a:rPr>
-              <a:t>Bế</a:t>
-            </a:r>
-            <a:r>
-              <a:rPr sz="1800" dirty="0">
-                <a:solidFill>
-                  <a:srgbClr val="CC0000"/>
-                </a:solidFill>
-              </a:rPr>
-              <a:t> Minh </a:t>
-            </a:r>
-            <a:r>
-              <a:rPr sz="1800" dirty="0" err="1">
-                <a:solidFill>
-                  <a:srgbClr val="CC0000"/>
-                </a:solidFill>
-              </a:rPr>
-              <a:t>Khánh</a:t>
-            </a:r>
-            <a:endParaRPr sz="1800" dirty="0">
-              <a:solidFill>
-                <a:srgbClr val="CC0000"/>
-              </a:solidFill>
-            </a:endParaRPr>
-          </a:p>
-          <a:p>
-            <a:pPr marL="914400" lvl="1" indent="-342900" rtl="0">
-              <a:buClr>
-                <a:srgbClr val="CC0000"/>
-              </a:buClr>
-              <a:buSzPct val="100000"/>
-              <a:buFont typeface="Courier New"/>
-              <a:buChar char="o"/>
-            </a:pPr>
-            <a:r>
-              <a:rPr sz="1800" dirty="0" err="1">
+              <a:rPr lang="en-US" sz="1800" dirty="0" err="1" smtClean="0">
                 <a:solidFill>
                   <a:srgbClr val="CC0000"/>
                 </a:solidFill>
@@ -14395,7 +14426,7 @@
               <a:t>Quàng</a:t>
             </a:r>
             <a:r>
-              <a:rPr sz="1800" dirty="0">
+              <a:rPr lang="en-US" sz="1800" dirty="0" smtClean="0">
                 <a:solidFill>
                   <a:srgbClr val="CC0000"/>
                 </a:solidFill>
@@ -14403,7 +14434,7 @@
               <a:t> </a:t>
             </a:r>
             <a:r>
-              <a:rPr sz="1800" dirty="0" err="1">
+              <a:rPr lang="en-US" sz="1800" dirty="0" err="1" smtClean="0">
                 <a:solidFill>
                   <a:srgbClr val="CC0000"/>
                 </a:solidFill>
@@ -14411,7 +14442,7 @@
               <a:t>Văn</a:t>
             </a:r>
             <a:r>
-              <a:rPr sz="1800" dirty="0">
+              <a:rPr lang="en-US" sz="1800" dirty="0" smtClean="0">
                 <a:solidFill>
                   <a:srgbClr val="CC0000"/>
                 </a:solidFill>
@@ -14419,7 +14450,7 @@
               <a:t> </a:t>
             </a:r>
             <a:r>
-              <a:rPr sz="1800" dirty="0" err="1">
+              <a:rPr lang="en-US" sz="1800" dirty="0" err="1" smtClean="0">
                 <a:solidFill>
                   <a:srgbClr val="CC0000"/>
                 </a:solidFill>
@@ -14434,6 +14465,9 @@
           </a:p>
           <a:p>
             <a:pPr marL="914400" lvl="1" indent="-342900" rtl="0">
+              <a:lnSpc>
+                <a:spcPct val="150000"/>
+              </a:lnSpc>
               <a:buClr>
                 <a:srgbClr val="CC0000"/>
               </a:buClr>
@@ -14442,15 +14476,15 @@
               <a:buChar char="o"/>
             </a:pPr>
             <a:r>
-              <a:rPr sz="1800" dirty="0" err="1">
+              <a:rPr lang="en-US" sz="1800" dirty="0" err="1" smtClean="0">
                 <a:solidFill>
                   <a:srgbClr val="CC0000"/>
                 </a:solidFill>
               </a:rPr>
-              <a:t>Bùi</a:t>
+              <a:t>Tạ</a:t>
             </a:r>
             <a:r>
-              <a:rPr sz="1800" dirty="0">
+              <a:rPr lang="en-US" sz="1800" dirty="0" smtClean="0">
                 <a:solidFill>
                   <a:srgbClr val="CC0000"/>
                 </a:solidFill>
@@ -14458,41 +14492,15 @@
               <a:t> </a:t>
             </a:r>
             <a:r>
-              <a:rPr sz="1800" dirty="0" err="1">
+              <a:rPr lang="en-US" sz="1800" dirty="0" err="1" smtClean="0">
                 <a:solidFill>
                   <a:srgbClr val="CC0000"/>
                 </a:solidFill>
               </a:rPr>
-              <a:t>Thanh</a:t>
+              <a:t>Việt</a:t>
             </a:r>
             <a:r>
-              <a:rPr sz="1800" dirty="0">
-                <a:solidFill>
-                  <a:srgbClr val="CC0000"/>
-                </a:solidFill>
-              </a:rPr>
-              <a:t> Minh</a:t>
-            </a:r>
-          </a:p>
-          <a:p>
-            <a:pPr marL="914400" lvl="1" indent="-342900">
-              <a:buClr>
-                <a:srgbClr val="CC0000"/>
-              </a:buClr>
-              <a:buSzPct val="100000"/>
-              <a:buFont typeface="Courier New"/>
-              <a:buChar char="o"/>
-            </a:pPr>
-            <a:r>
-              <a:rPr sz="1800" dirty="0" err="1">
-                <a:solidFill>
-                  <a:srgbClr val="CC0000"/>
-                </a:solidFill>
-              </a:rPr>
-              <a:t>Đinh</a:t>
-            </a:r>
-            <a:r>
-              <a:rPr sz="1800" dirty="0">
+              <a:rPr lang="en-US" sz="1800" dirty="0" smtClean="0">
                 <a:solidFill>
                   <a:srgbClr val="CC0000"/>
                 </a:solidFill>
@@ -14500,28 +14508,12 @@
               <a:t> </a:t>
             </a:r>
             <a:r>
-              <a:rPr sz="1800" dirty="0" err="1">
+              <a:rPr lang="en-US" sz="1800" dirty="0" err="1" smtClean="0">
                 <a:solidFill>
                   <a:srgbClr val="CC0000"/>
                 </a:solidFill>
               </a:rPr>
-              <a:t>Trọng</a:t>
-            </a:r>
-            <a:r>
-              <a:rPr sz="1800" dirty="0">
-                <a:solidFill>
-                  <a:srgbClr val="CC0000"/>
-                </a:solidFill>
-              </a:rPr>
-              <a:t> </a:t>
-            </a:r>
-            <a:r>
-              <a:rPr sz="1800" dirty="0" err="1">
-                <a:solidFill>
-                  <a:srgbClr val="CC0000"/>
-                </a:solidFill>
-              </a:rPr>
-              <a:t>Ninh</a:t>
+              <a:t>Thảo</a:t>
             </a:r>
             <a:endParaRPr sz="1800" dirty="0">
               <a:solidFill>
@@ -14531,39 +14523,37 @@
           </a:p>
         </p:txBody>
       </p:sp>
-      <p:sp>
-        <p:nvSpPr>
-          <p:cNvPr id="120" name="Shape 120"/>
-          <p:cNvSpPr/>
-          <p:nvPr>
-            <p:custDataLst>
-              <p:tags r:id="rId9"/>
-            </p:custDataLst>
-          </p:nvPr>
-        </p:nvSpPr>
+      <p:pic>
+        <p:nvPicPr>
+          <p:cNvPr id="2" name="Picture 1"/>
+          <p:cNvPicPr>
+            <a:picLocks noChangeAspect="1"/>
+          </p:cNvPicPr>
+          <p:nvPr/>
+        </p:nvPicPr>
+        <p:blipFill>
+          <a:blip r:embed="rId3">
+            <a:extLst>
+              <a:ext uri="{28A0092B-C50C-407E-A947-70E740481C1C}">
+                <a14:useLocalDpi xmlns:a14="http://schemas.microsoft.com/office/drawing/2010/main" val="0"/>
+              </a:ext>
+            </a:extLst>
+          </a:blip>
+          <a:stretch>
+            <a:fillRect/>
+          </a:stretch>
+        </p:blipFill>
         <p:spPr>
           <a:xfrm>
-            <a:off x="5832775" y="3893650"/>
-            <a:ext cx="914400" cy="914400"/>
+            <a:off x="3144973" y="564325"/>
+            <a:ext cx="2828254" cy="1377179"/>
           </a:xfrm>
           <a:prstGeom prst="rect">
             <a:avLst/>
           </a:prstGeom>
-          <a:blipFill>
-            <a:blip r:embed="rId13"/>
-            <a:stretch>
-              <a:fillRect/>
-            </a:stretch>
-          </a:blipFill>
-          <a:ln>
-            <a:noFill/>
-          </a:ln>
         </p:spPr>
-      </p:sp>
+      </p:pic>
     </p:spTree>
-    <p:custDataLst>
-      <p:tags r:id="rId1"/>
-    </p:custDataLst>
   </p:cSld>
   <p:clrMapOvr>
     <a:masterClrMapping/>
@@ -14606,9 +14596,6 @@
           </p:cNvSpPr>
           <p:nvPr>
             <p:ph type="title"/>
-            <p:custDataLst>
-              <p:tags r:id="rId2"/>
-            </p:custDataLst>
           </p:nvPr>
         </p:nvSpPr>
         <p:spPr>
@@ -14644,11 +14631,7 @@
         <p:nvSpPr>
           <p:cNvPr id="291" name="Shape 291"/>
           <p:cNvSpPr/>
-          <p:nvPr>
-            <p:custDataLst>
-              <p:tags r:id="rId3"/>
-            </p:custDataLst>
-          </p:nvPr>
+          <p:nvPr/>
         </p:nvSpPr>
         <p:spPr>
           <a:xfrm>
@@ -14659,7 +14642,7 @@
             <a:avLst/>
           </a:prstGeom>
           <a:blipFill>
-            <a:blip r:embed="rId19"/>
+            <a:blip r:embed="rId3"/>
             <a:stretch>
               <a:fillRect/>
             </a:stretch>
@@ -14673,11 +14656,7 @@
         <p:nvSpPr>
           <p:cNvPr id="292" name="Shape 292"/>
           <p:cNvSpPr/>
-          <p:nvPr>
-            <p:custDataLst>
-              <p:tags r:id="rId4"/>
-            </p:custDataLst>
-          </p:nvPr>
+          <p:nvPr/>
         </p:nvSpPr>
         <p:spPr>
           <a:xfrm>
@@ -14716,11 +14695,7 @@
         <p:nvSpPr>
           <p:cNvPr id="293" name="Shape 293"/>
           <p:cNvSpPr/>
-          <p:nvPr>
-            <p:custDataLst>
-              <p:tags r:id="rId5"/>
-            </p:custDataLst>
-          </p:nvPr>
+          <p:nvPr/>
         </p:nvSpPr>
         <p:spPr>
           <a:xfrm>
@@ -14755,11 +14730,7 @@
         <p:nvSpPr>
           <p:cNvPr id="294" name="Shape 294"/>
           <p:cNvSpPr/>
-          <p:nvPr>
-            <p:custDataLst>
-              <p:tags r:id="rId6"/>
-            </p:custDataLst>
-          </p:nvPr>
+          <p:nvPr/>
         </p:nvSpPr>
         <p:spPr>
           <a:xfrm>
@@ -14798,11 +14769,7 @@
         <p:nvSpPr>
           <p:cNvPr id="295" name="Shape 295"/>
           <p:cNvSpPr/>
-          <p:nvPr>
-            <p:custDataLst>
-              <p:tags r:id="rId7"/>
-            </p:custDataLst>
-          </p:nvPr>
+          <p:nvPr/>
         </p:nvSpPr>
         <p:spPr>
           <a:xfrm>
@@ -14841,11 +14808,7 @@
         <p:nvSpPr>
           <p:cNvPr id="296" name="Shape 296"/>
           <p:cNvSpPr/>
-          <p:nvPr>
-            <p:custDataLst>
-              <p:tags r:id="rId8"/>
-            </p:custDataLst>
-          </p:nvPr>
+          <p:nvPr/>
         </p:nvSpPr>
         <p:spPr>
           <a:xfrm>
@@ -14888,11 +14851,7 @@
         <p:nvSpPr>
           <p:cNvPr id="297" name="Shape 297"/>
           <p:cNvSpPr/>
-          <p:nvPr>
-            <p:custDataLst>
-              <p:tags r:id="rId9"/>
-            </p:custDataLst>
-          </p:nvPr>
+          <p:nvPr/>
         </p:nvSpPr>
         <p:spPr>
           <a:xfrm>
@@ -14903,7 +14862,7 @@
             <a:avLst/>
           </a:prstGeom>
           <a:blipFill>
-            <a:blip r:embed="rId20"/>
+            <a:blip r:embed="rId4"/>
             <a:stretch>
               <a:fillRect/>
             </a:stretch>
@@ -14917,11 +14876,7 @@
         <p:nvSpPr>
           <p:cNvPr id="298" name="Shape 298"/>
           <p:cNvSpPr/>
-          <p:nvPr>
-            <p:custDataLst>
-              <p:tags r:id="rId10"/>
-            </p:custDataLst>
-          </p:nvPr>
+          <p:nvPr/>
         </p:nvSpPr>
         <p:spPr>
           <a:xfrm>
@@ -14932,7 +14887,7 @@
             <a:avLst/>
           </a:prstGeom>
           <a:blipFill>
-            <a:blip r:embed="rId19"/>
+            <a:blip r:embed="rId3"/>
             <a:stretch>
               <a:fillRect/>
             </a:stretch>
@@ -14946,11 +14901,7 @@
         <p:nvSpPr>
           <p:cNvPr id="299" name="Shape 299"/>
           <p:cNvSpPr/>
-          <p:nvPr>
-            <p:custDataLst>
-              <p:tags r:id="rId11"/>
-            </p:custDataLst>
-          </p:nvPr>
+          <p:nvPr/>
         </p:nvSpPr>
         <p:spPr>
           <a:xfrm>
@@ -14989,11 +14940,7 @@
         <p:nvSpPr>
           <p:cNvPr id="300" name="Shape 300"/>
           <p:cNvSpPr/>
-          <p:nvPr>
-            <p:custDataLst>
-              <p:tags r:id="rId12"/>
-            </p:custDataLst>
-          </p:nvPr>
+          <p:nvPr/>
         </p:nvSpPr>
         <p:spPr>
           <a:xfrm>
@@ -15028,11 +14975,7 @@
         <p:nvSpPr>
           <p:cNvPr id="301" name="Shape 301"/>
           <p:cNvSpPr/>
-          <p:nvPr>
-            <p:custDataLst>
-              <p:tags r:id="rId13"/>
-            </p:custDataLst>
-          </p:nvPr>
+          <p:nvPr/>
         </p:nvSpPr>
         <p:spPr>
           <a:xfrm>
@@ -15071,11 +15014,7 @@
         <p:nvSpPr>
           <p:cNvPr id="302" name="Shape 302"/>
           <p:cNvSpPr/>
-          <p:nvPr>
-            <p:custDataLst>
-              <p:tags r:id="rId14"/>
-            </p:custDataLst>
-          </p:nvPr>
+          <p:nvPr/>
         </p:nvSpPr>
         <p:spPr>
           <a:xfrm>
@@ -15114,11 +15053,7 @@
         <p:nvSpPr>
           <p:cNvPr id="303" name="Shape 303"/>
           <p:cNvSpPr/>
-          <p:nvPr>
-            <p:custDataLst>
-              <p:tags r:id="rId15"/>
-            </p:custDataLst>
-          </p:nvPr>
+          <p:nvPr/>
         </p:nvSpPr>
         <p:spPr>
           <a:xfrm>
@@ -15161,11 +15096,7 @@
         <p:nvSpPr>
           <p:cNvPr id="304" name="Shape 304"/>
           <p:cNvSpPr/>
-          <p:nvPr>
-            <p:custDataLst>
-              <p:tags r:id="rId16"/>
-            </p:custDataLst>
-          </p:nvPr>
+          <p:nvPr/>
         </p:nvSpPr>
         <p:spPr>
           <a:xfrm>
@@ -15176,7 +15107,7 @@
             <a:avLst/>
           </a:prstGeom>
           <a:blipFill>
-            <a:blip r:embed="rId21"/>
+            <a:blip r:embed="rId5"/>
             <a:stretch>
               <a:fillRect/>
             </a:stretch>
@@ -15187,9 +15118,6 @@
         </p:spPr>
       </p:sp>
     </p:spTree>
-    <p:custDataLst>
-      <p:tags r:id="rId1"/>
-    </p:custDataLst>
   </p:cSld>
   <p:clrMapOvr>
     <a:masterClrMapping/>
@@ -15232,9 +15160,6 @@
           </p:cNvSpPr>
           <p:nvPr>
             <p:ph type="title"/>
-            <p:custDataLst>
-              <p:tags r:id="rId2"/>
-            </p:custDataLst>
           </p:nvPr>
         </p:nvSpPr>
         <p:spPr>
@@ -15270,11 +15195,7 @@
         <p:nvSpPr>
           <p:cNvPr id="310" name="Shape 310"/>
           <p:cNvSpPr/>
-          <p:nvPr>
-            <p:custDataLst>
-              <p:tags r:id="rId3"/>
-            </p:custDataLst>
-          </p:nvPr>
+          <p:nvPr/>
         </p:nvSpPr>
         <p:spPr>
           <a:xfrm>
@@ -15285,7 +15206,7 @@
             <a:avLst/>
           </a:prstGeom>
           <a:blipFill>
-            <a:blip r:embed="rId18"/>
+            <a:blip r:embed="rId3"/>
             <a:stretch>
               <a:fillRect/>
             </a:stretch>
@@ -15299,11 +15220,7 @@
         <p:nvSpPr>
           <p:cNvPr id="311" name="Shape 311"/>
           <p:cNvSpPr/>
-          <p:nvPr>
-            <p:custDataLst>
-              <p:tags r:id="rId4"/>
-            </p:custDataLst>
-          </p:nvPr>
+          <p:nvPr/>
         </p:nvSpPr>
         <p:spPr>
           <a:xfrm>
@@ -15342,11 +15259,7 @@
         <p:nvSpPr>
           <p:cNvPr id="312" name="Shape 312"/>
           <p:cNvSpPr/>
-          <p:nvPr>
-            <p:custDataLst>
-              <p:tags r:id="rId5"/>
-            </p:custDataLst>
-          </p:nvPr>
+          <p:nvPr/>
         </p:nvSpPr>
         <p:spPr>
           <a:xfrm>
@@ -15406,11 +15319,7 @@
         <p:nvSpPr>
           <p:cNvPr id="313" name="Shape 313"/>
           <p:cNvSpPr/>
-          <p:nvPr>
-            <p:custDataLst>
-              <p:tags r:id="rId6"/>
-            </p:custDataLst>
-          </p:nvPr>
+          <p:nvPr/>
         </p:nvSpPr>
         <p:spPr>
           <a:xfrm>
@@ -15449,11 +15358,7 @@
         <p:nvSpPr>
           <p:cNvPr id="314" name="Shape 314"/>
           <p:cNvSpPr/>
-          <p:nvPr>
-            <p:custDataLst>
-              <p:tags r:id="rId7"/>
-            </p:custDataLst>
-          </p:nvPr>
+          <p:nvPr/>
         </p:nvSpPr>
         <p:spPr>
           <a:xfrm>
@@ -15492,11 +15397,7 @@
         <p:nvSpPr>
           <p:cNvPr id="315" name="Shape 315"/>
           <p:cNvSpPr/>
-          <p:nvPr>
-            <p:custDataLst>
-              <p:tags r:id="rId8"/>
-            </p:custDataLst>
-          </p:nvPr>
+          <p:nvPr/>
         </p:nvSpPr>
         <p:spPr>
           <a:xfrm>
@@ -15539,11 +15440,7 @@
         <p:nvSpPr>
           <p:cNvPr id="316" name="Shape 316"/>
           <p:cNvSpPr/>
-          <p:nvPr>
-            <p:custDataLst>
-              <p:tags r:id="rId9"/>
-            </p:custDataLst>
-          </p:nvPr>
+          <p:nvPr/>
         </p:nvSpPr>
         <p:spPr>
           <a:xfrm>
@@ -15554,7 +15451,7 @@
             <a:avLst/>
           </a:prstGeom>
           <a:blipFill>
-            <a:blip r:embed="rId18"/>
+            <a:blip r:embed="rId3"/>
             <a:stretch>
               <a:fillRect/>
             </a:stretch>
@@ -15568,11 +15465,7 @@
         <p:nvSpPr>
           <p:cNvPr id="317" name="Shape 317"/>
           <p:cNvSpPr/>
-          <p:nvPr>
-            <p:custDataLst>
-              <p:tags r:id="rId10"/>
-            </p:custDataLst>
-          </p:nvPr>
+          <p:nvPr/>
         </p:nvSpPr>
         <p:spPr>
           <a:xfrm>
@@ -15611,11 +15504,7 @@
         <p:nvSpPr>
           <p:cNvPr id="318" name="Shape 318"/>
           <p:cNvSpPr/>
-          <p:nvPr>
-            <p:custDataLst>
-              <p:tags r:id="rId11"/>
-            </p:custDataLst>
-          </p:nvPr>
+          <p:nvPr/>
         </p:nvSpPr>
         <p:spPr>
           <a:xfrm>
@@ -15650,11 +15539,7 @@
         <p:nvSpPr>
           <p:cNvPr id="319" name="Shape 319"/>
           <p:cNvSpPr/>
-          <p:nvPr>
-            <p:custDataLst>
-              <p:tags r:id="rId12"/>
-            </p:custDataLst>
-          </p:nvPr>
+          <p:nvPr/>
         </p:nvSpPr>
         <p:spPr>
           <a:xfrm>
@@ -15693,11 +15578,7 @@
         <p:nvSpPr>
           <p:cNvPr id="320" name="Shape 320"/>
           <p:cNvSpPr/>
-          <p:nvPr>
-            <p:custDataLst>
-              <p:tags r:id="rId13"/>
-            </p:custDataLst>
-          </p:nvPr>
+          <p:nvPr/>
         </p:nvSpPr>
         <p:spPr>
           <a:xfrm>
@@ -15736,11 +15617,7 @@
         <p:nvSpPr>
           <p:cNvPr id="321" name="Shape 321"/>
           <p:cNvSpPr/>
-          <p:nvPr>
-            <p:custDataLst>
-              <p:tags r:id="rId14"/>
-            </p:custDataLst>
-          </p:nvPr>
+          <p:nvPr/>
         </p:nvSpPr>
         <p:spPr>
           <a:xfrm>
@@ -15751,7 +15628,7 @@
             <a:avLst/>
           </a:prstGeom>
           <a:blipFill>
-            <a:blip r:embed="rId19"/>
+            <a:blip r:embed="rId4"/>
             <a:stretch>
               <a:fillRect/>
             </a:stretch>
@@ -15765,11 +15642,7 @@
         <p:nvSpPr>
           <p:cNvPr id="322" name="Shape 322"/>
           <p:cNvSpPr/>
-          <p:nvPr>
-            <p:custDataLst>
-              <p:tags r:id="rId15"/>
-            </p:custDataLst>
-          </p:nvPr>
+          <p:nvPr/>
         </p:nvSpPr>
         <p:spPr>
           <a:xfrm>
@@ -15780,7 +15653,7 @@
             <a:avLst/>
           </a:prstGeom>
           <a:blipFill>
-            <a:blip r:embed="rId20"/>
+            <a:blip r:embed="rId5"/>
             <a:stretch>
               <a:fillRect/>
             </a:stretch>
@@ -15791,9 +15664,6 @@
         </p:spPr>
       </p:sp>
     </p:spTree>
-    <p:custDataLst>
-      <p:tags r:id="rId1"/>
-    </p:custDataLst>
   </p:cSld>
   <p:clrMapOvr>
     <a:masterClrMapping/>
@@ -15836,9 +15706,6 @@
           </p:cNvSpPr>
           <p:nvPr>
             <p:ph type="title"/>
-            <p:custDataLst>
-              <p:tags r:id="rId2"/>
-            </p:custDataLst>
           </p:nvPr>
         </p:nvSpPr>
         <p:spPr>
@@ -15874,11 +15741,7 @@
         <p:nvSpPr>
           <p:cNvPr id="328" name="Shape 328"/>
           <p:cNvSpPr/>
-          <p:nvPr>
-            <p:custDataLst>
-              <p:tags r:id="rId3"/>
-            </p:custDataLst>
-          </p:nvPr>
+          <p:nvPr/>
         </p:nvSpPr>
         <p:spPr>
           <a:xfrm>
@@ -15889,7 +15752,7 @@
             <a:avLst/>
           </a:prstGeom>
           <a:blipFill>
-            <a:blip r:embed="rId11"/>
+            <a:blip r:embed="rId3"/>
             <a:stretch>
               <a:fillRect/>
             </a:stretch>
@@ -15903,11 +15766,7 @@
         <p:nvSpPr>
           <p:cNvPr id="329" name="Shape 329"/>
           <p:cNvSpPr/>
-          <p:nvPr>
-            <p:custDataLst>
-              <p:tags r:id="rId4"/>
-            </p:custDataLst>
-          </p:nvPr>
+          <p:nvPr/>
         </p:nvSpPr>
         <p:spPr>
           <a:xfrm>
@@ -15946,11 +15805,7 @@
         <p:nvSpPr>
           <p:cNvPr id="330" name="Shape 330"/>
           <p:cNvSpPr/>
-          <p:nvPr>
-            <p:custDataLst>
-              <p:tags r:id="rId5"/>
-            </p:custDataLst>
-          </p:nvPr>
+          <p:nvPr/>
         </p:nvSpPr>
         <p:spPr>
           <a:xfrm>
@@ -15985,11 +15840,7 @@
         <p:nvSpPr>
           <p:cNvPr id="331" name="Shape 331"/>
           <p:cNvSpPr/>
-          <p:nvPr>
-            <p:custDataLst>
-              <p:tags r:id="rId6"/>
-            </p:custDataLst>
-          </p:nvPr>
+          <p:nvPr/>
         </p:nvSpPr>
         <p:spPr>
           <a:xfrm>
@@ -16028,11 +15879,7 @@
         <p:nvSpPr>
           <p:cNvPr id="332" name="Shape 332"/>
           <p:cNvSpPr/>
-          <p:nvPr>
-            <p:custDataLst>
-              <p:tags r:id="rId7"/>
-            </p:custDataLst>
-          </p:nvPr>
+          <p:nvPr/>
         </p:nvSpPr>
         <p:spPr>
           <a:xfrm>
@@ -16071,11 +15918,7 @@
         <p:nvSpPr>
           <p:cNvPr id="333" name="Shape 333"/>
           <p:cNvSpPr/>
-          <p:nvPr>
-            <p:custDataLst>
-              <p:tags r:id="rId8"/>
-            </p:custDataLst>
-          </p:nvPr>
+          <p:nvPr/>
         </p:nvSpPr>
         <p:spPr>
           <a:xfrm>
@@ -16086,7 +15929,7 @@
             <a:avLst/>
           </a:prstGeom>
           <a:blipFill>
-            <a:blip r:embed="rId12"/>
+            <a:blip r:embed="rId4"/>
             <a:stretch>
               <a:fillRect/>
             </a:stretch>
@@ -16097,9 +15940,6 @@
         </p:spPr>
       </p:sp>
     </p:spTree>
-    <p:custDataLst>
-      <p:tags r:id="rId1"/>
-    </p:custDataLst>
   </p:cSld>
   <p:clrMapOvr>
     <a:masterClrMapping/>
@@ -16142,9 +15982,6 @@
           </p:cNvSpPr>
           <p:nvPr>
             <p:ph type="title"/>
-            <p:custDataLst>
-              <p:tags r:id="rId2"/>
-            </p:custDataLst>
           </p:nvPr>
         </p:nvSpPr>
         <p:spPr>
@@ -16184,11 +16021,7 @@
         <p:nvSpPr>
           <p:cNvPr id="339" name="Shape 339"/>
           <p:cNvSpPr/>
-          <p:nvPr>
-            <p:custDataLst>
-              <p:tags r:id="rId3"/>
-            </p:custDataLst>
-          </p:nvPr>
+          <p:nvPr/>
         </p:nvSpPr>
         <p:spPr>
           <a:xfrm>
@@ -16199,7 +16032,7 @@
             <a:avLst/>
           </a:prstGeom>
           <a:blipFill>
-            <a:blip r:embed="rId10"/>
+            <a:blip r:embed="rId3"/>
             <a:stretch>
               <a:fillRect/>
             </a:stretch>
@@ -16213,11 +16046,7 @@
         <p:nvSpPr>
           <p:cNvPr id="340" name="Shape 340"/>
           <p:cNvSpPr/>
-          <p:nvPr>
-            <p:custDataLst>
-              <p:tags r:id="rId4"/>
-            </p:custDataLst>
-          </p:nvPr>
+          <p:nvPr/>
         </p:nvSpPr>
         <p:spPr>
           <a:xfrm>
@@ -16228,7 +16057,7 @@
             <a:avLst/>
           </a:prstGeom>
           <a:blipFill>
-            <a:blip r:embed="rId11"/>
+            <a:blip r:embed="rId4"/>
             <a:stretch>
               <a:fillRect/>
             </a:stretch>
@@ -16242,11 +16071,7 @@
         <p:nvSpPr>
           <p:cNvPr id="341" name="Shape 341"/>
           <p:cNvSpPr/>
-          <p:nvPr>
-            <p:custDataLst>
-              <p:tags r:id="rId5"/>
-            </p:custDataLst>
-          </p:nvPr>
+          <p:nvPr/>
         </p:nvSpPr>
         <p:spPr>
           <a:xfrm>
@@ -16285,11 +16110,7 @@
         <p:nvSpPr>
           <p:cNvPr id="342" name="Shape 342"/>
           <p:cNvSpPr/>
-          <p:nvPr>
-            <p:custDataLst>
-              <p:tags r:id="rId6"/>
-            </p:custDataLst>
-          </p:nvPr>
+          <p:nvPr/>
         </p:nvSpPr>
         <p:spPr>
           <a:xfrm>
@@ -16332,11 +16153,7 @@
         <p:nvSpPr>
           <p:cNvPr id="343" name="Shape 343"/>
           <p:cNvSpPr/>
-          <p:nvPr>
-            <p:custDataLst>
-              <p:tags r:id="rId7"/>
-            </p:custDataLst>
-          </p:nvPr>
+          <p:nvPr/>
         </p:nvSpPr>
         <p:spPr>
           <a:xfrm>
@@ -16376,9 +16193,6 @@
         </p:txBody>
       </p:sp>
     </p:spTree>
-    <p:custDataLst>
-      <p:tags r:id="rId1"/>
-    </p:custDataLst>
   </p:cSld>
   <p:clrMapOvr>
     <a:masterClrMapping/>
@@ -16417,11 +16231,7 @@
         <p:nvSpPr>
           <p:cNvPr id="348" name="Shape 348"/>
           <p:cNvSpPr/>
-          <p:nvPr>
-            <p:custDataLst>
-              <p:tags r:id="rId2"/>
-            </p:custDataLst>
-          </p:nvPr>
+          <p:nvPr/>
         </p:nvSpPr>
         <p:spPr>
           <a:xfrm>
@@ -16464,9 +16274,6 @@
           </p:cNvSpPr>
           <p:nvPr>
             <p:ph type="body" idx="1"/>
-            <p:custDataLst>
-              <p:tags r:id="rId3"/>
-            </p:custDataLst>
           </p:nvPr>
         </p:nvSpPr>
         <p:spPr>
@@ -16493,9 +16300,6 @@
         </p:txBody>
       </p:sp>
     </p:spTree>
-    <p:custDataLst>
-      <p:tags r:id="rId1"/>
-    </p:custDataLst>
   </p:cSld>
   <p:clrMapOvr>
     <a:masterClrMapping/>
@@ -16534,11 +16338,7 @@
         <p:nvSpPr>
           <p:cNvPr id="354" name="Shape 354"/>
           <p:cNvSpPr/>
-          <p:nvPr>
-            <p:custDataLst>
-              <p:tags r:id="rId2"/>
-            </p:custDataLst>
-          </p:nvPr>
+          <p:nvPr/>
         </p:nvSpPr>
         <p:spPr>
           <a:xfrm>
@@ -16549,7 +16349,7 @@
             <a:avLst/>
           </a:prstGeom>
           <a:blipFill>
-            <a:blip r:embed="rId5"/>
+            <a:blip r:embed="rId3"/>
             <a:stretch>
               <a:fillRect/>
             </a:stretch>
@@ -16560,9 +16360,6 @@
         </p:spPr>
       </p:sp>
     </p:spTree>
-    <p:custDataLst>
-      <p:tags r:id="rId1"/>
-    </p:custDataLst>
   </p:cSld>
   <p:clrMapOvr>
     <a:masterClrMapping/>
@@ -16605,9 +16402,6 @@
           </p:cNvSpPr>
           <p:nvPr>
             <p:ph type="title"/>
-            <p:custDataLst>
-              <p:tags r:id="rId2"/>
-            </p:custDataLst>
           </p:nvPr>
         </p:nvSpPr>
         <p:spPr>
@@ -16644,9 +16438,6 @@
           <p:cNvPr id="126" name="Shape 126"/>
           <p:cNvGraphicFramePr/>
           <p:nvPr>
-            <p:custDataLst>
-              <p:tags r:id="rId3"/>
-            </p:custDataLst>
             <p:extLst>
               <p:ext uri="{D42A27DB-BD31-4B8C-83A1-F6EECF244321}">
                 <p14:modId xmlns:p14="http://schemas.microsoft.com/office/powerpoint/2010/main" val="1843661603"/>
@@ -17217,11 +17008,7 @@
         <p:nvSpPr>
           <p:cNvPr id="127" name="Shape 127"/>
           <p:cNvSpPr/>
-          <p:nvPr>
-            <p:custDataLst>
-              <p:tags r:id="rId4"/>
-            </p:custDataLst>
-          </p:nvPr>
+          <p:nvPr/>
         </p:nvSpPr>
         <p:spPr>
           <a:xfrm>
@@ -17232,7 +17019,7 @@
             <a:avLst/>
           </a:prstGeom>
           <a:blipFill>
-            <a:blip r:embed="rId13"/>
+            <a:blip r:embed="rId3"/>
             <a:stretch>
               <a:fillRect/>
             </a:stretch>
@@ -17246,11 +17033,7 @@
         <p:nvSpPr>
           <p:cNvPr id="128" name="Shape 128"/>
           <p:cNvSpPr/>
-          <p:nvPr>
-            <p:custDataLst>
-              <p:tags r:id="rId5"/>
-            </p:custDataLst>
-          </p:nvPr>
+          <p:nvPr/>
         </p:nvSpPr>
         <p:spPr>
           <a:xfrm>
@@ -17261,7 +17044,7 @@
             <a:avLst/>
           </a:prstGeom>
           <a:blipFill>
-            <a:blip r:embed="rId14"/>
+            <a:blip r:embed="rId4"/>
             <a:stretch>
               <a:fillRect/>
             </a:stretch>
@@ -17275,11 +17058,7 @@
         <p:nvSpPr>
           <p:cNvPr id="129" name="Shape 129"/>
           <p:cNvSpPr/>
-          <p:nvPr>
-            <p:custDataLst>
-              <p:tags r:id="rId6"/>
-            </p:custDataLst>
-          </p:nvPr>
+          <p:nvPr/>
         </p:nvSpPr>
         <p:spPr>
           <a:xfrm>
@@ -17290,7 +17069,7 @@
             <a:avLst/>
           </a:prstGeom>
           <a:blipFill>
-            <a:blip r:embed="rId15"/>
+            <a:blip r:embed="rId5"/>
             <a:stretch>
               <a:fillRect/>
             </a:stretch>
@@ -17304,11 +17083,7 @@
         <p:nvSpPr>
           <p:cNvPr id="130" name="Shape 130"/>
           <p:cNvSpPr/>
-          <p:nvPr>
-            <p:custDataLst>
-              <p:tags r:id="rId7"/>
-            </p:custDataLst>
-          </p:nvPr>
+          <p:nvPr/>
         </p:nvSpPr>
         <p:spPr>
           <a:xfrm>
@@ -17348,11 +17123,7 @@
         <p:nvSpPr>
           <p:cNvPr id="131" name="Shape 131"/>
           <p:cNvSpPr/>
-          <p:nvPr>
-            <p:custDataLst>
-              <p:tags r:id="rId8"/>
-            </p:custDataLst>
-          </p:nvPr>
+          <p:nvPr/>
         </p:nvSpPr>
         <p:spPr>
           <a:xfrm>
@@ -17392,11 +17163,7 @@
         <p:nvSpPr>
           <p:cNvPr id="132" name="Shape 132"/>
           <p:cNvSpPr/>
-          <p:nvPr>
-            <p:custDataLst>
-              <p:tags r:id="rId9"/>
-            </p:custDataLst>
-          </p:nvPr>
+          <p:nvPr/>
         </p:nvSpPr>
         <p:spPr>
           <a:xfrm>
@@ -17436,11 +17203,7 @@
         <p:nvSpPr>
           <p:cNvPr id="2" name="TextBox 1"/>
           <p:cNvSpPr txBox="1"/>
-          <p:nvPr>
-            <p:custDataLst>
-              <p:tags r:id="rId10"/>
-            </p:custDataLst>
-          </p:nvPr>
+          <p:nvPr/>
         </p:nvSpPr>
         <p:spPr>
           <a:xfrm>
@@ -17529,9 +17292,6 @@
         </p:txBody>
       </p:sp>
     </p:spTree>
-    <p:custDataLst>
-      <p:tags r:id="rId1"/>
-    </p:custDataLst>
   </p:cSld>
   <p:clrMapOvr>
     <a:masterClrMapping/>
@@ -17886,9 +17646,6 @@
           </p:cNvSpPr>
           <p:nvPr>
             <p:ph type="title"/>
-            <p:custDataLst>
-              <p:tags r:id="rId2"/>
-            </p:custDataLst>
           </p:nvPr>
         </p:nvSpPr>
         <p:spPr>
@@ -17924,11 +17681,7 @@
         <p:nvGraphicFramePr>
           <p:cNvPr id="145" name="Shape 145"/>
           <p:cNvGraphicFramePr/>
-          <p:nvPr>
-            <p:custDataLst>
-              <p:tags r:id="rId3"/>
-            </p:custDataLst>
-          </p:nvPr>
+          <p:nvPr/>
         </p:nvGraphicFramePr>
         <p:xfrm>
           <a:off x="1789787" y="1647525"/>
@@ -17988,11 +17741,7 @@
         <p:nvGraphicFramePr>
           <p:cNvPr id="146" name="Shape 146"/>
           <p:cNvGraphicFramePr/>
-          <p:nvPr>
-            <p:custDataLst>
-              <p:tags r:id="rId4"/>
-            </p:custDataLst>
-          </p:nvPr>
+          <p:nvPr/>
         </p:nvGraphicFramePr>
         <p:xfrm>
           <a:off x="1789787" y="2402000"/>
@@ -18088,11 +17837,7 @@
         <p:nvGraphicFramePr>
           <p:cNvPr id="147" name="Shape 147"/>
           <p:cNvGraphicFramePr/>
-          <p:nvPr>
-            <p:custDataLst>
-              <p:tags r:id="rId5"/>
-            </p:custDataLst>
-          </p:nvPr>
+          <p:nvPr/>
         </p:nvGraphicFramePr>
         <p:xfrm>
           <a:off x="4815992" y="4183100"/>
@@ -18170,11 +17915,7 @@
         <p:nvGraphicFramePr>
           <p:cNvPr id="148" name="Shape 148"/>
           <p:cNvGraphicFramePr/>
-          <p:nvPr>
-            <p:custDataLst>
-              <p:tags r:id="rId6"/>
-            </p:custDataLst>
-          </p:nvPr>
+          <p:nvPr/>
         </p:nvGraphicFramePr>
         <p:xfrm>
           <a:off x="457200" y="3847850"/>
@@ -18270,11 +18011,7 @@
         <p:nvGraphicFramePr>
           <p:cNvPr id="149" name="Shape 149"/>
           <p:cNvGraphicFramePr/>
-          <p:nvPr>
-            <p:custDataLst>
-              <p:tags r:id="rId7"/>
-            </p:custDataLst>
-          </p:nvPr>
+          <p:nvPr/>
         </p:nvGraphicFramePr>
         <p:xfrm>
           <a:off x="4834012" y="5309800"/>
@@ -18370,11 +18107,7 @@
         <p:nvGraphicFramePr>
           <p:cNvPr id="150" name="Shape 150"/>
           <p:cNvGraphicFramePr/>
-          <p:nvPr>
-            <p:custDataLst>
-              <p:tags r:id="rId8"/>
-            </p:custDataLst>
-          </p:nvPr>
+          <p:nvPr/>
         </p:nvGraphicFramePr>
         <p:xfrm>
           <a:off x="6407500" y="4844975"/>
@@ -18452,11 +18185,7 @@
         <p:nvGraphicFramePr>
           <p:cNvPr id="151" name="Shape 151"/>
           <p:cNvGraphicFramePr/>
-          <p:nvPr>
-            <p:custDataLst>
-              <p:tags r:id="rId9"/>
-            </p:custDataLst>
-          </p:nvPr>
+          <p:nvPr/>
         </p:nvGraphicFramePr>
         <p:xfrm>
           <a:off x="4834000" y="1647525"/>
@@ -18588,11 +18317,7 @@
         <p:nvGraphicFramePr>
           <p:cNvPr id="152" name="Shape 152"/>
           <p:cNvGraphicFramePr/>
-          <p:nvPr>
-            <p:custDataLst>
-              <p:tags r:id="rId10"/>
-            </p:custDataLst>
-          </p:nvPr>
+          <p:nvPr/>
         </p:nvGraphicFramePr>
         <p:xfrm>
           <a:off x="457200" y="1647525"/>
@@ -18724,11 +18449,7 @@
         <p:nvGraphicFramePr>
           <p:cNvPr id="153" name="Shape 153"/>
           <p:cNvGraphicFramePr/>
-          <p:nvPr>
-            <p:custDataLst>
-              <p:tags r:id="rId11"/>
-            </p:custDataLst>
-          </p:nvPr>
+          <p:nvPr/>
         </p:nvGraphicFramePr>
         <p:xfrm>
           <a:off x="3287962" y="3298300"/>
@@ -18932,11 +18653,7 @@
         <p:nvGraphicFramePr>
           <p:cNvPr id="154" name="Shape 154"/>
           <p:cNvGraphicFramePr/>
-          <p:nvPr>
-            <p:custDataLst>
-              <p:tags r:id="rId12"/>
-            </p:custDataLst>
-          </p:nvPr>
+          <p:nvPr/>
         </p:nvGraphicFramePr>
         <p:xfrm>
           <a:off x="6407500" y="3381325"/>
@@ -19032,11 +18749,7 @@
         <p:nvGraphicFramePr>
           <p:cNvPr id="155" name="Shape 155"/>
           <p:cNvGraphicFramePr/>
-          <p:nvPr>
-            <p:custDataLst>
-              <p:tags r:id="rId13"/>
-            </p:custDataLst>
-          </p:nvPr>
+          <p:nvPr/>
         </p:nvGraphicFramePr>
         <p:xfrm>
           <a:off x="3287962" y="1647525"/>
@@ -19132,11 +18845,7 @@
         <p:nvCxnSpPr>
           <p:cNvPr id="156" name="Shape 156"/>
           <p:cNvCxnSpPr/>
-          <p:nvPr>
-            <p:custDataLst>
-              <p:tags r:id="rId14"/>
-            </p:custDataLst>
-          </p:nvPr>
+          <p:nvPr/>
         </p:nvCxnSpPr>
         <p:spPr>
           <a:xfrm rot="10800000">
@@ -19162,11 +18871,7 @@
         <p:nvCxnSpPr>
           <p:cNvPr id="157" name="Shape 157"/>
           <p:cNvCxnSpPr/>
-          <p:nvPr>
-            <p:custDataLst>
-              <p:tags r:id="rId15"/>
-            </p:custDataLst>
-          </p:nvPr>
+          <p:nvPr/>
         </p:nvCxnSpPr>
         <p:spPr>
           <a:xfrm>
@@ -19192,11 +18897,7 @@
         <p:nvCxnSpPr>
           <p:cNvPr id="158" name="Shape 158"/>
           <p:cNvCxnSpPr/>
-          <p:nvPr>
-            <p:custDataLst>
-              <p:tags r:id="rId16"/>
-            </p:custDataLst>
-          </p:nvPr>
+          <p:nvPr/>
         </p:nvCxnSpPr>
         <p:spPr>
           <a:xfrm rot="10800000">
@@ -19222,11 +18923,7 @@
         <p:nvCxnSpPr>
           <p:cNvPr id="159" name="Shape 159"/>
           <p:cNvCxnSpPr/>
-          <p:nvPr>
-            <p:custDataLst>
-              <p:tags r:id="rId17"/>
-            </p:custDataLst>
-          </p:nvPr>
+          <p:nvPr/>
         </p:nvCxnSpPr>
         <p:spPr>
           <a:xfrm>
@@ -19252,11 +18949,7 @@
         <p:nvCxnSpPr>
           <p:cNvPr id="160" name="Shape 160"/>
           <p:cNvCxnSpPr/>
-          <p:nvPr>
-            <p:custDataLst>
-              <p:tags r:id="rId18"/>
-            </p:custDataLst>
-          </p:nvPr>
+          <p:nvPr/>
         </p:nvCxnSpPr>
         <p:spPr>
           <a:xfrm rot="10800000">
@@ -19282,11 +18975,7 @@
         <p:nvCxnSpPr>
           <p:cNvPr id="161" name="Shape 161"/>
           <p:cNvCxnSpPr/>
-          <p:nvPr>
-            <p:custDataLst>
-              <p:tags r:id="rId19"/>
-            </p:custDataLst>
-          </p:nvPr>
+          <p:nvPr/>
         </p:nvCxnSpPr>
         <p:spPr>
           <a:xfrm>
@@ -19312,11 +19001,7 @@
         <p:nvCxnSpPr>
           <p:cNvPr id="162" name="Shape 162"/>
           <p:cNvCxnSpPr/>
-          <p:nvPr>
-            <p:custDataLst>
-              <p:tags r:id="rId20"/>
-            </p:custDataLst>
-          </p:nvPr>
+          <p:nvPr/>
         </p:nvCxnSpPr>
         <p:spPr>
           <a:xfrm>
@@ -19342,11 +19027,7 @@
         <p:nvCxnSpPr>
           <p:cNvPr id="163" name="Shape 163"/>
           <p:cNvCxnSpPr/>
-          <p:nvPr>
-            <p:custDataLst>
-              <p:tags r:id="rId21"/>
-            </p:custDataLst>
-          </p:nvPr>
+          <p:nvPr/>
         </p:nvCxnSpPr>
         <p:spPr>
           <a:xfrm>
@@ -19372,11 +19053,7 @@
         <p:nvCxnSpPr>
           <p:cNvPr id="164" name="Shape 164"/>
           <p:cNvCxnSpPr/>
-          <p:nvPr>
-            <p:custDataLst>
-              <p:tags r:id="rId22"/>
-            </p:custDataLst>
-          </p:nvPr>
+          <p:nvPr/>
         </p:nvCxnSpPr>
         <p:spPr>
           <a:xfrm rot="10800000">
@@ -19402,11 +19079,7 @@
         <p:nvCxnSpPr>
           <p:cNvPr id="165" name="Shape 165"/>
           <p:cNvCxnSpPr/>
-          <p:nvPr>
-            <p:custDataLst>
-              <p:tags r:id="rId23"/>
-            </p:custDataLst>
-          </p:nvPr>
+          <p:nvPr/>
         </p:nvCxnSpPr>
         <p:spPr>
           <a:xfrm>
@@ -19432,11 +19105,7 @@
         <p:nvCxnSpPr>
           <p:cNvPr id="166" name="Shape 166"/>
           <p:cNvCxnSpPr/>
-          <p:nvPr>
-            <p:custDataLst>
-              <p:tags r:id="rId24"/>
-            </p:custDataLst>
-          </p:nvPr>
+          <p:nvPr/>
         </p:nvCxnSpPr>
         <p:spPr>
           <a:xfrm>
@@ -19462,11 +19131,7 @@
         <p:nvCxnSpPr>
           <p:cNvPr id="167" name="Shape 167"/>
           <p:cNvCxnSpPr/>
-          <p:nvPr>
-            <p:custDataLst>
-              <p:tags r:id="rId25"/>
-            </p:custDataLst>
-          </p:nvPr>
+          <p:nvPr/>
         </p:nvCxnSpPr>
         <p:spPr>
           <a:xfrm rot="10800000">
@@ -19492,11 +19157,7 @@
         <p:nvCxnSpPr>
           <p:cNvPr id="168" name="Shape 168"/>
           <p:cNvCxnSpPr/>
-          <p:nvPr>
-            <p:custDataLst>
-              <p:tags r:id="rId26"/>
-            </p:custDataLst>
-          </p:nvPr>
+          <p:nvPr/>
         </p:nvCxnSpPr>
         <p:spPr>
           <a:xfrm rot="10800000">
@@ -19522,11 +19183,7 @@
         <p:nvCxnSpPr>
           <p:cNvPr id="169" name="Shape 169"/>
           <p:cNvCxnSpPr/>
-          <p:nvPr>
-            <p:custDataLst>
-              <p:tags r:id="rId27"/>
-            </p:custDataLst>
-          </p:nvPr>
+          <p:nvPr/>
         </p:nvCxnSpPr>
         <p:spPr>
           <a:xfrm>
@@ -19552,11 +19209,7 @@
         <p:nvCxnSpPr>
           <p:cNvPr id="170" name="Shape 170"/>
           <p:cNvCxnSpPr/>
-          <p:nvPr>
-            <p:custDataLst>
-              <p:tags r:id="rId28"/>
-            </p:custDataLst>
-          </p:nvPr>
+          <p:nvPr/>
         </p:nvCxnSpPr>
         <p:spPr>
           <a:xfrm rot="10800000">
@@ -19582,11 +19235,7 @@
         <p:nvCxnSpPr>
           <p:cNvPr id="171" name="Shape 171"/>
           <p:cNvCxnSpPr/>
-          <p:nvPr>
-            <p:custDataLst>
-              <p:tags r:id="rId29"/>
-            </p:custDataLst>
-          </p:nvPr>
+          <p:nvPr/>
         </p:nvCxnSpPr>
         <p:spPr>
           <a:xfrm>
@@ -19612,11 +19261,7 @@
         <p:nvCxnSpPr>
           <p:cNvPr id="172" name="Shape 172"/>
           <p:cNvCxnSpPr/>
-          <p:nvPr>
-            <p:custDataLst>
-              <p:tags r:id="rId30"/>
-            </p:custDataLst>
-          </p:nvPr>
+          <p:nvPr/>
         </p:nvCxnSpPr>
         <p:spPr>
           <a:xfrm>
@@ -19642,11 +19287,7 @@
         <p:nvCxnSpPr>
           <p:cNvPr id="173" name="Shape 173"/>
           <p:cNvCxnSpPr/>
-          <p:nvPr>
-            <p:custDataLst>
-              <p:tags r:id="rId31"/>
-            </p:custDataLst>
-          </p:nvPr>
+          <p:nvPr/>
         </p:nvCxnSpPr>
         <p:spPr>
           <a:xfrm>
@@ -19672,11 +19313,7 @@
         <p:nvCxnSpPr>
           <p:cNvPr id="174" name="Shape 174"/>
           <p:cNvCxnSpPr/>
-          <p:nvPr>
-            <p:custDataLst>
-              <p:tags r:id="rId32"/>
-            </p:custDataLst>
-          </p:nvPr>
+          <p:nvPr/>
         </p:nvCxnSpPr>
         <p:spPr>
           <a:xfrm>
@@ -19702,11 +19339,7 @@
         <p:nvCxnSpPr>
           <p:cNvPr id="175" name="Shape 175"/>
           <p:cNvCxnSpPr/>
-          <p:nvPr>
-            <p:custDataLst>
-              <p:tags r:id="rId33"/>
-            </p:custDataLst>
-          </p:nvPr>
+          <p:nvPr/>
         </p:nvCxnSpPr>
         <p:spPr>
           <a:xfrm>
@@ -19732,11 +19365,7 @@
         <p:nvCxnSpPr>
           <p:cNvPr id="176" name="Shape 176"/>
           <p:cNvCxnSpPr/>
-          <p:nvPr>
-            <p:custDataLst>
-              <p:tags r:id="rId34"/>
-            </p:custDataLst>
-          </p:nvPr>
+          <p:nvPr/>
         </p:nvCxnSpPr>
         <p:spPr>
           <a:xfrm>
@@ -19762,11 +19391,7 @@
         <p:nvCxnSpPr>
           <p:cNvPr id="177" name="Shape 177"/>
           <p:cNvCxnSpPr/>
-          <p:nvPr>
-            <p:custDataLst>
-              <p:tags r:id="rId35"/>
-            </p:custDataLst>
-          </p:nvPr>
+          <p:nvPr/>
         </p:nvCxnSpPr>
         <p:spPr>
           <a:xfrm rot="10800000">
@@ -19792,11 +19417,7 @@
         <p:nvCxnSpPr>
           <p:cNvPr id="178" name="Shape 178"/>
           <p:cNvCxnSpPr/>
-          <p:nvPr>
-            <p:custDataLst>
-              <p:tags r:id="rId36"/>
-            </p:custDataLst>
-          </p:nvPr>
+          <p:nvPr/>
         </p:nvCxnSpPr>
         <p:spPr>
           <a:xfrm>
@@ -19822,11 +19443,7 @@
         <p:nvCxnSpPr>
           <p:cNvPr id="179" name="Shape 179"/>
           <p:cNvCxnSpPr/>
-          <p:nvPr>
-            <p:custDataLst>
-              <p:tags r:id="rId37"/>
-            </p:custDataLst>
-          </p:nvPr>
+          <p:nvPr/>
         </p:nvCxnSpPr>
         <p:spPr>
           <a:xfrm>
@@ -19852,11 +19469,7 @@
         <p:nvCxnSpPr>
           <p:cNvPr id="180" name="Shape 180"/>
           <p:cNvCxnSpPr/>
-          <p:nvPr>
-            <p:custDataLst>
-              <p:tags r:id="rId38"/>
-            </p:custDataLst>
-          </p:nvPr>
+          <p:nvPr/>
         </p:nvCxnSpPr>
         <p:spPr>
           <a:xfrm>
@@ -19882,11 +19495,7 @@
         <p:nvGraphicFramePr>
           <p:cNvPr id="181" name="Shape 181"/>
           <p:cNvGraphicFramePr/>
-          <p:nvPr>
-            <p:custDataLst>
-              <p:tags r:id="rId39"/>
-            </p:custDataLst>
-          </p:nvPr>
+          <p:nvPr/>
         </p:nvGraphicFramePr>
         <p:xfrm>
           <a:off x="6407500" y="5980300"/>
@@ -20020,11 +19629,7 @@
         <p:nvGraphicFramePr>
           <p:cNvPr id="182" name="Shape 182"/>
           <p:cNvGraphicFramePr/>
-          <p:nvPr>
-            <p:custDataLst>
-              <p:tags r:id="rId40"/>
-            </p:custDataLst>
-          </p:nvPr>
+          <p:nvPr/>
         </p:nvGraphicFramePr>
         <p:xfrm>
           <a:off x="7825862" y="3429325"/>
@@ -20156,11 +19761,7 @@
         <p:nvGraphicFramePr>
           <p:cNvPr id="183" name="Shape 183"/>
           <p:cNvGraphicFramePr/>
-          <p:nvPr>
-            <p:custDataLst>
-              <p:tags r:id="rId41"/>
-            </p:custDataLst>
-          </p:nvPr>
+          <p:nvPr/>
         </p:nvGraphicFramePr>
         <p:xfrm>
           <a:off x="6407500" y="1674875"/>
@@ -20238,11 +19839,7 @@
         <p:nvCxnSpPr>
           <p:cNvPr id="184" name="Shape 184"/>
           <p:cNvCxnSpPr/>
-          <p:nvPr>
-            <p:custDataLst>
-              <p:tags r:id="rId42"/>
-            </p:custDataLst>
-          </p:nvPr>
+          <p:nvPr/>
         </p:nvCxnSpPr>
         <p:spPr>
           <a:xfrm>
@@ -20268,11 +19865,7 @@
         <p:nvCxnSpPr>
           <p:cNvPr id="185" name="Shape 185"/>
           <p:cNvCxnSpPr/>
-          <p:nvPr>
-            <p:custDataLst>
-              <p:tags r:id="rId43"/>
-            </p:custDataLst>
-          </p:nvPr>
+          <p:nvPr/>
         </p:nvCxnSpPr>
         <p:spPr>
           <a:xfrm rot="10800000">
@@ -20298,11 +19891,7 @@
         <p:nvCxnSpPr>
           <p:cNvPr id="186" name="Shape 186"/>
           <p:cNvCxnSpPr/>
-          <p:nvPr>
-            <p:custDataLst>
-              <p:tags r:id="rId44"/>
-            </p:custDataLst>
-          </p:nvPr>
+          <p:nvPr/>
         </p:nvCxnSpPr>
         <p:spPr>
           <a:xfrm>
@@ -20328,11 +19917,7 @@
         <p:nvCxnSpPr>
           <p:cNvPr id="187" name="Shape 187"/>
           <p:cNvCxnSpPr/>
-          <p:nvPr>
-            <p:custDataLst>
-              <p:tags r:id="rId45"/>
-            </p:custDataLst>
-          </p:nvPr>
+          <p:nvPr/>
         </p:nvCxnSpPr>
         <p:spPr>
           <a:xfrm rot="10800000">
@@ -20358,11 +19943,7 @@
         <p:nvCxnSpPr>
           <p:cNvPr id="188" name="Shape 188"/>
           <p:cNvCxnSpPr/>
-          <p:nvPr>
-            <p:custDataLst>
-              <p:tags r:id="rId46"/>
-            </p:custDataLst>
-          </p:nvPr>
+          <p:nvPr/>
         </p:nvCxnSpPr>
         <p:spPr>
           <a:xfrm rot="10800000">
@@ -20388,11 +19969,7 @@
         <p:nvCxnSpPr>
           <p:cNvPr id="189" name="Shape 189"/>
           <p:cNvCxnSpPr/>
-          <p:nvPr>
-            <p:custDataLst>
-              <p:tags r:id="rId47"/>
-            </p:custDataLst>
-          </p:nvPr>
+          <p:nvPr/>
         </p:nvCxnSpPr>
         <p:spPr>
           <a:xfrm>
@@ -20418,11 +19995,7 @@
         <p:nvCxnSpPr>
           <p:cNvPr id="190" name="Shape 190"/>
           <p:cNvCxnSpPr/>
-          <p:nvPr>
-            <p:custDataLst>
-              <p:tags r:id="rId48"/>
-            </p:custDataLst>
-          </p:nvPr>
+          <p:nvPr/>
         </p:nvCxnSpPr>
         <p:spPr>
           <a:xfrm>
@@ -20448,11 +20021,7 @@
         <p:nvCxnSpPr>
           <p:cNvPr id="191" name="Shape 191"/>
           <p:cNvCxnSpPr/>
-          <p:nvPr>
-            <p:custDataLst>
-              <p:tags r:id="rId49"/>
-            </p:custDataLst>
-          </p:nvPr>
+          <p:nvPr/>
         </p:nvCxnSpPr>
         <p:spPr>
           <a:xfrm>
@@ -20478,11 +20047,7 @@
         <p:nvCxnSpPr>
           <p:cNvPr id="192" name="Shape 192"/>
           <p:cNvCxnSpPr/>
-          <p:nvPr>
-            <p:custDataLst>
-              <p:tags r:id="rId50"/>
-            </p:custDataLst>
-          </p:nvPr>
+          <p:nvPr/>
         </p:nvCxnSpPr>
         <p:spPr>
           <a:xfrm>
@@ -20508,11 +20073,7 @@
         <p:nvCxnSpPr>
           <p:cNvPr id="193" name="Shape 193"/>
           <p:cNvCxnSpPr/>
-          <p:nvPr>
-            <p:custDataLst>
-              <p:tags r:id="rId51"/>
-            </p:custDataLst>
-          </p:nvPr>
+          <p:nvPr/>
         </p:nvCxnSpPr>
         <p:spPr>
           <a:xfrm>
@@ -20538,11 +20099,7 @@
         <p:nvCxnSpPr>
           <p:cNvPr id="194" name="Shape 194"/>
           <p:cNvCxnSpPr/>
-          <p:nvPr>
-            <p:custDataLst>
-              <p:tags r:id="rId52"/>
-            </p:custDataLst>
-          </p:nvPr>
+          <p:nvPr/>
         </p:nvCxnSpPr>
         <p:spPr>
           <a:xfrm>
@@ -20568,11 +20125,7 @@
         <p:nvCxnSpPr>
           <p:cNvPr id="195" name="Shape 195"/>
           <p:cNvCxnSpPr/>
-          <p:nvPr>
-            <p:custDataLst>
-              <p:tags r:id="rId53"/>
-            </p:custDataLst>
-          </p:nvPr>
+          <p:nvPr/>
         </p:nvCxnSpPr>
         <p:spPr>
           <a:xfrm>
@@ -20598,11 +20151,7 @@
         <p:nvCxnSpPr>
           <p:cNvPr id="196" name="Shape 196"/>
           <p:cNvCxnSpPr/>
-          <p:nvPr>
-            <p:custDataLst>
-              <p:tags r:id="rId54"/>
-            </p:custDataLst>
-          </p:nvPr>
+          <p:nvPr/>
         </p:nvCxnSpPr>
         <p:spPr>
           <a:xfrm>
@@ -20628,11 +20177,7 @@
         <p:nvCxnSpPr>
           <p:cNvPr id="197" name="Shape 197"/>
           <p:cNvCxnSpPr/>
-          <p:nvPr>
-            <p:custDataLst>
-              <p:tags r:id="rId55"/>
-            </p:custDataLst>
-          </p:nvPr>
+          <p:nvPr/>
         </p:nvCxnSpPr>
         <p:spPr>
           <a:xfrm>
@@ -20658,11 +20203,7 @@
         <p:nvCxnSpPr>
           <p:cNvPr id="198" name="Shape 198"/>
           <p:cNvCxnSpPr/>
-          <p:nvPr>
-            <p:custDataLst>
-              <p:tags r:id="rId56"/>
-            </p:custDataLst>
-          </p:nvPr>
+          <p:nvPr/>
         </p:nvCxnSpPr>
         <p:spPr>
           <a:xfrm>
@@ -20688,11 +20229,7 @@
         <p:nvCxnSpPr>
           <p:cNvPr id="199" name="Shape 199"/>
           <p:cNvCxnSpPr/>
-          <p:nvPr>
-            <p:custDataLst>
-              <p:tags r:id="rId57"/>
-            </p:custDataLst>
-          </p:nvPr>
+          <p:nvPr/>
         </p:nvCxnSpPr>
         <p:spPr>
           <a:xfrm rot="10800000">
@@ -20718,11 +20255,7 @@
         <p:nvGraphicFramePr>
           <p:cNvPr id="200" name="Shape 200"/>
           <p:cNvGraphicFramePr/>
-          <p:nvPr>
-            <p:custDataLst>
-              <p:tags r:id="rId58"/>
-            </p:custDataLst>
-          </p:nvPr>
+          <p:nvPr/>
         </p:nvGraphicFramePr>
         <p:xfrm>
           <a:off x="1789787" y="3939800"/>
@@ -21076,11 +20609,7 @@
         <p:nvCxnSpPr>
           <p:cNvPr id="201" name="Shape 201"/>
           <p:cNvCxnSpPr/>
-          <p:nvPr>
-            <p:custDataLst>
-              <p:tags r:id="rId59"/>
-            </p:custDataLst>
-          </p:nvPr>
+          <p:nvPr/>
         </p:nvCxnSpPr>
         <p:spPr>
           <a:xfrm rot="10800000">
@@ -21106,11 +20635,7 @@
         <p:nvCxnSpPr>
           <p:cNvPr id="202" name="Shape 202"/>
           <p:cNvCxnSpPr/>
-          <p:nvPr>
-            <p:custDataLst>
-              <p:tags r:id="rId60"/>
-            </p:custDataLst>
-          </p:nvPr>
+          <p:nvPr/>
         </p:nvCxnSpPr>
         <p:spPr>
           <a:xfrm>
@@ -21136,11 +20661,7 @@
         <p:nvCxnSpPr>
           <p:cNvPr id="203" name="Shape 203"/>
           <p:cNvCxnSpPr/>
-          <p:nvPr>
-            <p:custDataLst>
-              <p:tags r:id="rId61"/>
-            </p:custDataLst>
-          </p:nvPr>
+          <p:nvPr/>
         </p:nvCxnSpPr>
         <p:spPr>
           <a:xfrm>
@@ -21166,11 +20687,7 @@
         <p:nvCxnSpPr>
           <p:cNvPr id="204" name="Shape 204"/>
           <p:cNvCxnSpPr/>
-          <p:nvPr>
-            <p:custDataLst>
-              <p:tags r:id="rId62"/>
-            </p:custDataLst>
-          </p:nvPr>
+          <p:nvPr/>
         </p:nvCxnSpPr>
         <p:spPr>
           <a:xfrm>
@@ -21196,11 +20713,7 @@
         <p:nvCxnSpPr>
           <p:cNvPr id="205" name="Shape 205"/>
           <p:cNvCxnSpPr/>
-          <p:nvPr>
-            <p:custDataLst>
-              <p:tags r:id="rId63"/>
-            </p:custDataLst>
-          </p:nvPr>
+          <p:nvPr/>
         </p:nvCxnSpPr>
         <p:spPr>
           <a:xfrm>
@@ -21226,11 +20739,7 @@
         <p:nvCxnSpPr>
           <p:cNvPr id="206" name="Shape 206"/>
           <p:cNvCxnSpPr/>
-          <p:nvPr>
-            <p:custDataLst>
-              <p:tags r:id="rId64"/>
-            </p:custDataLst>
-          </p:nvPr>
+          <p:nvPr/>
         </p:nvCxnSpPr>
         <p:spPr>
           <a:xfrm rot="10800000">
@@ -21253,9 +20762,6 @@
         </p:spPr>
       </p:cxnSp>
     </p:spTree>
-    <p:custDataLst>
-      <p:tags r:id="rId1"/>
-    </p:custDataLst>
   </p:cSld>
   <p:clrMapOvr>
     <a:masterClrMapping/>
@@ -21298,9 +20804,6 @@
           </p:cNvSpPr>
           <p:nvPr>
             <p:ph type="title"/>
-            <p:custDataLst>
-              <p:tags r:id="rId2"/>
-            </p:custDataLst>
           </p:nvPr>
         </p:nvSpPr>
         <p:spPr>
@@ -21336,11 +20839,7 @@
         <p:nvSpPr>
           <p:cNvPr id="138" name="Shape 138"/>
           <p:cNvSpPr/>
-          <p:nvPr>
-            <p:custDataLst>
-              <p:tags r:id="rId3"/>
-            </p:custDataLst>
-          </p:nvPr>
+          <p:nvPr/>
         </p:nvSpPr>
         <p:spPr>
           <a:xfrm>
@@ -21351,7 +20850,7 @@
             <a:avLst/>
           </a:prstGeom>
           <a:blipFill>
-            <a:blip r:embed="rId13"/>
+            <a:blip r:embed="rId3"/>
             <a:stretch>
               <a:fillRect/>
             </a:stretch>
@@ -21367,14 +20866,10 @@
           <p:cNvPicPr>
             <a:picLocks noChangeAspect="1"/>
           </p:cNvPicPr>
-          <p:nvPr>
-            <p:custDataLst>
-              <p:tags r:id="rId4"/>
-            </p:custDataLst>
-          </p:nvPr>
+          <p:nvPr/>
         </p:nvPicPr>
         <p:blipFill>
-          <a:blip r:embed="rId14">
+          <a:blip r:embed="rId4">
             <a:extLst>
               <a:ext uri="{28A0092B-C50C-407E-A947-70E740481C1C}">
                 <a14:useLocalDpi xmlns:a14="http://schemas.microsoft.com/office/drawing/2010/main" val="0"/>
@@ -21399,11 +20894,7 @@
         <p:nvSpPr>
           <p:cNvPr id="7" name="TextBox 6"/>
           <p:cNvSpPr txBox="1"/>
-          <p:nvPr>
-            <p:custDataLst>
-              <p:tags r:id="rId5"/>
-            </p:custDataLst>
-          </p:nvPr>
+          <p:nvPr/>
         </p:nvSpPr>
         <p:spPr>
           <a:xfrm>
@@ -21468,14 +20959,10 @@
           <p:cNvPicPr>
             <a:picLocks noChangeAspect="1"/>
           </p:cNvPicPr>
-          <p:nvPr>
-            <p:custDataLst>
-              <p:tags r:id="rId6"/>
-            </p:custDataLst>
-          </p:nvPr>
+          <p:nvPr/>
         </p:nvPicPr>
         <p:blipFill>
-          <a:blip r:embed="rId15">
+          <a:blip r:embed="rId5">
             <a:extLst>
               <a:ext uri="{28A0092B-C50C-407E-A947-70E740481C1C}">
                 <a14:useLocalDpi xmlns:a14="http://schemas.microsoft.com/office/drawing/2010/main" val="0"/>
@@ -21500,11 +20987,7 @@
         <p:nvSpPr>
           <p:cNvPr id="13" name="TextBox 12"/>
           <p:cNvSpPr txBox="1"/>
-          <p:nvPr>
-            <p:custDataLst>
-              <p:tags r:id="rId7"/>
-            </p:custDataLst>
-          </p:nvPr>
+          <p:nvPr/>
         </p:nvSpPr>
         <p:spPr>
           <a:xfrm>
@@ -21618,14 +21101,10 @@
           <p:cNvPicPr>
             <a:picLocks noChangeAspect="1"/>
           </p:cNvPicPr>
-          <p:nvPr>
-            <p:custDataLst>
-              <p:tags r:id="rId8"/>
-            </p:custDataLst>
-          </p:nvPr>
+          <p:nvPr/>
         </p:nvPicPr>
         <p:blipFill>
-          <a:blip r:embed="rId16">
+          <a:blip r:embed="rId6">
             <a:extLst>
               <a:ext uri="{28A0092B-C50C-407E-A947-70E740481C1C}">
                 <a14:useLocalDpi xmlns:a14="http://schemas.microsoft.com/office/drawing/2010/main" val="0"/>
@@ -21650,11 +21129,7 @@
         <p:nvSpPr>
           <p:cNvPr id="10" name="TextBox 9"/>
           <p:cNvSpPr txBox="1"/>
-          <p:nvPr>
-            <p:custDataLst>
-              <p:tags r:id="rId9"/>
-            </p:custDataLst>
-          </p:nvPr>
+          <p:nvPr/>
         </p:nvSpPr>
         <p:spPr>
           <a:xfrm>
@@ -21859,11 +21334,7 @@
         <p:nvSpPr>
           <p:cNvPr id="11" name="TextBox 10"/>
           <p:cNvSpPr txBox="1"/>
-          <p:nvPr>
-            <p:custDataLst>
-              <p:tags r:id="rId10"/>
-            </p:custDataLst>
-          </p:nvPr>
+          <p:nvPr/>
         </p:nvSpPr>
         <p:spPr>
           <a:xfrm>
@@ -22068,9 +21539,6 @@
         </p:txBody>
       </p:sp>
     </p:spTree>
-    <p:custDataLst>
-      <p:tags r:id="rId1"/>
-    </p:custDataLst>
   </p:cSld>
   <p:clrMapOvr>
     <a:masterClrMapping/>
@@ -22111,14 +21579,10 @@
           <p:cNvPicPr>
             <a:picLocks noChangeAspect="1"/>
           </p:cNvPicPr>
-          <p:nvPr>
-            <p:custDataLst>
-              <p:tags r:id="rId2"/>
-            </p:custDataLst>
-          </p:nvPr>
+          <p:nvPr/>
         </p:nvPicPr>
         <p:blipFill>
-          <a:blip r:embed="rId11">
+          <a:blip r:embed="rId3">
             <a:extLst>
               <a:ext uri="{28A0092B-C50C-407E-A947-70E740481C1C}">
                 <a14:useLocalDpi xmlns:a14="http://schemas.microsoft.com/office/drawing/2010/main" val="0"/>
@@ -22147,9 +21611,6 @@
           </p:cNvSpPr>
           <p:nvPr>
             <p:ph type="title"/>
-            <p:custDataLst>
-              <p:tags r:id="rId3"/>
-            </p:custDataLst>
           </p:nvPr>
         </p:nvSpPr>
         <p:spPr>
@@ -22187,14 +21648,10 @@
           <p:cNvPicPr>
             <a:picLocks noChangeAspect="1"/>
           </p:cNvPicPr>
-          <p:nvPr>
-            <p:custDataLst>
-              <p:tags r:id="rId4"/>
-            </p:custDataLst>
-          </p:nvPr>
+          <p:nvPr/>
         </p:nvPicPr>
         <p:blipFill>
-          <a:blip r:embed="rId12">
+          <a:blip r:embed="rId4">
             <a:extLst>
               <a:ext uri="{28A0092B-C50C-407E-A947-70E740481C1C}">
                 <a14:useLocalDpi xmlns:a14="http://schemas.microsoft.com/office/drawing/2010/main" val="0"/>
@@ -22221,14 +21678,10 @@
           <p:cNvPicPr>
             <a:picLocks noChangeAspect="1"/>
           </p:cNvPicPr>
-          <p:nvPr>
-            <p:custDataLst>
-              <p:tags r:id="rId5"/>
-            </p:custDataLst>
-          </p:nvPr>
+          <p:nvPr/>
         </p:nvPicPr>
         <p:blipFill>
-          <a:blip r:embed="rId13">
+          <a:blip r:embed="rId5">
             <a:extLst>
               <a:ext uri="{28A0092B-C50C-407E-A947-70E740481C1C}">
                 <a14:useLocalDpi xmlns:a14="http://schemas.microsoft.com/office/drawing/2010/main" val="0"/>
@@ -22255,14 +21708,10 @@
           <p:cNvPicPr>
             <a:picLocks noChangeAspect="1"/>
           </p:cNvPicPr>
-          <p:nvPr>
-            <p:custDataLst>
-              <p:tags r:id="rId6"/>
-            </p:custDataLst>
-          </p:nvPr>
+          <p:nvPr/>
         </p:nvPicPr>
         <p:blipFill>
-          <a:blip r:embed="rId14">
+          <a:blip r:embed="rId6">
             <a:extLst>
               <a:ext uri="{28A0092B-C50C-407E-A947-70E740481C1C}">
                 <a14:useLocalDpi xmlns:a14="http://schemas.microsoft.com/office/drawing/2010/main" val="0"/>
@@ -22287,11 +21736,7 @@
         <p:nvSpPr>
           <p:cNvPr id="8" name="TextBox 7"/>
           <p:cNvSpPr txBox="1"/>
-          <p:nvPr>
-            <p:custDataLst>
-              <p:tags r:id="rId7"/>
-            </p:custDataLst>
-          </p:nvPr>
+          <p:nvPr/>
         </p:nvSpPr>
         <p:spPr>
           <a:xfrm>
@@ -22454,11 +21899,7 @@
         <p:nvSpPr>
           <p:cNvPr id="9" name="Right Arrow 8"/>
           <p:cNvSpPr/>
-          <p:nvPr>
-            <p:custDataLst>
-              <p:tags r:id="rId8"/>
-            </p:custDataLst>
-          </p:nvPr>
+          <p:nvPr/>
         </p:nvSpPr>
         <p:spPr>
           <a:xfrm>
@@ -22495,9 +21936,6 @@
         </p:txBody>
       </p:sp>
     </p:spTree>
-    <p:custDataLst>
-      <p:tags r:id="rId1"/>
-    </p:custDataLst>
     <p:extLst>
       <p:ext uri="{BB962C8B-B14F-4D97-AF65-F5344CB8AC3E}">
         <p14:creationId xmlns:p14="http://schemas.microsoft.com/office/powerpoint/2010/main" val="920903954"/>
@@ -22545,9 +21983,6 @@
           </p:cNvSpPr>
           <p:nvPr>
             <p:ph type="title"/>
-            <p:custDataLst>
-              <p:tags r:id="rId2"/>
-            </p:custDataLst>
           </p:nvPr>
         </p:nvSpPr>
         <p:spPr>
@@ -22618,14 +22053,10 @@
           <p:cNvPicPr>
             <a:picLocks noChangeAspect="1"/>
           </p:cNvPicPr>
-          <p:nvPr>
-            <p:custDataLst>
-              <p:tags r:id="rId3"/>
-            </p:custDataLst>
-          </p:nvPr>
+          <p:nvPr/>
         </p:nvPicPr>
         <p:blipFill>
-          <a:blip r:embed="rId6">
+          <a:blip r:embed="rId3">
             <a:extLst>
               <a:ext uri="{28A0092B-C50C-407E-A947-70E740481C1C}">
                 <a14:useLocalDpi xmlns:a14="http://schemas.microsoft.com/office/drawing/2010/main" val="0"/>
@@ -22647,9 +22078,6 @@
         </p:spPr>
       </p:pic>
     </p:spTree>
-    <p:custDataLst>
-      <p:tags r:id="rId1"/>
-    </p:custDataLst>
   </p:cSld>
   <p:clrMapOvr>
     <a:masterClrMapping/>
@@ -22692,9 +22120,6 @@
           </p:cNvSpPr>
           <p:nvPr>
             <p:ph type="title"/>
-            <p:custDataLst>
-              <p:tags r:id="rId2"/>
-            </p:custDataLst>
           </p:nvPr>
         </p:nvSpPr>
         <p:spPr>
@@ -22765,14 +22190,10 @@
           <p:cNvPicPr>
             <a:picLocks noChangeAspect="1"/>
           </p:cNvPicPr>
-          <p:nvPr>
-            <p:custDataLst>
-              <p:tags r:id="rId3"/>
-            </p:custDataLst>
-          </p:nvPr>
+          <p:nvPr/>
         </p:nvPicPr>
         <p:blipFill>
-          <a:blip r:embed="rId6">
+          <a:blip r:embed="rId3">
             <a:extLst>
               <a:ext uri="{28A0092B-C50C-407E-A947-70E740481C1C}">
                 <a14:useLocalDpi xmlns:a14="http://schemas.microsoft.com/office/drawing/2010/main" val="0"/>
@@ -22794,9 +22215,6 @@
         </p:spPr>
       </p:pic>
     </p:spTree>
-    <p:custDataLst>
-      <p:tags r:id="rId1"/>
-    </p:custDataLst>
     <p:extLst>
       <p:ext uri="{BB962C8B-B14F-4D97-AF65-F5344CB8AC3E}">
         <p14:creationId xmlns:p14="http://schemas.microsoft.com/office/powerpoint/2010/main" val="3648244521"/>
@@ -22844,9 +22262,6 @@
           </p:cNvSpPr>
           <p:nvPr>
             <p:ph type="title"/>
-            <p:custDataLst>
-              <p:tags r:id="rId2"/>
-            </p:custDataLst>
           </p:nvPr>
         </p:nvSpPr>
         <p:spPr>
@@ -22882,11 +22297,7 @@
         <p:nvSpPr>
           <p:cNvPr id="243" name="Shape 243"/>
           <p:cNvSpPr/>
-          <p:nvPr>
-            <p:custDataLst>
-              <p:tags r:id="rId3"/>
-            </p:custDataLst>
-          </p:nvPr>
+          <p:nvPr/>
         </p:nvSpPr>
         <p:spPr>
           <a:xfrm>
@@ -22897,7 +22308,7 @@
             <a:avLst/>
           </a:prstGeom>
           <a:blipFill>
-            <a:blip r:embed="rId6"/>
+            <a:blip r:embed="rId3"/>
             <a:stretch>
               <a:fillRect/>
             </a:stretch>
@@ -22908,9 +22319,6 @@
         </p:spPr>
       </p:sp>
     </p:spTree>
-    <p:custDataLst>
-      <p:tags r:id="rId1"/>
-    </p:custDataLst>
   </p:cSld>
   <p:clrMapOvr>
     <a:masterClrMapping/>
@@ -22949,11 +22357,7 @@
         <p:nvSpPr>
           <p:cNvPr id="248" name="Shape 248"/>
           <p:cNvSpPr/>
-          <p:nvPr>
-            <p:custDataLst>
-              <p:tags r:id="rId2"/>
-            </p:custDataLst>
-          </p:nvPr>
+          <p:nvPr/>
         </p:nvSpPr>
         <p:spPr>
           <a:xfrm>
@@ -22998,9 +22402,6 @@
           </p:cNvSpPr>
           <p:nvPr>
             <p:ph type="title"/>
-            <p:custDataLst>
-              <p:tags r:id="rId3"/>
-            </p:custDataLst>
           </p:nvPr>
         </p:nvSpPr>
         <p:spPr>
@@ -23036,11 +22437,7 @@
         <p:nvSpPr>
           <p:cNvPr id="250" name="Shape 250"/>
           <p:cNvSpPr/>
-          <p:nvPr>
-            <p:custDataLst>
-              <p:tags r:id="rId4"/>
-            </p:custDataLst>
-          </p:nvPr>
+          <p:nvPr/>
         </p:nvSpPr>
         <p:spPr>
           <a:xfrm>
@@ -23051,7 +22448,7 @@
             <a:avLst/>
           </a:prstGeom>
           <a:blipFill>
-            <a:blip r:embed="rId42"/>
+            <a:blip r:embed="rId3"/>
             <a:stretch>
               <a:fillRect/>
             </a:stretch>
@@ -23065,11 +22462,7 @@
         <p:nvSpPr>
           <p:cNvPr id="251" name="Shape 251"/>
           <p:cNvSpPr/>
-          <p:nvPr>
-            <p:custDataLst>
-              <p:tags r:id="rId5"/>
-            </p:custDataLst>
-          </p:nvPr>
+          <p:nvPr/>
         </p:nvSpPr>
         <p:spPr>
           <a:xfrm>
@@ -23119,11 +22512,7 @@
         <p:nvSpPr>
           <p:cNvPr id="252" name="Shape 252"/>
           <p:cNvSpPr/>
-          <p:nvPr>
-            <p:custDataLst>
-              <p:tags r:id="rId6"/>
-            </p:custDataLst>
-          </p:nvPr>
+          <p:nvPr/>
         </p:nvSpPr>
         <p:spPr>
           <a:xfrm>
@@ -23162,11 +22551,7 @@
         <p:nvSpPr>
           <p:cNvPr id="253" name="Shape 253"/>
           <p:cNvSpPr/>
-          <p:nvPr>
-            <p:custDataLst>
-              <p:tags r:id="rId7"/>
-            </p:custDataLst>
-          </p:nvPr>
+          <p:nvPr/>
         </p:nvSpPr>
         <p:spPr>
           <a:xfrm>
@@ -23216,11 +22601,7 @@
         <p:nvSpPr>
           <p:cNvPr id="254" name="Shape 254"/>
           <p:cNvSpPr/>
-          <p:nvPr>
-            <p:custDataLst>
-              <p:tags r:id="rId8"/>
-            </p:custDataLst>
-          </p:nvPr>
+          <p:nvPr/>
         </p:nvSpPr>
         <p:spPr>
           <a:xfrm>
@@ -23270,11 +22651,7 @@
         <p:nvSpPr>
           <p:cNvPr id="255" name="Shape 255"/>
           <p:cNvSpPr/>
-          <p:nvPr>
-            <p:custDataLst>
-              <p:tags r:id="rId9"/>
-            </p:custDataLst>
-          </p:nvPr>
+          <p:nvPr/>
         </p:nvSpPr>
         <p:spPr>
           <a:xfrm>
@@ -23324,11 +22701,7 @@
         <p:nvSpPr>
           <p:cNvPr id="256" name="Shape 256"/>
           <p:cNvSpPr/>
-          <p:nvPr>
-            <p:custDataLst>
-              <p:tags r:id="rId10"/>
-            </p:custDataLst>
-          </p:nvPr>
+          <p:nvPr/>
         </p:nvSpPr>
         <p:spPr>
           <a:xfrm>
@@ -23379,11 +22752,7 @@
         <p:nvSpPr>
           <p:cNvPr id="257" name="Shape 257"/>
           <p:cNvSpPr/>
-          <p:nvPr>
-            <p:custDataLst>
-              <p:tags r:id="rId11"/>
-            </p:custDataLst>
-          </p:nvPr>
+          <p:nvPr/>
         </p:nvSpPr>
         <p:spPr>
           <a:xfrm>
@@ -23418,11 +22787,7 @@
         <p:nvSpPr>
           <p:cNvPr id="258" name="Shape 258"/>
           <p:cNvSpPr/>
-          <p:nvPr>
-            <p:custDataLst>
-              <p:tags r:id="rId12"/>
-            </p:custDataLst>
-          </p:nvPr>
+          <p:nvPr/>
         </p:nvSpPr>
         <p:spPr>
           <a:xfrm>
@@ -23472,11 +22837,7 @@
         <p:nvSpPr>
           <p:cNvPr id="259" name="Shape 259"/>
           <p:cNvSpPr/>
-          <p:nvPr>
-            <p:custDataLst>
-              <p:tags r:id="rId13"/>
-            </p:custDataLst>
-          </p:nvPr>
+          <p:nvPr/>
         </p:nvSpPr>
         <p:spPr>
           <a:xfrm>
@@ -23515,11 +22876,7 @@
         <p:nvSpPr>
           <p:cNvPr id="260" name="Shape 260"/>
           <p:cNvSpPr/>
-          <p:nvPr>
-            <p:custDataLst>
-              <p:tags r:id="rId14"/>
-            </p:custDataLst>
-          </p:nvPr>
+          <p:nvPr/>
         </p:nvSpPr>
         <p:spPr>
           <a:xfrm>
@@ -23558,11 +22915,7 @@
         <p:nvSpPr>
           <p:cNvPr id="261" name="Shape 261"/>
           <p:cNvSpPr/>
-          <p:nvPr>
-            <p:custDataLst>
-              <p:tags r:id="rId15"/>
-            </p:custDataLst>
-          </p:nvPr>
+          <p:nvPr/>
         </p:nvSpPr>
         <p:spPr>
           <a:xfrm>
@@ -23573,7 +22926,7 @@
             <a:avLst/>
           </a:prstGeom>
           <a:blipFill>
-            <a:blip r:embed="rId42"/>
+            <a:blip r:embed="rId3"/>
             <a:stretch>
               <a:fillRect/>
             </a:stretch>
@@ -23587,11 +22940,7 @@
         <p:nvSpPr>
           <p:cNvPr id="262" name="Shape 262"/>
           <p:cNvSpPr/>
-          <p:nvPr>
-            <p:custDataLst>
-              <p:tags r:id="rId16"/>
-            </p:custDataLst>
-          </p:nvPr>
+          <p:nvPr/>
         </p:nvSpPr>
         <p:spPr>
           <a:xfrm>
@@ -23630,11 +22979,7 @@
         <p:nvSpPr>
           <p:cNvPr id="263" name="Shape 263"/>
           <p:cNvSpPr/>
-          <p:nvPr>
-            <p:custDataLst>
-              <p:tags r:id="rId17"/>
-            </p:custDataLst>
-          </p:nvPr>
+          <p:nvPr/>
         </p:nvSpPr>
         <p:spPr>
           <a:xfrm>
@@ -23684,11 +23029,7 @@
         <p:nvSpPr>
           <p:cNvPr id="264" name="Shape 264"/>
           <p:cNvSpPr/>
-          <p:nvPr>
-            <p:custDataLst>
-              <p:tags r:id="rId18"/>
-            </p:custDataLst>
-          </p:nvPr>
+          <p:nvPr/>
         </p:nvSpPr>
         <p:spPr>
           <a:xfrm>
@@ -23738,11 +23079,7 @@
         <p:nvSpPr>
           <p:cNvPr id="265" name="Shape 265"/>
           <p:cNvSpPr/>
-          <p:nvPr>
-            <p:custDataLst>
-              <p:tags r:id="rId19"/>
-            </p:custDataLst>
-          </p:nvPr>
+          <p:nvPr/>
         </p:nvSpPr>
         <p:spPr>
           <a:xfrm>
@@ -23789,11 +23126,7 @@
         <p:nvSpPr>
           <p:cNvPr id="266" name="Shape 266"/>
           <p:cNvSpPr/>
-          <p:nvPr>
-            <p:custDataLst>
-              <p:tags r:id="rId20"/>
-            </p:custDataLst>
-          </p:nvPr>
+          <p:nvPr/>
         </p:nvSpPr>
         <p:spPr>
           <a:xfrm>
@@ -23843,11 +23176,7 @@
         <p:nvSpPr>
           <p:cNvPr id="267" name="Shape 267"/>
           <p:cNvSpPr/>
-          <p:nvPr>
-            <p:custDataLst>
-              <p:tags r:id="rId21"/>
-            </p:custDataLst>
-          </p:nvPr>
+          <p:nvPr/>
         </p:nvSpPr>
         <p:spPr>
           <a:xfrm>
@@ -23898,11 +23227,7 @@
         <p:nvSpPr>
           <p:cNvPr id="268" name="Shape 268"/>
           <p:cNvSpPr/>
-          <p:nvPr>
-            <p:custDataLst>
-              <p:tags r:id="rId22"/>
-            </p:custDataLst>
-          </p:nvPr>
+          <p:nvPr/>
         </p:nvSpPr>
         <p:spPr>
           <a:xfrm>
@@ -23937,11 +23262,7 @@
         <p:nvSpPr>
           <p:cNvPr id="269" name="Shape 269"/>
           <p:cNvSpPr/>
-          <p:nvPr>
-            <p:custDataLst>
-              <p:tags r:id="rId23"/>
-            </p:custDataLst>
-          </p:nvPr>
+          <p:nvPr/>
         </p:nvSpPr>
         <p:spPr>
           <a:xfrm>
@@ -23991,11 +23312,7 @@
         <p:nvSpPr>
           <p:cNvPr id="270" name="Shape 270"/>
           <p:cNvSpPr/>
-          <p:nvPr>
-            <p:custDataLst>
-              <p:tags r:id="rId24"/>
-            </p:custDataLst>
-          </p:nvPr>
+          <p:nvPr/>
         </p:nvSpPr>
         <p:spPr>
           <a:xfrm>
@@ -24034,11 +23351,7 @@
         <p:nvSpPr>
           <p:cNvPr id="271" name="Shape 271"/>
           <p:cNvSpPr/>
-          <p:nvPr>
-            <p:custDataLst>
-              <p:tags r:id="rId25"/>
-            </p:custDataLst>
-          </p:nvPr>
+          <p:nvPr/>
         </p:nvSpPr>
         <p:spPr>
           <a:xfrm>
@@ -24077,11 +23390,7 @@
         <p:nvSpPr>
           <p:cNvPr id="272" name="Shape 272"/>
           <p:cNvSpPr/>
-          <p:nvPr>
-            <p:custDataLst>
-              <p:tags r:id="rId26"/>
-            </p:custDataLst>
-          </p:nvPr>
+          <p:nvPr/>
         </p:nvSpPr>
         <p:spPr>
           <a:xfrm>
@@ -24124,11 +23433,7 @@
         <p:nvSpPr>
           <p:cNvPr id="273" name="Shape 273"/>
           <p:cNvSpPr/>
-          <p:nvPr>
-            <p:custDataLst>
-              <p:tags r:id="rId27"/>
-            </p:custDataLst>
-          </p:nvPr>
+          <p:nvPr/>
         </p:nvSpPr>
         <p:spPr>
           <a:xfrm>
@@ -24175,11 +23480,7 @@
         <p:nvSpPr>
           <p:cNvPr id="274" name="Shape 274"/>
           <p:cNvSpPr/>
-          <p:nvPr>
-            <p:custDataLst>
-              <p:tags r:id="rId28"/>
-            </p:custDataLst>
-          </p:nvPr>
+          <p:nvPr/>
         </p:nvSpPr>
         <p:spPr>
           <a:xfrm>
@@ -24190,7 +23491,7 @@
             <a:avLst/>
           </a:prstGeom>
           <a:blipFill>
-            <a:blip r:embed="rId42"/>
+            <a:blip r:embed="rId3"/>
             <a:stretch>
               <a:fillRect/>
             </a:stretch>
@@ -24204,11 +23505,7 @@
         <p:nvSpPr>
           <p:cNvPr id="275" name="Shape 275"/>
           <p:cNvSpPr/>
-          <p:nvPr>
-            <p:custDataLst>
-              <p:tags r:id="rId29"/>
-            </p:custDataLst>
-          </p:nvPr>
+          <p:nvPr/>
         </p:nvSpPr>
         <p:spPr>
           <a:xfrm>
@@ -24247,11 +23544,7 @@
         <p:nvSpPr>
           <p:cNvPr id="276" name="Shape 276"/>
           <p:cNvSpPr/>
-          <p:nvPr>
-            <p:custDataLst>
-              <p:tags r:id="rId30"/>
-            </p:custDataLst>
-          </p:nvPr>
+          <p:nvPr/>
         </p:nvSpPr>
         <p:spPr>
           <a:xfrm>
@@ -24301,11 +23594,7 @@
         <p:nvSpPr>
           <p:cNvPr id="277" name="Shape 277"/>
           <p:cNvSpPr/>
-          <p:nvPr>
-            <p:custDataLst>
-              <p:tags r:id="rId31"/>
-            </p:custDataLst>
-          </p:nvPr>
+          <p:nvPr/>
         </p:nvSpPr>
         <p:spPr>
           <a:xfrm>
@@ -24355,11 +23644,7 @@
         <p:nvSpPr>
           <p:cNvPr id="278" name="Shape 278"/>
           <p:cNvSpPr/>
-          <p:nvPr>
-            <p:custDataLst>
-              <p:tags r:id="rId32"/>
-            </p:custDataLst>
-          </p:nvPr>
+          <p:nvPr/>
         </p:nvSpPr>
         <p:spPr>
           <a:xfrm>
@@ -24409,11 +23694,7 @@
         <p:nvSpPr>
           <p:cNvPr id="279" name="Shape 279"/>
           <p:cNvSpPr/>
-          <p:nvPr>
-            <p:custDataLst>
-              <p:tags r:id="rId33"/>
-            </p:custDataLst>
-          </p:nvPr>
+          <p:nvPr/>
         </p:nvSpPr>
         <p:spPr>
           <a:xfrm>
@@ -24464,11 +23745,7 @@
         <p:nvSpPr>
           <p:cNvPr id="280" name="Shape 280"/>
           <p:cNvSpPr/>
-          <p:nvPr>
-            <p:custDataLst>
-              <p:tags r:id="rId34"/>
-            </p:custDataLst>
-          </p:nvPr>
+          <p:nvPr/>
         </p:nvSpPr>
         <p:spPr>
           <a:xfrm>
@@ -24503,11 +23780,7 @@
         <p:nvSpPr>
           <p:cNvPr id="281" name="Shape 281"/>
           <p:cNvSpPr/>
-          <p:nvPr>
-            <p:custDataLst>
-              <p:tags r:id="rId35"/>
-            </p:custDataLst>
-          </p:nvPr>
+          <p:nvPr/>
         </p:nvSpPr>
         <p:spPr>
           <a:xfrm>
@@ -24557,11 +23830,7 @@
         <p:nvSpPr>
           <p:cNvPr id="282" name="Shape 282"/>
           <p:cNvSpPr/>
-          <p:nvPr>
-            <p:custDataLst>
-              <p:tags r:id="rId36"/>
-            </p:custDataLst>
-          </p:nvPr>
+          <p:nvPr/>
         </p:nvSpPr>
         <p:spPr>
           <a:xfrm>
@@ -24600,11 +23869,7 @@
         <p:nvSpPr>
           <p:cNvPr id="283" name="Shape 283"/>
           <p:cNvSpPr/>
-          <p:nvPr>
-            <p:custDataLst>
-              <p:tags r:id="rId37"/>
-            </p:custDataLst>
-          </p:nvPr>
+          <p:nvPr/>
         </p:nvSpPr>
         <p:spPr>
           <a:xfrm>
@@ -24643,11 +23908,7 @@
         <p:nvSpPr>
           <p:cNvPr id="284" name="Shape 284"/>
           <p:cNvSpPr/>
-          <p:nvPr>
-            <p:custDataLst>
-              <p:tags r:id="rId38"/>
-            </p:custDataLst>
-          </p:nvPr>
+          <p:nvPr/>
         </p:nvSpPr>
         <p:spPr>
           <a:xfrm>
@@ -24690,11 +23951,7 @@
         <p:nvSpPr>
           <p:cNvPr id="285" name="Shape 285"/>
           <p:cNvSpPr/>
-          <p:nvPr>
-            <p:custDataLst>
-              <p:tags r:id="rId39"/>
-            </p:custDataLst>
-          </p:nvPr>
+          <p:nvPr/>
         </p:nvSpPr>
         <p:spPr>
           <a:xfrm>
@@ -24731,9 +23988,6 @@
         </p:txBody>
       </p:sp>
     </p:spTree>
-    <p:custDataLst>
-      <p:tags r:id="rId1"/>
-    </p:custDataLst>
   </p:cSld>
   <p:clrMapOvr>
     <a:masterClrMapping/>
@@ -24890,1272 +24144,6 @@
     </p:bldLst>
   </p:timing>
 </p:sld>
-</file>
-
-<file path=ppt/tags/tag1.xml><?xml version="1.0" encoding="utf-8"?>
-<p:tagLst xmlns:a="http://schemas.openxmlformats.org/drawingml/2006/main" xmlns:r="http://schemas.openxmlformats.org/officeDocument/2006/relationships" xmlns:p="http://schemas.openxmlformats.org/presentationml/2006/main">
-  <p:tag name="DVSHAPEID" val="4M9bwXv4l4GUSxUNG3Eoam"/>
-</p:tagLst>
-</file>
-
-<file path=ppt/tags/tag10.xml><?xml version="1.0" encoding="utf-8"?>
-<p:tagLst xmlns:a="http://schemas.openxmlformats.org/drawingml/2006/main" xmlns:r="http://schemas.openxmlformats.org/officeDocument/2006/relationships" xmlns:p="http://schemas.openxmlformats.org/presentationml/2006/main">
-  <p:tag name="DVSHAPEID" val="qaQJ3ZGVbrxVv04VrTFQMh"/>
-</p:tagLst>
-</file>
-
-<file path=ppt/tags/tag100.xml><?xml version="1.0" encoding="utf-8"?>
-<p:tagLst xmlns:a="http://schemas.openxmlformats.org/drawingml/2006/main" xmlns:r="http://schemas.openxmlformats.org/officeDocument/2006/relationships" xmlns:p="http://schemas.openxmlformats.org/presentationml/2006/main">
-  <p:tag name="DVSHAPEID" val="wr3VTqjwVOo2PGT6PEhwMc"/>
-</p:tagLst>
-</file>
-
-<file path=ppt/tags/tag101.xml><?xml version="1.0" encoding="utf-8"?>
-<p:tagLst xmlns:a="http://schemas.openxmlformats.org/drawingml/2006/main" xmlns:r="http://schemas.openxmlformats.org/officeDocument/2006/relationships" xmlns:p="http://schemas.openxmlformats.org/presentationml/2006/main">
-  <p:tag name="DVSHAPEID" val="0zdr1uEGJDZoMTewphMtbY"/>
-</p:tagLst>
-</file>
-
-<file path=ppt/tags/tag102.xml><?xml version="1.0" encoding="utf-8"?>
-<p:tagLst xmlns:a="http://schemas.openxmlformats.org/drawingml/2006/main" xmlns:r="http://schemas.openxmlformats.org/officeDocument/2006/relationships" xmlns:p="http://schemas.openxmlformats.org/presentationml/2006/main">
-  <p:tag name="DVSHAPEID" val="GNCmYsExazjkquIroOSf4L"/>
-</p:tagLst>
-</file>
-
-<file path=ppt/tags/tag103.xml><?xml version="1.0" encoding="utf-8"?>
-<p:tagLst xmlns:a="http://schemas.openxmlformats.org/drawingml/2006/main" xmlns:r="http://schemas.openxmlformats.org/officeDocument/2006/relationships" xmlns:p="http://schemas.openxmlformats.org/presentationml/2006/main">
-  <p:tag name="DVSHAPEID" val="2rT0RieZJi11SpPEwc1ctp"/>
-</p:tagLst>
-</file>
-
-<file path=ppt/tags/tag104.xml><?xml version="1.0" encoding="utf-8"?>
-<p:tagLst xmlns:a="http://schemas.openxmlformats.org/drawingml/2006/main" xmlns:r="http://schemas.openxmlformats.org/officeDocument/2006/relationships" xmlns:p="http://schemas.openxmlformats.org/presentationml/2006/main">
-  <p:tag name="DVSHAPEID" val="4ssKNYSYBVUUKasXBliaP0"/>
-</p:tagLst>
-</file>
-
-<file path=ppt/tags/tag105.xml><?xml version="1.0" encoding="utf-8"?>
-<p:tagLst xmlns:a="http://schemas.openxmlformats.org/drawingml/2006/main" xmlns:r="http://schemas.openxmlformats.org/officeDocument/2006/relationships" xmlns:p="http://schemas.openxmlformats.org/presentationml/2006/main">
-  <p:tag name="DVSECTIONID" val="m8J24BGadsIpmrPdNKB0Rx"/>
-</p:tagLst>
-</file>
-
-<file path=ppt/tags/tag106.xml><?xml version="1.0" encoding="utf-8"?>
-<p:tagLst xmlns:a="http://schemas.openxmlformats.org/drawingml/2006/main" xmlns:r="http://schemas.openxmlformats.org/officeDocument/2006/relationships" xmlns:p="http://schemas.openxmlformats.org/presentationml/2006/main">
-  <p:tag name="DVSHAPEID" val="ioBiCJhFdRiCmry7vg6LH5"/>
-</p:tagLst>
-</file>
-
-<file path=ppt/tags/tag107.xml><?xml version="1.0" encoding="utf-8"?>
-<p:tagLst xmlns:a="http://schemas.openxmlformats.org/drawingml/2006/main" xmlns:r="http://schemas.openxmlformats.org/officeDocument/2006/relationships" xmlns:p="http://schemas.openxmlformats.org/presentationml/2006/main">
-  <p:tag name="DVSHAPEID" val="7YEEcyBFUiA3938ul8GVI2"/>
-</p:tagLst>
-</file>
-
-<file path=ppt/tags/tag108.xml><?xml version="1.0" encoding="utf-8"?>
-<p:tagLst xmlns:a="http://schemas.openxmlformats.org/drawingml/2006/main" xmlns:r="http://schemas.openxmlformats.org/officeDocument/2006/relationships" xmlns:p="http://schemas.openxmlformats.org/presentationml/2006/main">
-  <p:tag name="DVSHAPEID" val="C7O1ptQ134jdhDDXxJ4yX0"/>
-</p:tagLst>
-</file>
-
-<file path=ppt/tags/tag109.xml><?xml version="1.0" encoding="utf-8"?>
-<p:tagLst xmlns:a="http://schemas.openxmlformats.org/drawingml/2006/main" xmlns:r="http://schemas.openxmlformats.org/officeDocument/2006/relationships" xmlns:p="http://schemas.openxmlformats.org/presentationml/2006/main">
-  <p:tag name="DVSHAPEID" val="2ihuZ0UY5Ln5lxQa87OSev"/>
-</p:tagLst>
-</file>
-
-<file path=ppt/tags/tag11.xml><?xml version="1.0" encoding="utf-8"?>
-<p:tagLst xmlns:a="http://schemas.openxmlformats.org/drawingml/2006/main" xmlns:r="http://schemas.openxmlformats.org/officeDocument/2006/relationships" xmlns:p="http://schemas.openxmlformats.org/presentationml/2006/main">
-  <p:tag name="DVSHAPEID" val="DCOjN0E65v0iiVKUfhKZgP"/>
-</p:tagLst>
-</file>
-
-<file path=ppt/tags/tag110.xml><?xml version="1.0" encoding="utf-8"?>
-<p:tagLst xmlns:a="http://schemas.openxmlformats.org/drawingml/2006/main" xmlns:r="http://schemas.openxmlformats.org/officeDocument/2006/relationships" xmlns:p="http://schemas.openxmlformats.org/presentationml/2006/main">
-  <p:tag name="DVSHAPEID" val="JVMuQoAWQ95C4vJUuQ75Yy"/>
-</p:tagLst>
-</file>
-
-<file path=ppt/tags/tag111.xml><?xml version="1.0" encoding="utf-8"?>
-<p:tagLst xmlns:a="http://schemas.openxmlformats.org/drawingml/2006/main" xmlns:r="http://schemas.openxmlformats.org/officeDocument/2006/relationships" xmlns:p="http://schemas.openxmlformats.org/presentationml/2006/main">
-  <p:tag name="DVSHAPEID" val="Qbi67nAXK5LxylIu9wn8Ud"/>
-</p:tagLst>
-</file>
-
-<file path=ppt/tags/tag112.xml><?xml version="1.0" encoding="utf-8"?>
-<p:tagLst xmlns:a="http://schemas.openxmlformats.org/drawingml/2006/main" xmlns:r="http://schemas.openxmlformats.org/officeDocument/2006/relationships" xmlns:p="http://schemas.openxmlformats.org/presentationml/2006/main">
-  <p:tag name="DVSHAPEID" val="0JskqdCXL8wb5AcKhdlTp0"/>
-</p:tagLst>
-</file>
-
-<file path=ppt/tags/tag113.xml><?xml version="1.0" encoding="utf-8"?>
-<p:tagLst xmlns:a="http://schemas.openxmlformats.org/drawingml/2006/main" xmlns:r="http://schemas.openxmlformats.org/officeDocument/2006/relationships" xmlns:p="http://schemas.openxmlformats.org/presentationml/2006/main">
-  <p:tag name="DVSECTIONID" val="zWu8HQYiGgKYo4CeM2zjQ6"/>
-</p:tagLst>
-</file>
-
-<file path=ppt/tags/tag114.xml><?xml version="1.0" encoding="utf-8"?>
-<p:tagLst xmlns:a="http://schemas.openxmlformats.org/drawingml/2006/main" xmlns:r="http://schemas.openxmlformats.org/officeDocument/2006/relationships" xmlns:p="http://schemas.openxmlformats.org/presentationml/2006/main">
-  <p:tag name="DVSHAPEID" val="QxWnc0HAIQECbyEMWnkMjC"/>
-</p:tagLst>
-</file>
-
-<file path=ppt/tags/tag115.xml><?xml version="1.0" encoding="utf-8"?>
-<p:tagLst xmlns:a="http://schemas.openxmlformats.org/drawingml/2006/main" xmlns:r="http://schemas.openxmlformats.org/officeDocument/2006/relationships" xmlns:p="http://schemas.openxmlformats.org/presentationml/2006/main">
-  <p:tag name="DVSHAPEID" val="0ng8ipf9M1OZSUn31CgapG"/>
-</p:tagLst>
-</file>
-
-<file path=ppt/tags/tag116.xml><?xml version="1.0" encoding="utf-8"?>
-<p:tagLst xmlns:a="http://schemas.openxmlformats.org/drawingml/2006/main" xmlns:r="http://schemas.openxmlformats.org/officeDocument/2006/relationships" xmlns:p="http://schemas.openxmlformats.org/presentationml/2006/main">
-  <p:tag name="DVSECTIONID" val="A8S5xsRnnL6PzMxVTQbULs"/>
-</p:tagLst>
-</file>
-
-<file path=ppt/tags/tag117.xml><?xml version="1.0" encoding="utf-8"?>
-<p:tagLst xmlns:a="http://schemas.openxmlformats.org/drawingml/2006/main" xmlns:r="http://schemas.openxmlformats.org/officeDocument/2006/relationships" xmlns:p="http://schemas.openxmlformats.org/presentationml/2006/main">
-  <p:tag name="DVSHAPEID" val="xtoD5ugYyDGdxz74Hily3D"/>
-</p:tagLst>
-</file>
-
-<file path=ppt/tags/tag118.xml><?xml version="1.0" encoding="utf-8"?>
-<p:tagLst xmlns:a="http://schemas.openxmlformats.org/drawingml/2006/main" xmlns:r="http://schemas.openxmlformats.org/officeDocument/2006/relationships" xmlns:p="http://schemas.openxmlformats.org/presentationml/2006/main">
-  <p:tag name="DVSHAPEID" val="ObGJoTmIw9djQMJEjKTOsb"/>
-</p:tagLst>
-</file>
-
-<file path=ppt/tags/tag119.xml><?xml version="1.0" encoding="utf-8"?>
-<p:tagLst xmlns:a="http://schemas.openxmlformats.org/drawingml/2006/main" xmlns:r="http://schemas.openxmlformats.org/officeDocument/2006/relationships" xmlns:p="http://schemas.openxmlformats.org/presentationml/2006/main">
-  <p:tag name="DVSECTIONID" val="Fo3KBzXyrxGsmlgCiwqjSZ"/>
-</p:tagLst>
-</file>
-
-<file path=ppt/tags/tag12.xml><?xml version="1.0" encoding="utf-8"?>
-<p:tagLst xmlns:a="http://schemas.openxmlformats.org/drawingml/2006/main" xmlns:r="http://schemas.openxmlformats.org/officeDocument/2006/relationships" xmlns:p="http://schemas.openxmlformats.org/presentationml/2006/main">
-  <p:tag name="DVSECTIONID" val="XxwWVBWHzszfJsmljtajfQ"/>
-</p:tagLst>
-</file>
-
-<file path=ppt/tags/tag120.xml><?xml version="1.0" encoding="utf-8"?>
-<p:tagLst xmlns:a="http://schemas.openxmlformats.org/drawingml/2006/main" xmlns:r="http://schemas.openxmlformats.org/officeDocument/2006/relationships" xmlns:p="http://schemas.openxmlformats.org/presentationml/2006/main">
-  <p:tag name="DVSHAPEID" val="jEnOVWUXORDUFcXm6nCQ7w"/>
-</p:tagLst>
-</file>
-
-<file path=ppt/tags/tag121.xml><?xml version="1.0" encoding="utf-8"?>
-<p:tagLst xmlns:a="http://schemas.openxmlformats.org/drawingml/2006/main" xmlns:r="http://schemas.openxmlformats.org/officeDocument/2006/relationships" xmlns:p="http://schemas.openxmlformats.org/presentationml/2006/main">
-  <p:tag name="DVSHAPEID" val="0dIll3YBFeaCR1lzXpNykl"/>
-</p:tagLst>
-</file>
-
-<file path=ppt/tags/tag122.xml><?xml version="1.0" encoding="utf-8"?>
-<p:tagLst xmlns:a="http://schemas.openxmlformats.org/drawingml/2006/main" xmlns:r="http://schemas.openxmlformats.org/officeDocument/2006/relationships" xmlns:p="http://schemas.openxmlformats.org/presentationml/2006/main">
-  <p:tag name="DVSECTIONID" val="SyvPGR8I8Vl8tt2NRipPky"/>
-</p:tagLst>
-</file>
-
-<file path=ppt/tags/tag123.xml><?xml version="1.0" encoding="utf-8"?>
-<p:tagLst xmlns:a="http://schemas.openxmlformats.org/drawingml/2006/main" xmlns:r="http://schemas.openxmlformats.org/officeDocument/2006/relationships" xmlns:p="http://schemas.openxmlformats.org/presentationml/2006/main">
-  <p:tag name="DVSHAPEID" val="GW6wHXEvcC4NDa6ABRYdbo"/>
-</p:tagLst>
-</file>
-
-<file path=ppt/tags/tag124.xml><?xml version="1.0" encoding="utf-8"?>
-<p:tagLst xmlns:a="http://schemas.openxmlformats.org/drawingml/2006/main" xmlns:r="http://schemas.openxmlformats.org/officeDocument/2006/relationships" xmlns:p="http://schemas.openxmlformats.org/presentationml/2006/main">
-  <p:tag name="DVSHAPEID" val="J2kV0wpd2ycFwMeOl1W92y"/>
-</p:tagLst>
-</file>
-
-<file path=ppt/tags/tag125.xml><?xml version="1.0" encoding="utf-8"?>
-<p:tagLst xmlns:a="http://schemas.openxmlformats.org/drawingml/2006/main" xmlns:r="http://schemas.openxmlformats.org/officeDocument/2006/relationships" xmlns:p="http://schemas.openxmlformats.org/presentationml/2006/main">
-  <p:tag name="DVSHAPEID" val="y4obtnNVz6ahc4bLW86Zzv"/>
-</p:tagLst>
-</file>
-
-<file path=ppt/tags/tag126.xml><?xml version="1.0" encoding="utf-8"?>
-<p:tagLst xmlns:a="http://schemas.openxmlformats.org/drawingml/2006/main" xmlns:r="http://schemas.openxmlformats.org/officeDocument/2006/relationships" xmlns:p="http://schemas.openxmlformats.org/presentationml/2006/main">
-  <p:tag name="DVSHAPEID" val="BYDjlNvXg2mbtgxO21p6Z5"/>
-</p:tagLst>
-</file>
-
-<file path=ppt/tags/tag127.xml><?xml version="1.0" encoding="utf-8"?>
-<p:tagLst xmlns:a="http://schemas.openxmlformats.org/drawingml/2006/main" xmlns:r="http://schemas.openxmlformats.org/officeDocument/2006/relationships" xmlns:p="http://schemas.openxmlformats.org/presentationml/2006/main">
-  <p:tag name="DVSHAPEID" val="ufzaDz5O33Z3tpy910qCQ7"/>
-</p:tagLst>
-</file>
-
-<file path=ppt/tags/tag128.xml><?xml version="1.0" encoding="utf-8"?>
-<p:tagLst xmlns:a="http://schemas.openxmlformats.org/drawingml/2006/main" xmlns:r="http://schemas.openxmlformats.org/officeDocument/2006/relationships" xmlns:p="http://schemas.openxmlformats.org/presentationml/2006/main">
-  <p:tag name="DVSHAPEID" val="V1AVe754zswvtoJb9WRsYi"/>
-</p:tagLst>
-</file>
-
-<file path=ppt/tags/tag129.xml><?xml version="1.0" encoding="utf-8"?>
-<p:tagLst xmlns:a="http://schemas.openxmlformats.org/drawingml/2006/main" xmlns:r="http://schemas.openxmlformats.org/officeDocument/2006/relationships" xmlns:p="http://schemas.openxmlformats.org/presentationml/2006/main">
-  <p:tag name="DVSHAPEID" val="bqM8gSZpGmenjyzIlXJYuw"/>
-</p:tagLst>
-</file>
-
-<file path=ppt/tags/tag13.xml><?xml version="1.0" encoding="utf-8"?>
-<p:tagLst xmlns:a="http://schemas.openxmlformats.org/drawingml/2006/main" xmlns:r="http://schemas.openxmlformats.org/officeDocument/2006/relationships" xmlns:p="http://schemas.openxmlformats.org/presentationml/2006/main">
-  <p:tag name="DVSHAPEID" val="RDh5AhRJcLZVUDFSgv02tp"/>
-</p:tagLst>
-</file>
-
-<file path=ppt/tags/tag130.xml><?xml version="1.0" encoding="utf-8"?>
-<p:tagLst xmlns:a="http://schemas.openxmlformats.org/drawingml/2006/main" xmlns:r="http://schemas.openxmlformats.org/officeDocument/2006/relationships" xmlns:p="http://schemas.openxmlformats.org/presentationml/2006/main">
-  <p:tag name="DVSHAPEID" val="xXVaqQQtKo9CPa86Rd59L9"/>
-</p:tagLst>
-</file>
-
-<file path=ppt/tags/tag131.xml><?xml version="1.0" encoding="utf-8"?>
-<p:tagLst xmlns:a="http://schemas.openxmlformats.org/drawingml/2006/main" xmlns:r="http://schemas.openxmlformats.org/officeDocument/2006/relationships" xmlns:p="http://schemas.openxmlformats.org/presentationml/2006/main">
-  <p:tag name="DVSHAPEID" val="h64bBrATJ0OFSOc5s9zcCQ"/>
-</p:tagLst>
-</file>
-
-<file path=ppt/tags/tag132.xml><?xml version="1.0" encoding="utf-8"?>
-<p:tagLst xmlns:a="http://schemas.openxmlformats.org/drawingml/2006/main" xmlns:r="http://schemas.openxmlformats.org/officeDocument/2006/relationships" xmlns:p="http://schemas.openxmlformats.org/presentationml/2006/main">
-  <p:tag name="DVSHAPEID" val="dGIpzf6vTkLnGP5eeoTQE8"/>
-</p:tagLst>
-</file>
-
-<file path=ppt/tags/tag133.xml><?xml version="1.0" encoding="utf-8"?>
-<p:tagLst xmlns:a="http://schemas.openxmlformats.org/drawingml/2006/main" xmlns:r="http://schemas.openxmlformats.org/officeDocument/2006/relationships" xmlns:p="http://schemas.openxmlformats.org/presentationml/2006/main">
-  <p:tag name="DVSHAPEID" val="OahkTLKVzyxqSotcSkNd6t"/>
-</p:tagLst>
-</file>
-
-<file path=ppt/tags/tag134.xml><?xml version="1.0" encoding="utf-8"?>
-<p:tagLst xmlns:a="http://schemas.openxmlformats.org/drawingml/2006/main" xmlns:r="http://schemas.openxmlformats.org/officeDocument/2006/relationships" xmlns:p="http://schemas.openxmlformats.org/presentationml/2006/main">
-  <p:tag name="DVSHAPEID" val="Tu7n0eUajLc5Sy8ellLXKd"/>
-</p:tagLst>
-</file>
-
-<file path=ppt/tags/tag135.xml><?xml version="1.0" encoding="utf-8"?>
-<p:tagLst xmlns:a="http://schemas.openxmlformats.org/drawingml/2006/main" xmlns:r="http://schemas.openxmlformats.org/officeDocument/2006/relationships" xmlns:p="http://schemas.openxmlformats.org/presentationml/2006/main">
-  <p:tag name="DVSHAPEID" val="QgWHL1wy3r1kgMdwLw0peL"/>
-</p:tagLst>
-</file>
-
-<file path=ppt/tags/tag136.xml><?xml version="1.0" encoding="utf-8"?>
-<p:tagLst xmlns:a="http://schemas.openxmlformats.org/drawingml/2006/main" xmlns:r="http://schemas.openxmlformats.org/officeDocument/2006/relationships" xmlns:p="http://schemas.openxmlformats.org/presentationml/2006/main">
-  <p:tag name="DVSHAPEID" val="eNwU4DZsr9IGEQqitTEKHK"/>
-</p:tagLst>
-</file>
-
-<file path=ppt/tags/tag137.xml><?xml version="1.0" encoding="utf-8"?>
-<p:tagLst xmlns:a="http://schemas.openxmlformats.org/drawingml/2006/main" xmlns:r="http://schemas.openxmlformats.org/officeDocument/2006/relationships" xmlns:p="http://schemas.openxmlformats.org/presentationml/2006/main">
-  <p:tag name="DVSHAPEID" val="3xhl1PAfXlY429bQXSzA0S"/>
-</p:tagLst>
-</file>
-
-<file path=ppt/tags/tag138.xml><?xml version="1.0" encoding="utf-8"?>
-<p:tagLst xmlns:a="http://schemas.openxmlformats.org/drawingml/2006/main" xmlns:r="http://schemas.openxmlformats.org/officeDocument/2006/relationships" xmlns:p="http://schemas.openxmlformats.org/presentationml/2006/main">
-  <p:tag name="DVSHAPEID" val="BA8m5s37Lt3tJYDIC9Scbn"/>
-</p:tagLst>
-</file>
-
-<file path=ppt/tags/tag139.xml><?xml version="1.0" encoding="utf-8"?>
-<p:tagLst xmlns:a="http://schemas.openxmlformats.org/drawingml/2006/main" xmlns:r="http://schemas.openxmlformats.org/officeDocument/2006/relationships" xmlns:p="http://schemas.openxmlformats.org/presentationml/2006/main">
-  <p:tag name="DVSHAPEID" val="IzNh7CVLb6KbVHdEK7bPzu"/>
-</p:tagLst>
-</file>
-
-<file path=ppt/tags/tag14.xml><?xml version="1.0" encoding="utf-8"?>
-<p:tagLst xmlns:a="http://schemas.openxmlformats.org/drawingml/2006/main" xmlns:r="http://schemas.openxmlformats.org/officeDocument/2006/relationships" xmlns:p="http://schemas.openxmlformats.org/presentationml/2006/main">
-  <p:tag name="DVSHAPEID" val="9OHofwKOuBLTUT0Y4OySK7"/>
-</p:tagLst>
-</file>
-
-<file path=ppt/tags/tag140.xml><?xml version="1.0" encoding="utf-8"?>
-<p:tagLst xmlns:a="http://schemas.openxmlformats.org/drawingml/2006/main" xmlns:r="http://schemas.openxmlformats.org/officeDocument/2006/relationships" xmlns:p="http://schemas.openxmlformats.org/presentationml/2006/main">
-  <p:tag name="DVSHAPEID" val="0ypcdefpINGeRzyNkqb0iW"/>
-</p:tagLst>
-</file>
-
-<file path=ppt/tags/tag141.xml><?xml version="1.0" encoding="utf-8"?>
-<p:tagLst xmlns:a="http://schemas.openxmlformats.org/drawingml/2006/main" xmlns:r="http://schemas.openxmlformats.org/officeDocument/2006/relationships" xmlns:p="http://schemas.openxmlformats.org/presentationml/2006/main">
-  <p:tag name="DVSHAPEID" val="Jy2VvYpK0mNeyfSUpHvLoW"/>
-</p:tagLst>
-</file>
-
-<file path=ppt/tags/tag142.xml><?xml version="1.0" encoding="utf-8"?>
-<p:tagLst xmlns:a="http://schemas.openxmlformats.org/drawingml/2006/main" xmlns:r="http://schemas.openxmlformats.org/officeDocument/2006/relationships" xmlns:p="http://schemas.openxmlformats.org/presentationml/2006/main">
-  <p:tag name="DVSHAPEID" val="uHQE5XNLDzb4PQahIh0YNk"/>
-</p:tagLst>
-</file>
-
-<file path=ppt/tags/tag143.xml><?xml version="1.0" encoding="utf-8"?>
-<p:tagLst xmlns:a="http://schemas.openxmlformats.org/drawingml/2006/main" xmlns:r="http://schemas.openxmlformats.org/officeDocument/2006/relationships" xmlns:p="http://schemas.openxmlformats.org/presentationml/2006/main">
-  <p:tag name="DVSHAPEID" val="qC0jUp0uuwyM4k5RSsWfId"/>
-</p:tagLst>
-</file>
-
-<file path=ppt/tags/tag144.xml><?xml version="1.0" encoding="utf-8"?>
-<p:tagLst xmlns:a="http://schemas.openxmlformats.org/drawingml/2006/main" xmlns:r="http://schemas.openxmlformats.org/officeDocument/2006/relationships" xmlns:p="http://schemas.openxmlformats.org/presentationml/2006/main">
-  <p:tag name="DVSHAPEID" val="2up1K8YdKp9ahdDL2nK85E"/>
-</p:tagLst>
-</file>
-
-<file path=ppt/tags/tag145.xml><?xml version="1.0" encoding="utf-8"?>
-<p:tagLst xmlns:a="http://schemas.openxmlformats.org/drawingml/2006/main" xmlns:r="http://schemas.openxmlformats.org/officeDocument/2006/relationships" xmlns:p="http://schemas.openxmlformats.org/presentationml/2006/main">
-  <p:tag name="DVSHAPEID" val="v2MPbRpy1yBdzwUSFSwgL8"/>
-</p:tagLst>
-</file>
-
-<file path=ppt/tags/tag146.xml><?xml version="1.0" encoding="utf-8"?>
-<p:tagLst xmlns:a="http://schemas.openxmlformats.org/drawingml/2006/main" xmlns:r="http://schemas.openxmlformats.org/officeDocument/2006/relationships" xmlns:p="http://schemas.openxmlformats.org/presentationml/2006/main">
-  <p:tag name="DVSHAPEID" val="DT3Sd6pzuA8nYnfVW6OcoB"/>
-</p:tagLst>
-</file>
-
-<file path=ppt/tags/tag147.xml><?xml version="1.0" encoding="utf-8"?>
-<p:tagLst xmlns:a="http://schemas.openxmlformats.org/drawingml/2006/main" xmlns:r="http://schemas.openxmlformats.org/officeDocument/2006/relationships" xmlns:p="http://schemas.openxmlformats.org/presentationml/2006/main">
-  <p:tag name="DVSHAPEID" val="y4D6R9IRBOTmoSLjDi9s31"/>
-</p:tagLst>
-</file>
-
-<file path=ppt/tags/tag148.xml><?xml version="1.0" encoding="utf-8"?>
-<p:tagLst xmlns:a="http://schemas.openxmlformats.org/drawingml/2006/main" xmlns:r="http://schemas.openxmlformats.org/officeDocument/2006/relationships" xmlns:p="http://schemas.openxmlformats.org/presentationml/2006/main">
-  <p:tag name="DVSHAPEID" val="4bxwDJWqszK1kZf7egQCYj"/>
-</p:tagLst>
-</file>
-
-<file path=ppt/tags/tag149.xml><?xml version="1.0" encoding="utf-8"?>
-<p:tagLst xmlns:a="http://schemas.openxmlformats.org/drawingml/2006/main" xmlns:r="http://schemas.openxmlformats.org/officeDocument/2006/relationships" xmlns:p="http://schemas.openxmlformats.org/presentationml/2006/main">
-  <p:tag name="DVSHAPEID" val="uCYn9Dsw3VyxZrzkwYVbmj"/>
-</p:tagLst>
-</file>
-
-<file path=ppt/tags/tag15.xml><?xml version="1.0" encoding="utf-8"?>
-<p:tagLst xmlns:a="http://schemas.openxmlformats.org/drawingml/2006/main" xmlns:r="http://schemas.openxmlformats.org/officeDocument/2006/relationships" xmlns:p="http://schemas.openxmlformats.org/presentationml/2006/main">
-  <p:tag name="DVSHAPEID" val="Y79NvnkSrpIrtsnc1lZogo"/>
-</p:tagLst>
-</file>
-
-<file path=ppt/tags/tag150.xml><?xml version="1.0" encoding="utf-8"?>
-<p:tagLst xmlns:a="http://schemas.openxmlformats.org/drawingml/2006/main" xmlns:r="http://schemas.openxmlformats.org/officeDocument/2006/relationships" xmlns:p="http://schemas.openxmlformats.org/presentationml/2006/main">
-  <p:tag name="DVSHAPEID" val="BnxL4w3SBq2LHVygAiXVwP"/>
-</p:tagLst>
-</file>
-
-<file path=ppt/tags/tag151.xml><?xml version="1.0" encoding="utf-8"?>
-<p:tagLst xmlns:a="http://schemas.openxmlformats.org/drawingml/2006/main" xmlns:r="http://schemas.openxmlformats.org/officeDocument/2006/relationships" xmlns:p="http://schemas.openxmlformats.org/presentationml/2006/main">
-  <p:tag name="DVSHAPEID" val="tN0NyTJSGMWb0BPozWsak7"/>
-</p:tagLst>
-</file>
-
-<file path=ppt/tags/tag152.xml><?xml version="1.0" encoding="utf-8"?>
-<p:tagLst xmlns:a="http://schemas.openxmlformats.org/drawingml/2006/main" xmlns:r="http://schemas.openxmlformats.org/officeDocument/2006/relationships" xmlns:p="http://schemas.openxmlformats.org/presentationml/2006/main">
-  <p:tag name="DVSHAPEID" val="veKDMfoDeqMMTKKgY99JJg"/>
-</p:tagLst>
-</file>
-
-<file path=ppt/tags/tag153.xml><?xml version="1.0" encoding="utf-8"?>
-<p:tagLst xmlns:a="http://schemas.openxmlformats.org/drawingml/2006/main" xmlns:r="http://schemas.openxmlformats.org/officeDocument/2006/relationships" xmlns:p="http://schemas.openxmlformats.org/presentationml/2006/main">
-  <p:tag name="DVSHAPEID" val="OvUXqbJ0tmvmiM3U7tu3yw"/>
-</p:tagLst>
-</file>
-
-<file path=ppt/tags/tag154.xml><?xml version="1.0" encoding="utf-8"?>
-<p:tagLst xmlns:a="http://schemas.openxmlformats.org/drawingml/2006/main" xmlns:r="http://schemas.openxmlformats.org/officeDocument/2006/relationships" xmlns:p="http://schemas.openxmlformats.org/presentationml/2006/main">
-  <p:tag name="DVSHAPEID" val="oeH5DiYj0BnepeJPPcTdXp"/>
-</p:tagLst>
-</file>
-
-<file path=ppt/tags/tag155.xml><?xml version="1.0" encoding="utf-8"?>
-<p:tagLst xmlns:a="http://schemas.openxmlformats.org/drawingml/2006/main" xmlns:r="http://schemas.openxmlformats.org/officeDocument/2006/relationships" xmlns:p="http://schemas.openxmlformats.org/presentationml/2006/main">
-  <p:tag name="DVSHAPEID" val="hwsYc42FfFHh6Fflyr29lT"/>
-</p:tagLst>
-</file>
-
-<file path=ppt/tags/tag156.xml><?xml version="1.0" encoding="utf-8"?>
-<p:tagLst xmlns:a="http://schemas.openxmlformats.org/drawingml/2006/main" xmlns:r="http://schemas.openxmlformats.org/officeDocument/2006/relationships" xmlns:p="http://schemas.openxmlformats.org/presentationml/2006/main">
-  <p:tag name="DVSHAPEID" val="Z3mOahEhakyZXaCF5ThllH"/>
-</p:tagLst>
-</file>
-
-<file path=ppt/tags/tag157.xml><?xml version="1.0" encoding="utf-8"?>
-<p:tagLst xmlns:a="http://schemas.openxmlformats.org/drawingml/2006/main" xmlns:r="http://schemas.openxmlformats.org/officeDocument/2006/relationships" xmlns:p="http://schemas.openxmlformats.org/presentationml/2006/main">
-  <p:tag name="DVSHAPEID" val="w784ztEsaN4nxpBoTK0Xvn"/>
-</p:tagLst>
-</file>
-
-<file path=ppt/tags/tag158.xml><?xml version="1.0" encoding="utf-8"?>
-<p:tagLst xmlns:a="http://schemas.openxmlformats.org/drawingml/2006/main" xmlns:r="http://schemas.openxmlformats.org/officeDocument/2006/relationships" xmlns:p="http://schemas.openxmlformats.org/presentationml/2006/main">
-  <p:tag name="DVSHAPEID" val="J7I4JTl8S0yhweG6IbDI9K"/>
-</p:tagLst>
-</file>
-
-<file path=ppt/tags/tag159.xml><?xml version="1.0" encoding="utf-8"?>
-<p:tagLst xmlns:a="http://schemas.openxmlformats.org/drawingml/2006/main" xmlns:r="http://schemas.openxmlformats.org/officeDocument/2006/relationships" xmlns:p="http://schemas.openxmlformats.org/presentationml/2006/main">
-  <p:tag name="DVSHAPEID" val="UzDd3H0xloc9o0lvKL62V3"/>
-</p:tagLst>
-</file>
-
-<file path=ppt/tags/tag16.xml><?xml version="1.0" encoding="utf-8"?>
-<p:tagLst xmlns:a="http://schemas.openxmlformats.org/drawingml/2006/main" xmlns:r="http://schemas.openxmlformats.org/officeDocument/2006/relationships" xmlns:p="http://schemas.openxmlformats.org/presentationml/2006/main">
-  <p:tag name="DVSHAPEID" val="a1JLSirbtBF2QAer1muB9l"/>
-</p:tagLst>
-</file>
-
-<file path=ppt/tags/tag160.xml><?xml version="1.0" encoding="utf-8"?>
-<p:tagLst xmlns:a="http://schemas.openxmlformats.org/drawingml/2006/main" xmlns:r="http://schemas.openxmlformats.org/officeDocument/2006/relationships" xmlns:p="http://schemas.openxmlformats.org/presentationml/2006/main">
-  <p:tag name="DVSHAPEID" val="PfSmHN2PkNdYc8rvPD8lF9"/>
-</p:tagLst>
-</file>
-
-<file path=ppt/tags/tag161.xml><?xml version="1.0" encoding="utf-8"?>
-<p:tagLst xmlns:a="http://schemas.openxmlformats.org/drawingml/2006/main" xmlns:r="http://schemas.openxmlformats.org/officeDocument/2006/relationships" xmlns:p="http://schemas.openxmlformats.org/presentationml/2006/main">
-  <p:tag name="DVSECTIONID" val="96qcFhyFurzGwufMT6pIoK"/>
-</p:tagLst>
-</file>
-
-<file path=ppt/tags/tag162.xml><?xml version="1.0" encoding="utf-8"?>
-<p:tagLst xmlns:a="http://schemas.openxmlformats.org/drawingml/2006/main" xmlns:r="http://schemas.openxmlformats.org/officeDocument/2006/relationships" xmlns:p="http://schemas.openxmlformats.org/presentationml/2006/main">
-  <p:tag name="DVSHAPEID" val="5mQGKcqSB7PQKnkG0cvv4o"/>
-</p:tagLst>
-</file>
-
-<file path=ppt/tags/tag163.xml><?xml version="1.0" encoding="utf-8"?>
-<p:tagLst xmlns:a="http://schemas.openxmlformats.org/drawingml/2006/main" xmlns:r="http://schemas.openxmlformats.org/officeDocument/2006/relationships" xmlns:p="http://schemas.openxmlformats.org/presentationml/2006/main">
-  <p:tag name="DVSHAPEID" val="WpNd3eVsTAoFaww03Posb6"/>
-</p:tagLst>
-</file>
-
-<file path=ppt/tags/tag164.xml><?xml version="1.0" encoding="utf-8"?>
-<p:tagLst xmlns:a="http://schemas.openxmlformats.org/drawingml/2006/main" xmlns:r="http://schemas.openxmlformats.org/officeDocument/2006/relationships" xmlns:p="http://schemas.openxmlformats.org/presentationml/2006/main">
-  <p:tag name="DVSHAPEID" val="9lo4a8DWQ95GqqSx8bW8de"/>
-</p:tagLst>
-</file>
-
-<file path=ppt/tags/tag165.xml><?xml version="1.0" encoding="utf-8"?>
-<p:tagLst xmlns:a="http://schemas.openxmlformats.org/drawingml/2006/main" xmlns:r="http://schemas.openxmlformats.org/officeDocument/2006/relationships" xmlns:p="http://schemas.openxmlformats.org/presentationml/2006/main">
-  <p:tag name="DVSHAPEID" val="s4cOaZ8F7BcQgsPZ4MPXKf"/>
-</p:tagLst>
-</file>
-
-<file path=ppt/tags/tag166.xml><?xml version="1.0" encoding="utf-8"?>
-<p:tagLst xmlns:a="http://schemas.openxmlformats.org/drawingml/2006/main" xmlns:r="http://schemas.openxmlformats.org/officeDocument/2006/relationships" xmlns:p="http://schemas.openxmlformats.org/presentationml/2006/main">
-  <p:tag name="DVSHAPEID" val="At658wGcv3SUTjRmYENa2t"/>
-</p:tagLst>
-</file>
-
-<file path=ppt/tags/tag167.xml><?xml version="1.0" encoding="utf-8"?>
-<p:tagLst xmlns:a="http://schemas.openxmlformats.org/drawingml/2006/main" xmlns:r="http://schemas.openxmlformats.org/officeDocument/2006/relationships" xmlns:p="http://schemas.openxmlformats.org/presentationml/2006/main">
-  <p:tag name="DVSHAPEID" val="uAaqH97ajgucuJI4RCYU69"/>
-</p:tagLst>
-</file>
-
-<file path=ppt/tags/tag168.xml><?xml version="1.0" encoding="utf-8"?>
-<p:tagLst xmlns:a="http://schemas.openxmlformats.org/drawingml/2006/main" xmlns:r="http://schemas.openxmlformats.org/officeDocument/2006/relationships" xmlns:p="http://schemas.openxmlformats.org/presentationml/2006/main">
-  <p:tag name="DVSHAPEID" val="Xlyv8INaazd6ZvVHOx5lKC"/>
-</p:tagLst>
-</file>
-
-<file path=ppt/tags/tag169.xml><?xml version="1.0" encoding="utf-8"?>
-<p:tagLst xmlns:a="http://schemas.openxmlformats.org/drawingml/2006/main" xmlns:r="http://schemas.openxmlformats.org/officeDocument/2006/relationships" xmlns:p="http://schemas.openxmlformats.org/presentationml/2006/main">
-  <p:tag name="DVSHAPEID" val="pGP7DUNab7nkCOSb0pm85V"/>
-</p:tagLst>
-</file>
-
-<file path=ppt/tags/tag17.xml><?xml version="1.0" encoding="utf-8"?>
-<p:tagLst xmlns:a="http://schemas.openxmlformats.org/drawingml/2006/main" xmlns:r="http://schemas.openxmlformats.org/officeDocument/2006/relationships" xmlns:p="http://schemas.openxmlformats.org/presentationml/2006/main">
-  <p:tag name="DVSHAPEID" val="asqxASNdSlQzX74Jv1rfW6"/>
-</p:tagLst>
-</file>
-
-<file path=ppt/tags/tag170.xml><?xml version="1.0" encoding="utf-8"?>
-<p:tagLst xmlns:a="http://schemas.openxmlformats.org/drawingml/2006/main" xmlns:r="http://schemas.openxmlformats.org/officeDocument/2006/relationships" xmlns:p="http://schemas.openxmlformats.org/presentationml/2006/main">
-  <p:tag name="DVSHAPEID" val="ZnKc89OrPKokWRG04TnZn5"/>
-</p:tagLst>
-</file>
-
-<file path=ppt/tags/tag171.xml><?xml version="1.0" encoding="utf-8"?>
-<p:tagLst xmlns:a="http://schemas.openxmlformats.org/drawingml/2006/main" xmlns:r="http://schemas.openxmlformats.org/officeDocument/2006/relationships" xmlns:p="http://schemas.openxmlformats.org/presentationml/2006/main">
-  <p:tag name="DVSHAPEID" val="IES7PCwFYCwuHrnrLEmKiD"/>
-</p:tagLst>
-</file>
-
-<file path=ppt/tags/tag172.xml><?xml version="1.0" encoding="utf-8"?>
-<p:tagLst xmlns:a="http://schemas.openxmlformats.org/drawingml/2006/main" xmlns:r="http://schemas.openxmlformats.org/officeDocument/2006/relationships" xmlns:p="http://schemas.openxmlformats.org/presentationml/2006/main">
-  <p:tag name="DVSHAPEID" val="WiR0v0lsK6xTF5j1jbU9MM"/>
-</p:tagLst>
-</file>
-
-<file path=ppt/tags/tag173.xml><?xml version="1.0" encoding="utf-8"?>
-<p:tagLst xmlns:a="http://schemas.openxmlformats.org/drawingml/2006/main" xmlns:r="http://schemas.openxmlformats.org/officeDocument/2006/relationships" xmlns:p="http://schemas.openxmlformats.org/presentationml/2006/main">
-  <p:tag name="DVSHAPEID" val="NsafCC8JDDN5IAfP7wkvRq"/>
-</p:tagLst>
-</file>
-
-<file path=ppt/tags/tag174.xml><?xml version="1.0" encoding="utf-8"?>
-<p:tagLst xmlns:a="http://schemas.openxmlformats.org/drawingml/2006/main" xmlns:r="http://schemas.openxmlformats.org/officeDocument/2006/relationships" xmlns:p="http://schemas.openxmlformats.org/presentationml/2006/main">
-  <p:tag name="DVSHAPEID" val="WNLh7JkaP8Q9upPfnIk1sU"/>
-</p:tagLst>
-</file>
-
-<file path=ppt/tags/tag175.xml><?xml version="1.0" encoding="utf-8"?>
-<p:tagLst xmlns:a="http://schemas.openxmlformats.org/drawingml/2006/main" xmlns:r="http://schemas.openxmlformats.org/officeDocument/2006/relationships" xmlns:p="http://schemas.openxmlformats.org/presentationml/2006/main">
-  <p:tag name="DVSHAPEID" val="6znIMu4oPgVnvmtkuoosNF"/>
-</p:tagLst>
-</file>
-
-<file path=ppt/tags/tag176.xml><?xml version="1.0" encoding="utf-8"?>
-<p:tagLst xmlns:a="http://schemas.openxmlformats.org/drawingml/2006/main" xmlns:r="http://schemas.openxmlformats.org/officeDocument/2006/relationships" xmlns:p="http://schemas.openxmlformats.org/presentationml/2006/main">
-  <p:tag name="DVSHAPEID" val="ey6PZR8BbPX2HcUpXQ6riA"/>
-</p:tagLst>
-</file>
-
-<file path=ppt/tags/tag177.xml><?xml version="1.0" encoding="utf-8"?>
-<p:tagLst xmlns:a="http://schemas.openxmlformats.org/drawingml/2006/main" xmlns:r="http://schemas.openxmlformats.org/officeDocument/2006/relationships" xmlns:p="http://schemas.openxmlformats.org/presentationml/2006/main">
-  <p:tag name="DVSECTIONID" val="7eRMAvE8U3EjpooucR9trT"/>
-</p:tagLst>
-</file>
-
-<file path=ppt/tags/tag178.xml><?xml version="1.0" encoding="utf-8"?>
-<p:tagLst xmlns:a="http://schemas.openxmlformats.org/drawingml/2006/main" xmlns:r="http://schemas.openxmlformats.org/officeDocument/2006/relationships" xmlns:p="http://schemas.openxmlformats.org/presentationml/2006/main">
-  <p:tag name="DVSHAPEID" val="e6TsL2eVC06rlOBWucfe45"/>
-</p:tagLst>
-</file>
-
-<file path=ppt/tags/tag179.xml><?xml version="1.0" encoding="utf-8"?>
-<p:tagLst xmlns:a="http://schemas.openxmlformats.org/drawingml/2006/main" xmlns:r="http://schemas.openxmlformats.org/officeDocument/2006/relationships" xmlns:p="http://schemas.openxmlformats.org/presentationml/2006/main">
-  <p:tag name="DVSHAPEID" val="ptFhq5rymlmEkZVw65ngcX"/>
-</p:tagLst>
-</file>
-
-<file path=ppt/tags/tag18.xml><?xml version="1.0" encoding="utf-8"?>
-<p:tagLst xmlns:a="http://schemas.openxmlformats.org/drawingml/2006/main" xmlns:r="http://schemas.openxmlformats.org/officeDocument/2006/relationships" xmlns:p="http://schemas.openxmlformats.org/presentationml/2006/main">
-  <p:tag name="DVSHAPEID" val="LqCNXAjDUFeORglkIzofJj"/>
-</p:tagLst>
-</file>
-
-<file path=ppt/tags/tag180.xml><?xml version="1.0" encoding="utf-8"?>
-<p:tagLst xmlns:a="http://schemas.openxmlformats.org/drawingml/2006/main" xmlns:r="http://schemas.openxmlformats.org/officeDocument/2006/relationships" xmlns:p="http://schemas.openxmlformats.org/presentationml/2006/main">
-  <p:tag name="DVSHAPEID" val="VfR5N1lTc4v8HqNtC8u4EK"/>
-</p:tagLst>
-</file>
-
-<file path=ppt/tags/tag181.xml><?xml version="1.0" encoding="utf-8"?>
-<p:tagLst xmlns:a="http://schemas.openxmlformats.org/drawingml/2006/main" xmlns:r="http://schemas.openxmlformats.org/officeDocument/2006/relationships" xmlns:p="http://schemas.openxmlformats.org/presentationml/2006/main">
-  <p:tag name="DVSHAPEID" val="4GuC0Y69ROSrxqqkipds9i"/>
-</p:tagLst>
-</file>
-
-<file path=ppt/tags/tag182.xml><?xml version="1.0" encoding="utf-8"?>
-<p:tagLst xmlns:a="http://schemas.openxmlformats.org/drawingml/2006/main" xmlns:r="http://schemas.openxmlformats.org/officeDocument/2006/relationships" xmlns:p="http://schemas.openxmlformats.org/presentationml/2006/main">
-  <p:tag name="DVSHAPEID" val="8bivJCtfM8jbaaBa0nN3cH"/>
-</p:tagLst>
-</file>
-
-<file path=ppt/tags/tag183.xml><?xml version="1.0" encoding="utf-8"?>
-<p:tagLst xmlns:a="http://schemas.openxmlformats.org/drawingml/2006/main" xmlns:r="http://schemas.openxmlformats.org/officeDocument/2006/relationships" xmlns:p="http://schemas.openxmlformats.org/presentationml/2006/main">
-  <p:tag name="DVSHAPEID" val="ggSm2iP4QcBMyikvetGC2J"/>
-</p:tagLst>
-</file>
-
-<file path=ppt/tags/tag184.xml><?xml version="1.0" encoding="utf-8"?>
-<p:tagLst xmlns:a="http://schemas.openxmlformats.org/drawingml/2006/main" xmlns:r="http://schemas.openxmlformats.org/officeDocument/2006/relationships" xmlns:p="http://schemas.openxmlformats.org/presentationml/2006/main">
-  <p:tag name="DVSHAPEID" val="8mfgI7pPE65rU2CmzbpHi6"/>
-</p:tagLst>
-</file>
-
-<file path=ppt/tags/tag185.xml><?xml version="1.0" encoding="utf-8"?>
-<p:tagLst xmlns:a="http://schemas.openxmlformats.org/drawingml/2006/main" xmlns:r="http://schemas.openxmlformats.org/officeDocument/2006/relationships" xmlns:p="http://schemas.openxmlformats.org/presentationml/2006/main">
-  <p:tag name="DVSHAPEID" val="zoBiQv8kmAEw7w7MzHF1yv"/>
-</p:tagLst>
-</file>
-
-<file path=ppt/tags/tag186.xml><?xml version="1.0" encoding="utf-8"?>
-<p:tagLst xmlns:a="http://schemas.openxmlformats.org/drawingml/2006/main" xmlns:r="http://schemas.openxmlformats.org/officeDocument/2006/relationships" xmlns:p="http://schemas.openxmlformats.org/presentationml/2006/main">
-  <p:tag name="DVSHAPEID" val="G7nhSSTvckr1NQFphTHjJu"/>
-</p:tagLst>
-</file>
-
-<file path=ppt/tags/tag187.xml><?xml version="1.0" encoding="utf-8"?>
-<p:tagLst xmlns:a="http://schemas.openxmlformats.org/drawingml/2006/main" xmlns:r="http://schemas.openxmlformats.org/officeDocument/2006/relationships" xmlns:p="http://schemas.openxmlformats.org/presentationml/2006/main">
-  <p:tag name="DVSHAPEID" val="MoU5eNBI2gy3HtUyCgrRoj"/>
-</p:tagLst>
-</file>
-
-<file path=ppt/tags/tag188.xml><?xml version="1.0" encoding="utf-8"?>
-<p:tagLst xmlns:a="http://schemas.openxmlformats.org/drawingml/2006/main" xmlns:r="http://schemas.openxmlformats.org/officeDocument/2006/relationships" xmlns:p="http://schemas.openxmlformats.org/presentationml/2006/main">
-  <p:tag name="DVSHAPEID" val="55Jh69qLkeMclZnMD5Tuha"/>
-</p:tagLst>
-</file>
-
-<file path=ppt/tags/tag189.xml><?xml version="1.0" encoding="utf-8"?>
-<p:tagLst xmlns:a="http://schemas.openxmlformats.org/drawingml/2006/main" xmlns:r="http://schemas.openxmlformats.org/officeDocument/2006/relationships" xmlns:p="http://schemas.openxmlformats.org/presentationml/2006/main">
-  <p:tag name="DVSHAPEID" val="tJ8bvIgqRR6sjPmXGrhgWj"/>
-</p:tagLst>
-</file>
-
-<file path=ppt/tags/tag19.xml><?xml version="1.0" encoding="utf-8"?>
-<p:tagLst xmlns:a="http://schemas.openxmlformats.org/drawingml/2006/main" xmlns:r="http://schemas.openxmlformats.org/officeDocument/2006/relationships" xmlns:p="http://schemas.openxmlformats.org/presentationml/2006/main">
-  <p:tag name="DVSHAPEID" val="cgD6mhQsaUp3HZUNUcTerb"/>
-</p:tagLst>
-</file>
-
-<file path=ppt/tags/tag190.xml><?xml version="1.0" encoding="utf-8"?>
-<p:tagLst xmlns:a="http://schemas.openxmlformats.org/drawingml/2006/main" xmlns:r="http://schemas.openxmlformats.org/officeDocument/2006/relationships" xmlns:p="http://schemas.openxmlformats.org/presentationml/2006/main">
-  <p:tag name="DVSHAPEID" val="gv8VbQDlYU1UCZ8VEIvTnV"/>
-</p:tagLst>
-</file>
-
-<file path=ppt/tags/tag191.xml><?xml version="1.0" encoding="utf-8"?>
-<p:tagLst xmlns:a="http://schemas.openxmlformats.org/drawingml/2006/main" xmlns:r="http://schemas.openxmlformats.org/officeDocument/2006/relationships" xmlns:p="http://schemas.openxmlformats.org/presentationml/2006/main">
-  <p:tag name="DVSHAPEID" val="5SGxqForc0d9sD3AwqNvTc"/>
-</p:tagLst>
-</file>
-
-<file path=ppt/tags/tag192.xml><?xml version="1.0" encoding="utf-8"?>
-<p:tagLst xmlns:a="http://schemas.openxmlformats.org/drawingml/2006/main" xmlns:r="http://schemas.openxmlformats.org/officeDocument/2006/relationships" xmlns:p="http://schemas.openxmlformats.org/presentationml/2006/main">
-  <p:tag name="DVSECTIONID" val="yNXxx5ojqB9oZckSH30lxw"/>
-</p:tagLst>
-</file>
-
-<file path=ppt/tags/tag193.xml><?xml version="1.0" encoding="utf-8"?>
-<p:tagLst xmlns:a="http://schemas.openxmlformats.org/drawingml/2006/main" xmlns:r="http://schemas.openxmlformats.org/officeDocument/2006/relationships" xmlns:p="http://schemas.openxmlformats.org/presentationml/2006/main">
-  <p:tag name="DVSHAPEID" val="qodnPLNzL3WlpfeDqXWwH0"/>
-</p:tagLst>
-</file>
-
-<file path=ppt/tags/tag194.xml><?xml version="1.0" encoding="utf-8"?>
-<p:tagLst xmlns:a="http://schemas.openxmlformats.org/drawingml/2006/main" xmlns:r="http://schemas.openxmlformats.org/officeDocument/2006/relationships" xmlns:p="http://schemas.openxmlformats.org/presentationml/2006/main">
-  <p:tag name="DVSHAPEID" val="GswuR4b56R2Tsik3QDECfa"/>
-</p:tagLst>
-</file>
-
-<file path=ppt/tags/tag195.xml><?xml version="1.0" encoding="utf-8"?>
-<p:tagLst xmlns:a="http://schemas.openxmlformats.org/drawingml/2006/main" xmlns:r="http://schemas.openxmlformats.org/officeDocument/2006/relationships" xmlns:p="http://schemas.openxmlformats.org/presentationml/2006/main">
-  <p:tag name="DVSHAPEID" val="d6eOlS0PzmupHLQkTJnGX5"/>
-</p:tagLst>
-</file>
-
-<file path=ppt/tags/tag196.xml><?xml version="1.0" encoding="utf-8"?>
-<p:tagLst xmlns:a="http://schemas.openxmlformats.org/drawingml/2006/main" xmlns:r="http://schemas.openxmlformats.org/officeDocument/2006/relationships" xmlns:p="http://schemas.openxmlformats.org/presentationml/2006/main">
-  <p:tag name="DVSHAPEID" val="jvNWim7jR4Lweqg3Ij5giF"/>
-</p:tagLst>
-</file>
-
-<file path=ppt/tags/tag197.xml><?xml version="1.0" encoding="utf-8"?>
-<p:tagLst xmlns:a="http://schemas.openxmlformats.org/drawingml/2006/main" xmlns:r="http://schemas.openxmlformats.org/officeDocument/2006/relationships" xmlns:p="http://schemas.openxmlformats.org/presentationml/2006/main">
-  <p:tag name="DVSHAPEID" val="o2AzdvJVezd8NI1pzDIfvp"/>
-</p:tagLst>
-</file>
-
-<file path=ppt/tags/tag198.xml><?xml version="1.0" encoding="utf-8"?>
-<p:tagLst xmlns:a="http://schemas.openxmlformats.org/drawingml/2006/main" xmlns:r="http://schemas.openxmlformats.org/officeDocument/2006/relationships" xmlns:p="http://schemas.openxmlformats.org/presentationml/2006/main">
-  <p:tag name="DVSHAPEID" val="Ebwp4Q04BGNE7KmJ9CzWQc"/>
-</p:tagLst>
-</file>
-
-<file path=ppt/tags/tag199.xml><?xml version="1.0" encoding="utf-8"?>
-<p:tagLst xmlns:a="http://schemas.openxmlformats.org/drawingml/2006/main" xmlns:r="http://schemas.openxmlformats.org/officeDocument/2006/relationships" xmlns:p="http://schemas.openxmlformats.org/presentationml/2006/main">
-  <p:tag name="DVSHAPEID" val="i6Cx2iJry29Yoo3NqTUaYw"/>
-</p:tagLst>
-</file>
-
-<file path=ppt/tags/tag2.xml><?xml version="1.0" encoding="utf-8"?>
-<p:tagLst xmlns:a="http://schemas.openxmlformats.org/drawingml/2006/main" xmlns:r="http://schemas.openxmlformats.org/officeDocument/2006/relationships" xmlns:p="http://schemas.openxmlformats.org/presentationml/2006/main">
-  <p:tag name="DVSHAPEID" val="6qK58qzGe1CC1LfgiPG6RZ"/>
-</p:tagLst>
-</file>
-
-<file path=ppt/tags/tag20.xml><?xml version="1.0" encoding="utf-8"?>
-<p:tagLst xmlns:a="http://schemas.openxmlformats.org/drawingml/2006/main" xmlns:r="http://schemas.openxmlformats.org/officeDocument/2006/relationships" xmlns:p="http://schemas.openxmlformats.org/presentationml/2006/main">
-  <p:tag name="DVSHAPEID" val="l8gOoajSRGnsemaRd2Mruk"/>
-</p:tagLst>
-</file>
-
-<file path=ppt/tags/tag200.xml><?xml version="1.0" encoding="utf-8"?>
-<p:tagLst xmlns:a="http://schemas.openxmlformats.org/drawingml/2006/main" xmlns:r="http://schemas.openxmlformats.org/officeDocument/2006/relationships" xmlns:p="http://schemas.openxmlformats.org/presentationml/2006/main">
-  <p:tag name="DVSECTIONID" val="1c5QnpUxyVidF3P2XzJBD3"/>
-</p:tagLst>
-</file>
-
-<file path=ppt/tags/tag201.xml><?xml version="1.0" encoding="utf-8"?>
-<p:tagLst xmlns:a="http://schemas.openxmlformats.org/drawingml/2006/main" xmlns:r="http://schemas.openxmlformats.org/officeDocument/2006/relationships" xmlns:p="http://schemas.openxmlformats.org/presentationml/2006/main">
-  <p:tag name="DVSHAPEID" val="l8Bg3Qt6GyzrTqNxNHl98K"/>
-</p:tagLst>
-</file>
-
-<file path=ppt/tags/tag202.xml><?xml version="1.0" encoding="utf-8"?>
-<p:tagLst xmlns:a="http://schemas.openxmlformats.org/drawingml/2006/main" xmlns:r="http://schemas.openxmlformats.org/officeDocument/2006/relationships" xmlns:p="http://schemas.openxmlformats.org/presentationml/2006/main">
-  <p:tag name="DVSHAPEID" val="u8lXFmbG1FeLKtVLfSYrmB"/>
-</p:tagLst>
-</file>
-
-<file path=ppt/tags/tag203.xml><?xml version="1.0" encoding="utf-8"?>
-<p:tagLst xmlns:a="http://schemas.openxmlformats.org/drawingml/2006/main" xmlns:r="http://schemas.openxmlformats.org/officeDocument/2006/relationships" xmlns:p="http://schemas.openxmlformats.org/presentationml/2006/main">
-  <p:tag name="DVSHAPEID" val="pWvDZS5cOOoAEtU5b6UZxU"/>
-</p:tagLst>
-</file>
-
-<file path=ppt/tags/tag204.xml><?xml version="1.0" encoding="utf-8"?>
-<p:tagLst xmlns:a="http://schemas.openxmlformats.org/drawingml/2006/main" xmlns:r="http://schemas.openxmlformats.org/officeDocument/2006/relationships" xmlns:p="http://schemas.openxmlformats.org/presentationml/2006/main">
-  <p:tag name="DVSHAPEID" val="d7FjB2ssaGoTJps2miAORp"/>
-</p:tagLst>
-</file>
-
-<file path=ppt/tags/tag205.xml><?xml version="1.0" encoding="utf-8"?>
-<p:tagLst xmlns:a="http://schemas.openxmlformats.org/drawingml/2006/main" xmlns:r="http://schemas.openxmlformats.org/officeDocument/2006/relationships" xmlns:p="http://schemas.openxmlformats.org/presentationml/2006/main">
-  <p:tag name="DVSHAPEID" val="maPsR9HRxm3vJoXGh3KlEI"/>
-</p:tagLst>
-</file>
-
-<file path=ppt/tags/tag206.xml><?xml version="1.0" encoding="utf-8"?>
-<p:tagLst xmlns:a="http://schemas.openxmlformats.org/drawingml/2006/main" xmlns:r="http://schemas.openxmlformats.org/officeDocument/2006/relationships" xmlns:p="http://schemas.openxmlformats.org/presentationml/2006/main">
-  <p:tag name="DVSHAPEID" val="cKKvD8JBpI2OKvt9aiLj81"/>
-</p:tagLst>
-</file>
-
-<file path=ppt/tags/tag207.xml><?xml version="1.0" encoding="utf-8"?>
-<p:tagLst xmlns:a="http://schemas.openxmlformats.org/drawingml/2006/main" xmlns:r="http://schemas.openxmlformats.org/officeDocument/2006/relationships" xmlns:p="http://schemas.openxmlformats.org/presentationml/2006/main">
-  <p:tag name="DVSECTIONID" val="90pc9j96t5m2MKsGHZoS3e"/>
-</p:tagLst>
-</file>
-
-<file path=ppt/tags/tag208.xml><?xml version="1.0" encoding="utf-8"?>
-<p:tagLst xmlns:a="http://schemas.openxmlformats.org/drawingml/2006/main" xmlns:r="http://schemas.openxmlformats.org/officeDocument/2006/relationships" xmlns:p="http://schemas.openxmlformats.org/presentationml/2006/main">
-  <p:tag name="DVSHAPEID" val="PdF45G1x4vLEX4Hlwz8VXk"/>
-</p:tagLst>
-</file>
-
-<file path=ppt/tags/tag209.xml><?xml version="1.0" encoding="utf-8"?>
-<p:tagLst xmlns:a="http://schemas.openxmlformats.org/drawingml/2006/main" xmlns:r="http://schemas.openxmlformats.org/officeDocument/2006/relationships" xmlns:p="http://schemas.openxmlformats.org/presentationml/2006/main">
-  <p:tag name="DVSHAPEID" val="sVDsc7SrAlzaVwPy33ASEx"/>
-</p:tagLst>
-</file>
-
-<file path=ppt/tags/tag21.xml><?xml version="1.0" encoding="utf-8"?>
-<p:tagLst xmlns:a="http://schemas.openxmlformats.org/drawingml/2006/main" xmlns:r="http://schemas.openxmlformats.org/officeDocument/2006/relationships" xmlns:p="http://schemas.openxmlformats.org/presentationml/2006/main">
-  <p:tag name="DVSECTIONID" val="gtyIogJKd2jYf04sOTPbhX"/>
-</p:tagLst>
-</file>
-
-<file path=ppt/tags/tag210.xml><?xml version="1.0" encoding="utf-8"?>
-<p:tagLst xmlns:a="http://schemas.openxmlformats.org/drawingml/2006/main" xmlns:r="http://schemas.openxmlformats.org/officeDocument/2006/relationships" xmlns:p="http://schemas.openxmlformats.org/presentationml/2006/main">
-  <p:tag name="DVSECTIONID" val="5Lwh3E5qBWSY24rbfAnrsc"/>
-</p:tagLst>
-</file>
-
-<file path=ppt/tags/tag211.xml><?xml version="1.0" encoding="utf-8"?>
-<p:tagLst xmlns:a="http://schemas.openxmlformats.org/drawingml/2006/main" xmlns:r="http://schemas.openxmlformats.org/officeDocument/2006/relationships" xmlns:p="http://schemas.openxmlformats.org/presentationml/2006/main">
-  <p:tag name="DVSHAPEID" val="26xorOMcad4uLKqCtTECUq"/>
-</p:tagLst>
-</file>
-
-<file path=ppt/tags/tag22.xml><?xml version="1.0" encoding="utf-8"?>
-<p:tagLst xmlns:a="http://schemas.openxmlformats.org/drawingml/2006/main" xmlns:r="http://schemas.openxmlformats.org/officeDocument/2006/relationships" xmlns:p="http://schemas.openxmlformats.org/presentationml/2006/main">
-  <p:tag name="DVSHAPEID" val="oOzmpUEcluS0VuPxTG9h2I"/>
-</p:tagLst>
-</file>
-
-<file path=ppt/tags/tag23.xml><?xml version="1.0" encoding="utf-8"?>
-<p:tagLst xmlns:a="http://schemas.openxmlformats.org/drawingml/2006/main" xmlns:r="http://schemas.openxmlformats.org/officeDocument/2006/relationships" xmlns:p="http://schemas.openxmlformats.org/presentationml/2006/main">
-  <p:tag name="DVSHAPEID" val="FeKyD2YRsZG0Ksf1KodFlS"/>
-</p:tagLst>
-</file>
-
-<file path=ppt/tags/tag24.xml><?xml version="1.0" encoding="utf-8"?>
-<p:tagLst xmlns:a="http://schemas.openxmlformats.org/drawingml/2006/main" xmlns:r="http://schemas.openxmlformats.org/officeDocument/2006/relationships" xmlns:p="http://schemas.openxmlformats.org/presentationml/2006/main">
-  <p:tag name="DVSHAPEID" val="zdrF1G96ichG8kBRhCdu2S"/>
-</p:tagLst>
-</file>
-
-<file path=ppt/tags/tag25.xml><?xml version="1.0" encoding="utf-8"?>
-<p:tagLst xmlns:a="http://schemas.openxmlformats.org/drawingml/2006/main" xmlns:r="http://schemas.openxmlformats.org/officeDocument/2006/relationships" xmlns:p="http://schemas.openxmlformats.org/presentationml/2006/main">
-  <p:tag name="DVSHAPEID" val="kUKniRVK4nnNEw7X1iHlGt"/>
-</p:tagLst>
-</file>
-
-<file path=ppt/tags/tag26.xml><?xml version="1.0" encoding="utf-8"?>
-<p:tagLst xmlns:a="http://schemas.openxmlformats.org/drawingml/2006/main" xmlns:r="http://schemas.openxmlformats.org/officeDocument/2006/relationships" xmlns:p="http://schemas.openxmlformats.org/presentationml/2006/main">
-  <p:tag name="DVSHAPEID" val="I3kVqT6BrQQHTwVDnhby8U"/>
-</p:tagLst>
-</file>
-
-<file path=ppt/tags/tag27.xml><?xml version="1.0" encoding="utf-8"?>
-<p:tagLst xmlns:a="http://schemas.openxmlformats.org/drawingml/2006/main" xmlns:r="http://schemas.openxmlformats.org/officeDocument/2006/relationships" xmlns:p="http://schemas.openxmlformats.org/presentationml/2006/main">
-  <p:tag name="DVSHAPEID" val="jkF4JkAVMGbQbG3mr1DsWw"/>
-</p:tagLst>
-</file>
-
-<file path=ppt/tags/tag28.xml><?xml version="1.0" encoding="utf-8"?>
-<p:tagLst xmlns:a="http://schemas.openxmlformats.org/drawingml/2006/main" xmlns:r="http://schemas.openxmlformats.org/officeDocument/2006/relationships" xmlns:p="http://schemas.openxmlformats.org/presentationml/2006/main">
-  <p:tag name="DVSHAPEID" val="XXDA2nUpa8lOKZfl9M1w39"/>
-</p:tagLst>
-</file>
-
-<file path=ppt/tags/tag29.xml><?xml version="1.0" encoding="utf-8"?>
-<p:tagLst xmlns:a="http://schemas.openxmlformats.org/drawingml/2006/main" xmlns:r="http://schemas.openxmlformats.org/officeDocument/2006/relationships" xmlns:p="http://schemas.openxmlformats.org/presentationml/2006/main">
-  <p:tag name="DVSHAPEID" val="v3keA1Q9UFXMnIr9id0mv2"/>
-</p:tagLst>
-</file>
-
-<file path=ppt/tags/tag3.xml><?xml version="1.0" encoding="utf-8"?>
-<p:tagLst xmlns:a="http://schemas.openxmlformats.org/drawingml/2006/main" xmlns:r="http://schemas.openxmlformats.org/officeDocument/2006/relationships" xmlns:p="http://schemas.openxmlformats.org/presentationml/2006/main">
-  <p:tag name="DVSHAPEID" val="ORSSIFdAXwgHGJqrP5vFQE"/>
-</p:tagLst>
-</file>
-
-<file path=ppt/tags/tag30.xml><?xml version="1.0" encoding="utf-8"?>
-<p:tagLst xmlns:a="http://schemas.openxmlformats.org/drawingml/2006/main" xmlns:r="http://schemas.openxmlformats.org/officeDocument/2006/relationships" xmlns:p="http://schemas.openxmlformats.org/presentationml/2006/main">
-  <p:tag name="DVSHAPEID" val="vnW466SRrptOrAgNMTz1eF"/>
-</p:tagLst>
-</file>
-
-<file path=ppt/tags/tag31.xml><?xml version="1.0" encoding="utf-8"?>
-<p:tagLst xmlns:a="http://schemas.openxmlformats.org/drawingml/2006/main" xmlns:r="http://schemas.openxmlformats.org/officeDocument/2006/relationships" xmlns:p="http://schemas.openxmlformats.org/presentationml/2006/main">
-  <p:tag name="DVSECTIONID" val="Vib1z4CfhlB7g2odcFXPew"/>
-</p:tagLst>
-</file>
-
-<file path=ppt/tags/tag32.xml><?xml version="1.0" encoding="utf-8"?>
-<p:tagLst xmlns:a="http://schemas.openxmlformats.org/drawingml/2006/main" xmlns:r="http://schemas.openxmlformats.org/officeDocument/2006/relationships" xmlns:p="http://schemas.openxmlformats.org/presentationml/2006/main">
-  <p:tag name="DVSHAPEID" val="QYCxT0uNwGDtxXiwUKg3ey"/>
-</p:tagLst>
-</file>
-
-<file path=ppt/tags/tag33.xml><?xml version="1.0" encoding="utf-8"?>
-<p:tagLst xmlns:a="http://schemas.openxmlformats.org/drawingml/2006/main" xmlns:r="http://schemas.openxmlformats.org/officeDocument/2006/relationships" xmlns:p="http://schemas.openxmlformats.org/presentationml/2006/main">
-  <p:tag name="DVSHAPEID" val="jzgRSuq7NtOPwYrycSnDTM"/>
-</p:tagLst>
-</file>
-
-<file path=ppt/tags/tag34.xml><?xml version="1.0" encoding="utf-8"?>
-<p:tagLst xmlns:a="http://schemas.openxmlformats.org/drawingml/2006/main" xmlns:r="http://schemas.openxmlformats.org/officeDocument/2006/relationships" xmlns:p="http://schemas.openxmlformats.org/presentationml/2006/main">
-  <p:tag name="DVSHAPEID" val="aY2ivgYPLbqiE2h27ZnpT9"/>
-</p:tagLst>
-</file>
-
-<file path=ppt/tags/tag35.xml><?xml version="1.0" encoding="utf-8"?>
-<p:tagLst xmlns:a="http://schemas.openxmlformats.org/drawingml/2006/main" xmlns:r="http://schemas.openxmlformats.org/officeDocument/2006/relationships" xmlns:p="http://schemas.openxmlformats.org/presentationml/2006/main">
-  <p:tag name="DVSHAPEID" val="EIrk4lyoFAExoiOAZ98YID"/>
-</p:tagLst>
-</file>
-
-<file path=ppt/tags/tag36.xml><?xml version="1.0" encoding="utf-8"?>
-<p:tagLst xmlns:a="http://schemas.openxmlformats.org/drawingml/2006/main" xmlns:r="http://schemas.openxmlformats.org/officeDocument/2006/relationships" xmlns:p="http://schemas.openxmlformats.org/presentationml/2006/main">
-  <p:tag name="DVSHAPEID" val="odjph9KnguS0kkRbbDhnvQ"/>
-</p:tagLst>
-</file>
-
-<file path=ppt/tags/tag37.xml><?xml version="1.0" encoding="utf-8"?>
-<p:tagLst xmlns:a="http://schemas.openxmlformats.org/drawingml/2006/main" xmlns:r="http://schemas.openxmlformats.org/officeDocument/2006/relationships" xmlns:p="http://schemas.openxmlformats.org/presentationml/2006/main">
-  <p:tag name="DVSHAPEID" val="E7DYex0dgVr0jd0F3oDhk9"/>
-</p:tagLst>
-</file>
-
-<file path=ppt/tags/tag38.xml><?xml version="1.0" encoding="utf-8"?>
-<p:tagLst xmlns:a="http://schemas.openxmlformats.org/drawingml/2006/main" xmlns:r="http://schemas.openxmlformats.org/officeDocument/2006/relationships" xmlns:p="http://schemas.openxmlformats.org/presentationml/2006/main">
-  <p:tag name="DVSHAPEID" val="EoYuIOYvHl8yzbLjVcn2dX"/>
-</p:tagLst>
-</file>
-
-<file path=ppt/tags/tag39.xml><?xml version="1.0" encoding="utf-8"?>
-<p:tagLst xmlns:a="http://schemas.openxmlformats.org/drawingml/2006/main" xmlns:r="http://schemas.openxmlformats.org/officeDocument/2006/relationships" xmlns:p="http://schemas.openxmlformats.org/presentationml/2006/main">
-  <p:tag name="DVSHAPEID" val="zj1EawzSJdwutf0JPcfLe5"/>
-</p:tagLst>
-</file>
-
-<file path=ppt/tags/tag4.xml><?xml version="1.0" encoding="utf-8"?>
-<p:tagLst xmlns:a="http://schemas.openxmlformats.org/drawingml/2006/main" xmlns:r="http://schemas.openxmlformats.org/officeDocument/2006/relationships" xmlns:p="http://schemas.openxmlformats.org/presentationml/2006/main">
-  <p:tag name="DVSHAPEID" val="hfw8yqLPH3u6BTcfHTsD46"/>
-</p:tagLst>
-</file>
-
-<file path=ppt/tags/tag40.xml><?xml version="1.0" encoding="utf-8"?>
-<p:tagLst xmlns:a="http://schemas.openxmlformats.org/drawingml/2006/main" xmlns:r="http://schemas.openxmlformats.org/officeDocument/2006/relationships" xmlns:p="http://schemas.openxmlformats.org/presentationml/2006/main">
-  <p:tag name="DVSHAPEID" val="SKDPUKtqUhWHPEt4DrVOCU"/>
-</p:tagLst>
-</file>
-
-<file path=ppt/tags/tag41.xml><?xml version="1.0" encoding="utf-8"?>
-<p:tagLst xmlns:a="http://schemas.openxmlformats.org/drawingml/2006/main" xmlns:r="http://schemas.openxmlformats.org/officeDocument/2006/relationships" xmlns:p="http://schemas.openxmlformats.org/presentationml/2006/main">
-  <p:tag name="DVSHAPEID" val="25IwibnbNsItqg0kCOoijf"/>
-</p:tagLst>
-</file>
-
-<file path=ppt/tags/tag42.xml><?xml version="1.0" encoding="utf-8"?>
-<p:tagLst xmlns:a="http://schemas.openxmlformats.org/drawingml/2006/main" xmlns:r="http://schemas.openxmlformats.org/officeDocument/2006/relationships" xmlns:p="http://schemas.openxmlformats.org/presentationml/2006/main">
-  <p:tag name="DVSHAPEID" val="xLplgKyNPptYIy7osi3Itt"/>
-</p:tagLst>
-</file>
-
-<file path=ppt/tags/tag43.xml><?xml version="1.0" encoding="utf-8"?>
-<p:tagLst xmlns:a="http://schemas.openxmlformats.org/drawingml/2006/main" xmlns:r="http://schemas.openxmlformats.org/officeDocument/2006/relationships" xmlns:p="http://schemas.openxmlformats.org/presentationml/2006/main">
-  <p:tag name="DVSHAPEID" val="Ymec4iP7pkANxW6XUCC0Cj"/>
-</p:tagLst>
-</file>
-
-<file path=ppt/tags/tag44.xml><?xml version="1.0" encoding="utf-8"?>
-<p:tagLst xmlns:a="http://schemas.openxmlformats.org/drawingml/2006/main" xmlns:r="http://schemas.openxmlformats.org/officeDocument/2006/relationships" xmlns:p="http://schemas.openxmlformats.org/presentationml/2006/main">
-  <p:tag name="DVSHAPEID" val="0sxrdel6eAL3M373GgYIZ9"/>
-</p:tagLst>
-</file>
-
-<file path=ppt/tags/tag45.xml><?xml version="1.0" encoding="utf-8"?>
-<p:tagLst xmlns:a="http://schemas.openxmlformats.org/drawingml/2006/main" xmlns:r="http://schemas.openxmlformats.org/officeDocument/2006/relationships" xmlns:p="http://schemas.openxmlformats.org/presentationml/2006/main">
-  <p:tag name="DVSHAPEID" val="nV1bhvnq5tRFlLFC5BLj5Z"/>
-</p:tagLst>
-</file>
-
-<file path=ppt/tags/tag46.xml><?xml version="1.0" encoding="utf-8"?>
-<p:tagLst xmlns:a="http://schemas.openxmlformats.org/drawingml/2006/main" xmlns:r="http://schemas.openxmlformats.org/officeDocument/2006/relationships" xmlns:p="http://schemas.openxmlformats.org/presentationml/2006/main">
-  <p:tag name="DVSHAPEID" val="1t92PQWm2UjQ4Cq2WQJOui"/>
-</p:tagLst>
-</file>
-
-<file path=ppt/tags/tag47.xml><?xml version="1.0" encoding="utf-8"?>
-<p:tagLst xmlns:a="http://schemas.openxmlformats.org/drawingml/2006/main" xmlns:r="http://schemas.openxmlformats.org/officeDocument/2006/relationships" xmlns:p="http://schemas.openxmlformats.org/presentationml/2006/main">
-  <p:tag name="DVSHAPEID" val="c7Hlo3bmWG4nTx1fFxtJrX"/>
-</p:tagLst>
-</file>
-
-<file path=ppt/tags/tag48.xml><?xml version="1.0" encoding="utf-8"?>
-<p:tagLst xmlns:a="http://schemas.openxmlformats.org/drawingml/2006/main" xmlns:r="http://schemas.openxmlformats.org/officeDocument/2006/relationships" xmlns:p="http://schemas.openxmlformats.org/presentationml/2006/main">
-  <p:tag name="DVSHAPEID" val="mvG2c2EUAguJh2ktrSbFXC"/>
-</p:tagLst>
-</file>
-
-<file path=ppt/tags/tag49.xml><?xml version="1.0" encoding="utf-8"?>
-<p:tagLst xmlns:a="http://schemas.openxmlformats.org/drawingml/2006/main" xmlns:r="http://schemas.openxmlformats.org/officeDocument/2006/relationships" xmlns:p="http://schemas.openxmlformats.org/presentationml/2006/main">
-  <p:tag name="DVSHAPEID" val="MHJS0HabkLQfKcFmR8I16N"/>
-</p:tagLst>
-</file>
-
-<file path=ppt/tags/tag5.xml><?xml version="1.0" encoding="utf-8"?>
-<p:tagLst xmlns:a="http://schemas.openxmlformats.org/drawingml/2006/main" xmlns:r="http://schemas.openxmlformats.org/officeDocument/2006/relationships" xmlns:p="http://schemas.openxmlformats.org/presentationml/2006/main">
-  <p:tag name="DVSHAPEID" val="mj4wPRZABc9azCmz7NP8Oc"/>
-</p:tagLst>
-</file>
-
-<file path=ppt/tags/tag50.xml><?xml version="1.0" encoding="utf-8"?>
-<p:tagLst xmlns:a="http://schemas.openxmlformats.org/drawingml/2006/main" xmlns:r="http://schemas.openxmlformats.org/officeDocument/2006/relationships" xmlns:p="http://schemas.openxmlformats.org/presentationml/2006/main">
-  <p:tag name="DVSHAPEID" val="S9gZUb5BxMZJIZjj2XJoVJ"/>
-</p:tagLst>
-</file>
-
-<file path=ppt/tags/tag51.xml><?xml version="1.0" encoding="utf-8"?>
-<p:tagLst xmlns:a="http://schemas.openxmlformats.org/drawingml/2006/main" xmlns:r="http://schemas.openxmlformats.org/officeDocument/2006/relationships" xmlns:p="http://schemas.openxmlformats.org/presentationml/2006/main">
-  <p:tag name="DVSHAPEID" val="T1h7O513XWwZOzC0MZ6Je4"/>
-</p:tagLst>
-</file>
-
-<file path=ppt/tags/tag52.xml><?xml version="1.0" encoding="utf-8"?>
-<p:tagLst xmlns:a="http://schemas.openxmlformats.org/drawingml/2006/main" xmlns:r="http://schemas.openxmlformats.org/officeDocument/2006/relationships" xmlns:p="http://schemas.openxmlformats.org/presentationml/2006/main">
-  <p:tag name="DVSHAPEID" val="f1uF3y5KhIR9geIMn0zuO3"/>
-</p:tagLst>
-</file>
-
-<file path=ppt/tags/tag53.xml><?xml version="1.0" encoding="utf-8"?>
-<p:tagLst xmlns:a="http://schemas.openxmlformats.org/drawingml/2006/main" xmlns:r="http://schemas.openxmlformats.org/officeDocument/2006/relationships" xmlns:p="http://schemas.openxmlformats.org/presentationml/2006/main">
-  <p:tag name="DVSHAPEID" val="dJaJG2aKhcvOMgD82tXcEN"/>
-</p:tagLst>
-</file>
-
-<file path=ppt/tags/tag54.xml><?xml version="1.0" encoding="utf-8"?>
-<p:tagLst xmlns:a="http://schemas.openxmlformats.org/drawingml/2006/main" xmlns:r="http://schemas.openxmlformats.org/officeDocument/2006/relationships" xmlns:p="http://schemas.openxmlformats.org/presentationml/2006/main">
-  <p:tag name="DVSHAPEID" val="7FjnhZC69JfcNKvjR3zxqF"/>
-</p:tagLst>
-</file>
-
-<file path=ppt/tags/tag55.xml><?xml version="1.0" encoding="utf-8"?>
-<p:tagLst xmlns:a="http://schemas.openxmlformats.org/drawingml/2006/main" xmlns:r="http://schemas.openxmlformats.org/officeDocument/2006/relationships" xmlns:p="http://schemas.openxmlformats.org/presentationml/2006/main">
-  <p:tag name="DVSHAPEID" val="Drss8eX6wCppCvqiKa8b2L"/>
-</p:tagLst>
-</file>
-
-<file path=ppt/tags/tag56.xml><?xml version="1.0" encoding="utf-8"?>
-<p:tagLst xmlns:a="http://schemas.openxmlformats.org/drawingml/2006/main" xmlns:r="http://schemas.openxmlformats.org/officeDocument/2006/relationships" xmlns:p="http://schemas.openxmlformats.org/presentationml/2006/main">
-  <p:tag name="DVSHAPEID" val="zzsSDIBUD7ns1RVPRn82dD"/>
-</p:tagLst>
-</file>
-
-<file path=ppt/tags/tag57.xml><?xml version="1.0" encoding="utf-8"?>
-<p:tagLst xmlns:a="http://schemas.openxmlformats.org/drawingml/2006/main" xmlns:r="http://schemas.openxmlformats.org/officeDocument/2006/relationships" xmlns:p="http://schemas.openxmlformats.org/presentationml/2006/main">
-  <p:tag name="DVSHAPEID" val="No80TyjoofCSSS0fAfuBZi"/>
-</p:tagLst>
-</file>
-
-<file path=ppt/tags/tag58.xml><?xml version="1.0" encoding="utf-8"?>
-<p:tagLst xmlns:a="http://schemas.openxmlformats.org/drawingml/2006/main" xmlns:r="http://schemas.openxmlformats.org/officeDocument/2006/relationships" xmlns:p="http://schemas.openxmlformats.org/presentationml/2006/main">
-  <p:tag name="DVSHAPEID" val="29tynUjK20xWM3KDP3BeI8"/>
-</p:tagLst>
-</file>
-
-<file path=ppt/tags/tag59.xml><?xml version="1.0" encoding="utf-8"?>
-<p:tagLst xmlns:a="http://schemas.openxmlformats.org/drawingml/2006/main" xmlns:r="http://schemas.openxmlformats.org/officeDocument/2006/relationships" xmlns:p="http://schemas.openxmlformats.org/presentationml/2006/main">
-  <p:tag name="DVSHAPEID" val="P8Z2PBNTxCEvmYwkbo4DcC"/>
-</p:tagLst>
-</file>
-
-<file path=ppt/tags/tag6.xml><?xml version="1.0" encoding="utf-8"?>
-<p:tagLst xmlns:a="http://schemas.openxmlformats.org/drawingml/2006/main" xmlns:r="http://schemas.openxmlformats.org/officeDocument/2006/relationships" xmlns:p="http://schemas.openxmlformats.org/presentationml/2006/main">
-  <p:tag name="DVSHAPEID" val="dA7xeAoBcdAbTc42ATQ7sh"/>
-</p:tagLst>
-</file>
-
-<file path=ppt/tags/tag60.xml><?xml version="1.0" encoding="utf-8"?>
-<p:tagLst xmlns:a="http://schemas.openxmlformats.org/drawingml/2006/main" xmlns:r="http://schemas.openxmlformats.org/officeDocument/2006/relationships" xmlns:p="http://schemas.openxmlformats.org/presentationml/2006/main">
-  <p:tag name="DVSHAPEID" val="lW6WvWpr0KzTkkyk5IX8sV"/>
-</p:tagLst>
-</file>
-
-<file path=ppt/tags/tag61.xml><?xml version="1.0" encoding="utf-8"?>
-<p:tagLst xmlns:a="http://schemas.openxmlformats.org/drawingml/2006/main" xmlns:r="http://schemas.openxmlformats.org/officeDocument/2006/relationships" xmlns:p="http://schemas.openxmlformats.org/presentationml/2006/main">
-  <p:tag name="DVSHAPEID" val="hhHL7uRc95VdN3WS5Qt6BT"/>
-</p:tagLst>
-</file>
-
-<file path=ppt/tags/tag62.xml><?xml version="1.0" encoding="utf-8"?>
-<p:tagLst xmlns:a="http://schemas.openxmlformats.org/drawingml/2006/main" xmlns:r="http://schemas.openxmlformats.org/officeDocument/2006/relationships" xmlns:p="http://schemas.openxmlformats.org/presentationml/2006/main">
-  <p:tag name="DVSHAPEID" val="VsEbLQjmG39pEOfKPVzNAt"/>
-</p:tagLst>
-</file>
-
-<file path=ppt/tags/tag63.xml><?xml version="1.0" encoding="utf-8"?>
-<p:tagLst xmlns:a="http://schemas.openxmlformats.org/drawingml/2006/main" xmlns:r="http://schemas.openxmlformats.org/officeDocument/2006/relationships" xmlns:p="http://schemas.openxmlformats.org/presentationml/2006/main">
-  <p:tag name="DVSHAPEID" val="Y6wvodD6Fmjnle6VI1TNpR"/>
-</p:tagLst>
-</file>
-
-<file path=ppt/tags/tag64.xml><?xml version="1.0" encoding="utf-8"?>
-<p:tagLst xmlns:a="http://schemas.openxmlformats.org/drawingml/2006/main" xmlns:r="http://schemas.openxmlformats.org/officeDocument/2006/relationships" xmlns:p="http://schemas.openxmlformats.org/presentationml/2006/main">
-  <p:tag name="DVSHAPEID" val="3no7Cl0ywNjstyEgr5JzoN"/>
-</p:tagLst>
-</file>
-
-<file path=ppt/tags/tag65.xml><?xml version="1.0" encoding="utf-8"?>
-<p:tagLst xmlns:a="http://schemas.openxmlformats.org/drawingml/2006/main" xmlns:r="http://schemas.openxmlformats.org/officeDocument/2006/relationships" xmlns:p="http://schemas.openxmlformats.org/presentationml/2006/main">
-  <p:tag name="DVSHAPEID" val="6gt0DUcyUM46286hAh56Pv"/>
-</p:tagLst>
-</file>
-
-<file path=ppt/tags/tag66.xml><?xml version="1.0" encoding="utf-8"?>
-<p:tagLst xmlns:a="http://schemas.openxmlformats.org/drawingml/2006/main" xmlns:r="http://schemas.openxmlformats.org/officeDocument/2006/relationships" xmlns:p="http://schemas.openxmlformats.org/presentationml/2006/main">
-  <p:tag name="DVSHAPEID" val="4TKxgszN4Psfh8EBH6mYTw"/>
-</p:tagLst>
-</file>
-
-<file path=ppt/tags/tag67.xml><?xml version="1.0" encoding="utf-8"?>
-<p:tagLst xmlns:a="http://schemas.openxmlformats.org/drawingml/2006/main" xmlns:r="http://schemas.openxmlformats.org/officeDocument/2006/relationships" xmlns:p="http://schemas.openxmlformats.org/presentationml/2006/main">
-  <p:tag name="DVSHAPEID" val="nmwv9avrtiYAczg5EJY6Hf"/>
-</p:tagLst>
-</file>
-
-<file path=ppt/tags/tag68.xml><?xml version="1.0" encoding="utf-8"?>
-<p:tagLst xmlns:a="http://schemas.openxmlformats.org/drawingml/2006/main" xmlns:r="http://schemas.openxmlformats.org/officeDocument/2006/relationships" xmlns:p="http://schemas.openxmlformats.org/presentationml/2006/main">
-  <p:tag name="DVSHAPEID" val="EMRYCYAZJRBxwn1KjphDla"/>
-</p:tagLst>
-</file>
-
-<file path=ppt/tags/tag69.xml><?xml version="1.0" encoding="utf-8"?>
-<p:tagLst xmlns:a="http://schemas.openxmlformats.org/drawingml/2006/main" xmlns:r="http://schemas.openxmlformats.org/officeDocument/2006/relationships" xmlns:p="http://schemas.openxmlformats.org/presentationml/2006/main">
-  <p:tag name="DVSHAPEID" val="hHW4lBsCZNP7IJEaxxRuy6"/>
-</p:tagLst>
-</file>
-
-<file path=ppt/tags/tag7.xml><?xml version="1.0" encoding="utf-8"?>
-<p:tagLst xmlns:a="http://schemas.openxmlformats.org/drawingml/2006/main" xmlns:r="http://schemas.openxmlformats.org/officeDocument/2006/relationships" xmlns:p="http://schemas.openxmlformats.org/presentationml/2006/main">
-  <p:tag name="DVSHAPEID" val="WrjAS7MEOVha6tohDpc0ZW"/>
-</p:tagLst>
-</file>
-
-<file path=ppt/tags/tag70.xml><?xml version="1.0" encoding="utf-8"?>
-<p:tagLst xmlns:a="http://schemas.openxmlformats.org/drawingml/2006/main" xmlns:r="http://schemas.openxmlformats.org/officeDocument/2006/relationships" xmlns:p="http://schemas.openxmlformats.org/presentationml/2006/main">
-  <p:tag name="DVSHAPEID" val="YE3S3TqzO4Ttua2xCYx6SO"/>
-</p:tagLst>
-</file>
-
-<file path=ppt/tags/tag71.xml><?xml version="1.0" encoding="utf-8"?>
-<p:tagLst xmlns:a="http://schemas.openxmlformats.org/drawingml/2006/main" xmlns:r="http://schemas.openxmlformats.org/officeDocument/2006/relationships" xmlns:p="http://schemas.openxmlformats.org/presentationml/2006/main">
-  <p:tag name="DVSHAPEID" val="IoEi58RKMQBbIi1sxycqYK"/>
-</p:tagLst>
-</file>
-
-<file path=ppt/tags/tag72.xml><?xml version="1.0" encoding="utf-8"?>
-<p:tagLst xmlns:a="http://schemas.openxmlformats.org/drawingml/2006/main" xmlns:r="http://schemas.openxmlformats.org/officeDocument/2006/relationships" xmlns:p="http://schemas.openxmlformats.org/presentationml/2006/main">
-  <p:tag name="DVSHAPEID" val="dfeu8ZUSXreaVEdLOhH4h3"/>
-</p:tagLst>
-</file>
-
-<file path=ppt/tags/tag73.xml><?xml version="1.0" encoding="utf-8"?>
-<p:tagLst xmlns:a="http://schemas.openxmlformats.org/drawingml/2006/main" xmlns:r="http://schemas.openxmlformats.org/officeDocument/2006/relationships" xmlns:p="http://schemas.openxmlformats.org/presentationml/2006/main">
-  <p:tag name="DVSHAPEID" val="SjsKw9qYUrQXap4BZRPTT9"/>
-</p:tagLst>
-</file>
-
-<file path=ppt/tags/tag74.xml><?xml version="1.0" encoding="utf-8"?>
-<p:tagLst xmlns:a="http://schemas.openxmlformats.org/drawingml/2006/main" xmlns:r="http://schemas.openxmlformats.org/officeDocument/2006/relationships" xmlns:p="http://schemas.openxmlformats.org/presentationml/2006/main">
-  <p:tag name="DVSHAPEID" val="XymnfMKUIUtamV2otKsYxM"/>
-</p:tagLst>
-</file>
-
-<file path=ppt/tags/tag75.xml><?xml version="1.0" encoding="utf-8"?>
-<p:tagLst xmlns:a="http://schemas.openxmlformats.org/drawingml/2006/main" xmlns:r="http://schemas.openxmlformats.org/officeDocument/2006/relationships" xmlns:p="http://schemas.openxmlformats.org/presentationml/2006/main">
-  <p:tag name="DVSHAPEID" val="jYtNHchQeo9IlUn8UEeZJW"/>
-</p:tagLst>
-</file>
-
-<file path=ppt/tags/tag76.xml><?xml version="1.0" encoding="utf-8"?>
-<p:tagLst xmlns:a="http://schemas.openxmlformats.org/drawingml/2006/main" xmlns:r="http://schemas.openxmlformats.org/officeDocument/2006/relationships" xmlns:p="http://schemas.openxmlformats.org/presentationml/2006/main">
-  <p:tag name="DVSHAPEID" val="uZ38zBn5rUBbenTr5xDSF4"/>
-</p:tagLst>
-</file>
-
-<file path=ppt/tags/tag77.xml><?xml version="1.0" encoding="utf-8"?>
-<p:tagLst xmlns:a="http://schemas.openxmlformats.org/drawingml/2006/main" xmlns:r="http://schemas.openxmlformats.org/officeDocument/2006/relationships" xmlns:p="http://schemas.openxmlformats.org/presentationml/2006/main">
-  <p:tag name="DVSHAPEID" val="0Ez80kQOJy2nttKyDGs8Wf"/>
-</p:tagLst>
-</file>
-
-<file path=ppt/tags/tag78.xml><?xml version="1.0" encoding="utf-8"?>
-<p:tagLst xmlns:a="http://schemas.openxmlformats.org/drawingml/2006/main" xmlns:r="http://schemas.openxmlformats.org/officeDocument/2006/relationships" xmlns:p="http://schemas.openxmlformats.org/presentationml/2006/main">
-  <p:tag name="DVSHAPEID" val="6aF0ftyHmQgpZozrA2fDa3"/>
-</p:tagLst>
-</file>
-
-<file path=ppt/tags/tag79.xml><?xml version="1.0" encoding="utf-8"?>
-<p:tagLst xmlns:a="http://schemas.openxmlformats.org/drawingml/2006/main" xmlns:r="http://schemas.openxmlformats.org/officeDocument/2006/relationships" xmlns:p="http://schemas.openxmlformats.org/presentationml/2006/main">
-  <p:tag name="DVSHAPEID" val="8QTpGwUWpw8Lxos05nf2cc"/>
-</p:tagLst>
-</file>
-
-<file path=ppt/tags/tag8.xml><?xml version="1.0" encoding="utf-8"?>
-<p:tagLst xmlns:a="http://schemas.openxmlformats.org/drawingml/2006/main" xmlns:r="http://schemas.openxmlformats.org/officeDocument/2006/relationships" xmlns:p="http://schemas.openxmlformats.org/presentationml/2006/main">
-  <p:tag name="DVSHAPEID" val="AoJav4cVhHJVDFeEIgOxoE"/>
-</p:tagLst>
-</file>
-
-<file path=ppt/tags/tag80.xml><?xml version="1.0" encoding="utf-8"?>
-<p:tagLst xmlns:a="http://schemas.openxmlformats.org/drawingml/2006/main" xmlns:r="http://schemas.openxmlformats.org/officeDocument/2006/relationships" xmlns:p="http://schemas.openxmlformats.org/presentationml/2006/main">
-  <p:tag name="DVSHAPEID" val="64ulZc5pTj432O6PM2MprJ"/>
-</p:tagLst>
-</file>
-
-<file path=ppt/tags/tag81.xml><?xml version="1.0" encoding="utf-8"?>
-<p:tagLst xmlns:a="http://schemas.openxmlformats.org/drawingml/2006/main" xmlns:r="http://schemas.openxmlformats.org/officeDocument/2006/relationships" xmlns:p="http://schemas.openxmlformats.org/presentationml/2006/main">
-  <p:tag name="DVSHAPEID" val="hdRaYzXRo7RWJPVlxIQ0DO"/>
-</p:tagLst>
-</file>
-
-<file path=ppt/tags/tag82.xml><?xml version="1.0" encoding="utf-8"?>
-<p:tagLst xmlns:a="http://schemas.openxmlformats.org/drawingml/2006/main" xmlns:r="http://schemas.openxmlformats.org/officeDocument/2006/relationships" xmlns:p="http://schemas.openxmlformats.org/presentationml/2006/main">
-  <p:tag name="DVSHAPEID" val="HumDUfAdgMKnNhuOdvr1VW"/>
-</p:tagLst>
-</file>
-
-<file path=ppt/tags/tag83.xml><?xml version="1.0" encoding="utf-8"?>
-<p:tagLst xmlns:a="http://schemas.openxmlformats.org/drawingml/2006/main" xmlns:r="http://schemas.openxmlformats.org/officeDocument/2006/relationships" xmlns:p="http://schemas.openxmlformats.org/presentationml/2006/main">
-  <p:tag name="DVSHAPEID" val="b65gUru4yr6swnOlFIhaR4"/>
-</p:tagLst>
-</file>
-
-<file path=ppt/tags/tag84.xml><?xml version="1.0" encoding="utf-8"?>
-<p:tagLst xmlns:a="http://schemas.openxmlformats.org/drawingml/2006/main" xmlns:r="http://schemas.openxmlformats.org/officeDocument/2006/relationships" xmlns:p="http://schemas.openxmlformats.org/presentationml/2006/main">
-  <p:tag name="DVSHAPEID" val="bm2DQIukyBTKigyEk9Ibdj"/>
-</p:tagLst>
-</file>
-
-<file path=ppt/tags/tag85.xml><?xml version="1.0" encoding="utf-8"?>
-<p:tagLst xmlns:a="http://schemas.openxmlformats.org/drawingml/2006/main" xmlns:r="http://schemas.openxmlformats.org/officeDocument/2006/relationships" xmlns:p="http://schemas.openxmlformats.org/presentationml/2006/main">
-  <p:tag name="DVSHAPEID" val="gkL60RQJKK57UIegAMzeTv"/>
-</p:tagLst>
-</file>
-
-<file path=ppt/tags/tag86.xml><?xml version="1.0" encoding="utf-8"?>
-<p:tagLst xmlns:a="http://schemas.openxmlformats.org/drawingml/2006/main" xmlns:r="http://schemas.openxmlformats.org/officeDocument/2006/relationships" xmlns:p="http://schemas.openxmlformats.org/presentationml/2006/main">
-  <p:tag name="DVSHAPEID" val="zM5xN1n7sFQR5HSJHDuOQ8"/>
-</p:tagLst>
-</file>
-
-<file path=ppt/tags/tag87.xml><?xml version="1.0" encoding="utf-8"?>
-<p:tagLst xmlns:a="http://schemas.openxmlformats.org/drawingml/2006/main" xmlns:r="http://schemas.openxmlformats.org/officeDocument/2006/relationships" xmlns:p="http://schemas.openxmlformats.org/presentationml/2006/main">
-  <p:tag name="DVSHAPEID" val="EblPq3zWBZqLKZ1s4PmDip"/>
-</p:tagLst>
-</file>
-
-<file path=ppt/tags/tag88.xml><?xml version="1.0" encoding="utf-8"?>
-<p:tagLst xmlns:a="http://schemas.openxmlformats.org/drawingml/2006/main" xmlns:r="http://schemas.openxmlformats.org/officeDocument/2006/relationships" xmlns:p="http://schemas.openxmlformats.org/presentationml/2006/main">
-  <p:tag name="DVSHAPEID" val="g2DwoQ4WJ4Er7TcXBjxw4R"/>
-</p:tagLst>
-</file>
-
-<file path=ppt/tags/tag89.xml><?xml version="1.0" encoding="utf-8"?>
-<p:tagLst xmlns:a="http://schemas.openxmlformats.org/drawingml/2006/main" xmlns:r="http://schemas.openxmlformats.org/officeDocument/2006/relationships" xmlns:p="http://schemas.openxmlformats.org/presentationml/2006/main">
-  <p:tag name="DVSHAPEID" val="rjXTIfzEscQfUicTFJRFfl"/>
-</p:tagLst>
-</file>
-
-<file path=ppt/tags/tag9.xml><?xml version="1.0" encoding="utf-8"?>
-<p:tagLst xmlns:a="http://schemas.openxmlformats.org/drawingml/2006/main" xmlns:r="http://schemas.openxmlformats.org/officeDocument/2006/relationships" xmlns:p="http://schemas.openxmlformats.org/presentationml/2006/main">
-  <p:tag name="DVSHAPEID" val="TI5ADigrUsh0RUQHBIsSDA"/>
-</p:tagLst>
-</file>
-
-<file path=ppt/tags/tag90.xml><?xml version="1.0" encoding="utf-8"?>
-<p:tagLst xmlns:a="http://schemas.openxmlformats.org/drawingml/2006/main" xmlns:r="http://schemas.openxmlformats.org/officeDocument/2006/relationships" xmlns:p="http://schemas.openxmlformats.org/presentationml/2006/main">
-  <p:tag name="DVSHAPEID" val="6jR7g6e26LlpBjzu8Pn4Cs"/>
-</p:tagLst>
-</file>
-
-<file path=ppt/tags/tag91.xml><?xml version="1.0" encoding="utf-8"?>
-<p:tagLst xmlns:a="http://schemas.openxmlformats.org/drawingml/2006/main" xmlns:r="http://schemas.openxmlformats.org/officeDocument/2006/relationships" xmlns:p="http://schemas.openxmlformats.org/presentationml/2006/main">
-  <p:tag name="DVSHAPEID" val="ARZULHEOEpB5cD1AYtqp64"/>
-</p:tagLst>
-</file>
-
-<file path=ppt/tags/tag92.xml><?xml version="1.0" encoding="utf-8"?>
-<p:tagLst xmlns:a="http://schemas.openxmlformats.org/drawingml/2006/main" xmlns:r="http://schemas.openxmlformats.org/officeDocument/2006/relationships" xmlns:p="http://schemas.openxmlformats.org/presentationml/2006/main">
-  <p:tag name="DVSHAPEID" val="UvGTkaB2ibJEI08lkwoh6W"/>
-</p:tagLst>
-</file>
-
-<file path=ppt/tags/tag93.xml><?xml version="1.0" encoding="utf-8"?>
-<p:tagLst xmlns:a="http://schemas.openxmlformats.org/drawingml/2006/main" xmlns:r="http://schemas.openxmlformats.org/officeDocument/2006/relationships" xmlns:p="http://schemas.openxmlformats.org/presentationml/2006/main">
-  <p:tag name="DVSHAPEID" val="Nw6VsxQUEdlwXtdSmtcC6q"/>
-</p:tagLst>
-</file>
-
-<file path=ppt/tags/tag94.xml><?xml version="1.0" encoding="utf-8"?>
-<p:tagLst xmlns:a="http://schemas.openxmlformats.org/drawingml/2006/main" xmlns:r="http://schemas.openxmlformats.org/officeDocument/2006/relationships" xmlns:p="http://schemas.openxmlformats.org/presentationml/2006/main">
-  <p:tag name="DVSHAPEID" val="mxU1rD8T0OXYHaMpI3coxv"/>
-</p:tagLst>
-</file>
-
-<file path=ppt/tags/tag95.xml><?xml version="1.0" encoding="utf-8"?>
-<p:tagLst xmlns:a="http://schemas.openxmlformats.org/drawingml/2006/main" xmlns:r="http://schemas.openxmlformats.org/officeDocument/2006/relationships" xmlns:p="http://schemas.openxmlformats.org/presentationml/2006/main">
-  <p:tag name="DVSECTIONID" val="VKcmgREgt4yjyfwmGF8YLX"/>
-</p:tagLst>
-</file>
-
-<file path=ppt/tags/tag96.xml><?xml version="1.0" encoding="utf-8"?>
-<p:tagLst xmlns:a="http://schemas.openxmlformats.org/drawingml/2006/main" xmlns:r="http://schemas.openxmlformats.org/officeDocument/2006/relationships" xmlns:p="http://schemas.openxmlformats.org/presentationml/2006/main">
-  <p:tag name="DVSHAPEID" val="jc2F8saV4uPnay0r5dLKcw"/>
-</p:tagLst>
-</file>
-
-<file path=ppt/tags/tag97.xml><?xml version="1.0" encoding="utf-8"?>
-<p:tagLst xmlns:a="http://schemas.openxmlformats.org/drawingml/2006/main" xmlns:r="http://schemas.openxmlformats.org/officeDocument/2006/relationships" xmlns:p="http://schemas.openxmlformats.org/presentationml/2006/main">
-  <p:tag name="DVSHAPEID" val="yZL35XL9qITQeIZMvFJ5Jt"/>
-</p:tagLst>
-</file>
-
-<file path=ppt/tags/tag98.xml><?xml version="1.0" encoding="utf-8"?>
-<p:tagLst xmlns:a="http://schemas.openxmlformats.org/drawingml/2006/main" xmlns:r="http://schemas.openxmlformats.org/officeDocument/2006/relationships" xmlns:p="http://schemas.openxmlformats.org/presentationml/2006/main">
-  <p:tag name="DVSHAPEID" val="9k0dohXZCMjNE3T4mdaV46"/>
-</p:tagLst>
-</file>
-
-<file path=ppt/tags/tag99.xml><?xml version="1.0" encoding="utf-8"?>
-<p:tagLst xmlns:a="http://schemas.openxmlformats.org/drawingml/2006/main" xmlns:r="http://schemas.openxmlformats.org/officeDocument/2006/relationships" xmlns:p="http://schemas.openxmlformats.org/presentationml/2006/main">
-  <p:tag name="DVSHAPEID" val="ujkirjH506M5Qr3Rytbr66"/>
-</p:tagLst>
 </file>
 
 <file path=ppt/theme/theme1.xml><?xml version="1.0" encoding="utf-8"?>
